--- a/PowerPoint Slides/13 - Subprograms.pptx
+++ b/PowerPoint Slides/13 - Subprograms.pptx
@@ -8064,14 +8064,14 @@
           <a:p>
             <a:r>
               <a:rPr lang="en-US" sz="2900" dirty="0"/>
-              <a:t>Selected Methods in the Modified</a:t>
+              <a:t>A Property and Selected Methods in the</a:t>
             </a:r>
             <a:br>
               <a:rPr lang="en-US" sz="2900" dirty="0"/>
             </a:br>
             <a:r>
               <a:rPr lang="en-US" sz="2900" dirty="0"/>
-              <a:t>Version of </a:t>
+              <a:t>Modified Version of </a:t>
             </a:r>
             <a:r>
               <a:rPr lang="en-US" sz="2900" dirty="0">
@@ -8101,7 +8101,7 @@
           <a:p>
             <a:pPr marL="91440" indent="0">
               <a:spcBef>
-                <a:spcPts val="0"/>
+                <a:spcPts val="100"/>
               </a:spcBef>
               <a:buNone/>
             </a:pPr>
@@ -8116,7 +8116,7 @@
           <a:p>
             <a:pPr marL="91440" indent="0">
               <a:spcBef>
-                <a:spcPts val="0"/>
+                <a:spcPts val="100"/>
               </a:spcBef>
               <a:buNone/>
             </a:pPr>
@@ -8125,13 +8125,13 @@
                 <a:latin typeface="Consolas" pitchFamily="49" charset="0"/>
                 <a:cs typeface="Consolas" pitchFamily="49" charset="0"/>
               </a:rPr>
-              <a:t> * Opens a new scope for identifiers.</a:t>
+              <a:t> * The current scope level.</a:t>
             </a:r>
           </a:p>
           <a:p>
             <a:pPr marL="91440" indent="0">
               <a:spcBef>
-                <a:spcPts val="0"/>
+                <a:spcPts val="100"/>
               </a:spcBef>
               <a:buNone/>
             </a:pPr>
@@ -8146,31 +8146,49 @@
           <a:p>
             <a:pPr marL="91440" indent="0">
               <a:spcBef>
-                <a:spcPts val="0"/>
+                <a:spcPts val="100"/>
               </a:spcBef>
               <a:buNone/>
             </a:pPr>
             <a:r>
+              <a:rPr lang="en-US" sz="1800" dirty="0" err="1">
+                <a:latin typeface="Consolas" pitchFamily="49" charset="0"/>
+                <a:cs typeface="Consolas" pitchFamily="49" charset="0"/>
+              </a:rPr>
+              <a:t>val</a:t>
+            </a:r>
+            <a:r>
               <a:rPr lang="en-US" sz="1800" dirty="0">
                 <a:latin typeface="Consolas" pitchFamily="49" charset="0"/>
                 <a:cs typeface="Consolas" pitchFamily="49" charset="0"/>
               </a:rPr>
-              <a:t>fun </a:t>
+              <a:t> </a:t>
             </a:r>
             <a:r>
               <a:rPr lang="en-US" sz="1800" dirty="0" err="1">
                 <a:latin typeface="Consolas" pitchFamily="49" charset="0"/>
                 <a:cs typeface="Consolas" pitchFamily="49" charset="0"/>
               </a:rPr>
-              <a:t>openScope</a:t>
+              <a:t>scopeLevel</a:t>
             </a:r>
             <a:r>
               <a:rPr lang="en-US" sz="1800" dirty="0">
                 <a:latin typeface="Consolas" pitchFamily="49" charset="0"/>
                 <a:cs typeface="Consolas" pitchFamily="49" charset="0"/>
               </a:rPr>
-              <a:t>()</a:t>
-            </a:r>
+              <a:t> : </a:t>
+            </a:r>
+            <a:r>
+              <a:rPr lang="en-US" sz="1800" dirty="0" err="1">
+                <a:latin typeface="Consolas" pitchFamily="49" charset="0"/>
+                <a:cs typeface="Consolas" pitchFamily="49" charset="0"/>
+              </a:rPr>
+              <a:t>ScopeLevel</a:t>
+            </a:r>
+            <a:endParaRPr lang="en-US" sz="1800" dirty="0">
+              <a:latin typeface="Consolas" pitchFamily="49" charset="0"/>
+              <a:cs typeface="Consolas" pitchFamily="49" charset="0"/>
+            </a:endParaRPr>
           </a:p>
           <a:p>
             <a:pPr marL="91440" indent="0">
@@ -8211,7 +8229,7 @@
                 <a:latin typeface="Consolas" pitchFamily="49" charset="0"/>
                 <a:cs typeface="Consolas" pitchFamily="49" charset="0"/>
               </a:rPr>
-              <a:t> * Closes the outermost scope.</a:t>
+              <a:t> * Opens a new scope for identifiers.</a:t>
             </a:r>
           </a:p>
           <a:p>
@@ -8248,7 +8266,7 @@
                 <a:latin typeface="Consolas" pitchFamily="49" charset="0"/>
                 <a:cs typeface="Consolas" pitchFamily="49" charset="0"/>
               </a:rPr>
-              <a:t>closeScope</a:t>
+              <a:t>openScope</a:t>
             </a:r>
             <a:r>
               <a:rPr lang="en-US" sz="1800" dirty="0">
@@ -8297,7 +8315,7 @@
                 <a:latin typeface="Consolas" pitchFamily="49" charset="0"/>
                 <a:cs typeface="Consolas" pitchFamily="49" charset="0"/>
               </a:rPr>
-              <a:t> * Add a declaration at the current scope level.</a:t>
+              <a:t> * Closes the outermost scope.</a:t>
             </a:r>
           </a:p>
           <a:p>
@@ -8312,21 +8330,7 @@
                 <a:latin typeface="Consolas" pitchFamily="49" charset="0"/>
                 <a:cs typeface="Consolas" pitchFamily="49" charset="0"/>
               </a:rPr>
-              <a:t> * @throws </a:t>
-            </a:r>
-            <a:r>
-              <a:rPr lang="en-US" sz="1800" dirty="0" err="1">
-                <a:latin typeface="Consolas" pitchFamily="49" charset="0"/>
-                <a:cs typeface="Consolas" pitchFamily="49" charset="0"/>
-              </a:rPr>
-              <a:t>ParserException</a:t>
-            </a:r>
-            <a:r>
-              <a:rPr lang="en-US" sz="1800" dirty="0">
-                <a:latin typeface="Consolas" pitchFamily="49" charset="0"/>
-                <a:cs typeface="Consolas" pitchFamily="49" charset="0"/>
-              </a:rPr>
-              <a:t> if the identifier token associated</a:t>
+              <a:t> */</a:t>
             </a:r>
           </a:p>
           <a:p>
@@ -8341,7 +8345,21 @@
                 <a:latin typeface="Consolas" pitchFamily="49" charset="0"/>
                 <a:cs typeface="Consolas" pitchFamily="49" charset="0"/>
               </a:rPr>
-              <a:t> *                         with the declaration is already</a:t>
+              <a:t>fun </a:t>
+            </a:r>
+            <a:r>
+              <a:rPr lang="en-US" sz="1800" dirty="0" err="1">
+                <a:latin typeface="Consolas" pitchFamily="49" charset="0"/>
+                <a:cs typeface="Consolas" pitchFamily="49" charset="0"/>
+              </a:rPr>
+              <a:t>closeScope</a:t>
+            </a:r>
+            <a:r>
+              <a:rPr lang="en-US" sz="1800" dirty="0">
+                <a:latin typeface="Consolas" pitchFamily="49" charset="0"/>
+                <a:cs typeface="Consolas" pitchFamily="49" charset="0"/>
+              </a:rPr>
+              <a:t>()</a:t>
             </a:r>
           </a:p>
           <a:p>
@@ -8351,57 +8369,10 @@
               </a:spcBef>
               <a:buNone/>
             </a:pPr>
-            <a:r>
-              <a:rPr lang="en-US" sz="1800" dirty="0">
-                <a:latin typeface="Consolas" pitchFamily="49" charset="0"/>
-                <a:cs typeface="Consolas" pitchFamily="49" charset="0"/>
-              </a:rPr>
-              <a:t> *                         defined in the current scope.</a:t>
-            </a:r>
-          </a:p>
-          <a:p>
-            <a:pPr marL="91440" indent="0">
-              <a:spcBef>
-                <a:spcPts val="0"/>
-              </a:spcBef>
-              <a:buNone/>
-            </a:pPr>
-            <a:r>
-              <a:rPr lang="en-US" sz="1800" dirty="0">
-                <a:latin typeface="Consolas" pitchFamily="49" charset="0"/>
-                <a:cs typeface="Consolas" pitchFamily="49" charset="0"/>
-              </a:rPr>
-              <a:t> */</a:t>
-            </a:r>
-          </a:p>
-          <a:p>
-            <a:pPr marL="91440" indent="0">
-              <a:spcBef>
-                <a:spcPts val="0"/>
-              </a:spcBef>
-              <a:buNone/>
-            </a:pPr>
-            <a:r>
-              <a:rPr lang="en-US" sz="1800" dirty="0">
-                <a:latin typeface="Consolas" pitchFamily="49" charset="0"/>
-                <a:cs typeface="Consolas" pitchFamily="49" charset="0"/>
-              </a:rPr>
-              <a:t>fun add(</a:t>
-            </a:r>
-            <a:r>
-              <a:rPr lang="en-US" sz="1800" dirty="0" err="1">
-                <a:latin typeface="Consolas" pitchFamily="49" charset="0"/>
-                <a:cs typeface="Consolas" pitchFamily="49" charset="0"/>
-              </a:rPr>
-              <a:t>decl</a:t>
-            </a:r>
-            <a:r>
-              <a:rPr lang="en-US" sz="1800" dirty="0">
-                <a:latin typeface="Consolas" pitchFamily="49" charset="0"/>
-                <a:cs typeface="Consolas" pitchFamily="49" charset="0"/>
-              </a:rPr>
-              <a:t> : Declaration)</a:t>
-            </a:r>
+            <a:endParaRPr lang="en-US" sz="1800" dirty="0">
+              <a:latin typeface="Consolas" pitchFamily="49" charset="0"/>
+              <a:cs typeface="Consolas" pitchFamily="49" charset="0"/>
+            </a:endParaRPr>
           </a:p>
         </p:txBody>
       </p:sp>
@@ -8463,375 +8434,22 @@
           </a:p>
         </p:txBody>
       </p:sp>
-    </p:spTree>
-  </p:cSld>
-  <p:clrMapOvr>
-    <a:masterClrMapping/>
-  </p:clrMapOvr>
-</p:sld>
-</file>
-
-<file path=ppt/slides/slide14.xml><?xml version="1.0" encoding="utf-8"?>
-<p:sld xmlns:a="http://schemas.openxmlformats.org/drawingml/2006/main" xmlns:r="http://schemas.openxmlformats.org/officeDocument/2006/relationships" xmlns:p="http://schemas.openxmlformats.org/presentationml/2006/main">
-  <p:cSld>
-    <p:spTree>
-      <p:nvGrpSpPr>
-        <p:cNvPr id="1" name=""/>
-        <p:cNvGrpSpPr/>
-        <p:nvPr/>
-      </p:nvGrpSpPr>
-      <p:grpSpPr>
-        <a:xfrm>
-          <a:off x="0" y="0"/>
-          <a:ext cx="0" cy="0"/>
-          <a:chOff x="0" y="0"/>
-          <a:chExt cx="0" cy="0"/>
-        </a:xfrm>
-      </p:grpSpPr>
-      <p:sp>
-        <p:nvSpPr>
-          <p:cNvPr id="2" name="Title 1"/>
-          <p:cNvSpPr>
-            <a:spLocks noGrp="1"/>
-          </p:cNvSpPr>
-          <p:nvPr>
-            <p:ph type="title"/>
-          </p:nvPr>
-        </p:nvSpPr>
-        <p:spPr/>
-        <p:txBody>
-          <a:bodyPr/>
-          <a:lstStyle/>
-          <a:p>
-            <a:r>
-              <a:rPr lang="en-US" sz="2900" dirty="0"/>
-              <a:t>Selected Methods in the Modified</a:t>
-            </a:r>
-            <a:br>
-              <a:rPr lang="en-US" sz="2900" dirty="0"/>
-            </a:br>
-            <a:r>
-              <a:rPr lang="en-US" sz="2900" dirty="0"/>
-              <a:t>Version of </a:t>
-            </a:r>
-            <a:r>
-              <a:rPr lang="en-US" sz="2900" dirty="0">
-                <a:latin typeface="Consolas" pitchFamily="49" charset="0"/>
-                <a:cs typeface="Consolas" pitchFamily="49" charset="0"/>
-              </a:rPr>
-              <a:t>IdTable</a:t>
-            </a:r>
-            <a:r>
-              <a:rPr lang="en-US" sz="2900" dirty="0"/>
-              <a:t> </a:t>
-            </a:r>
-            <a:r>
-              <a:rPr lang="en-US" sz="2400" dirty="0"/>
-              <a:t>(</a:t>
-            </a:r>
-            <a:r>
-              <a:rPr lang="en-US" sz="2400" dirty="0">
-                <a:latin typeface="+mn-lt"/>
-                <a:cs typeface="Consolas" pitchFamily="49" charset="0"/>
-              </a:rPr>
-              <a:t>continued)</a:t>
-            </a:r>
-            <a:endParaRPr lang="en-US" sz="2900" dirty="0">
-              <a:latin typeface="+mn-lt"/>
-            </a:endParaRPr>
-          </a:p>
-        </p:txBody>
-      </p:sp>
-      <p:sp>
-        <p:nvSpPr>
-          <p:cNvPr id="3" name="Content Placeholder 2"/>
-          <p:cNvSpPr>
-            <a:spLocks noGrp="1"/>
-          </p:cNvSpPr>
-          <p:nvPr>
-            <p:ph idx="1"/>
-          </p:nvPr>
+      <p:sp>
+        <p:nvSpPr>
+          <p:cNvPr id="6" name="TextBox 5">
+            <a:extLst>
+              <a:ext uri="{FF2B5EF4-FFF2-40B4-BE49-F238E27FC236}">
+                <a16:creationId xmlns:a16="http://schemas.microsoft.com/office/drawing/2014/main" id="{19A15F1F-CDCB-4083-A28B-5FE03A1E3117}"/>
+              </a:ext>
+            </a:extLst>
+          </p:cNvPr>
+          <p:cNvSpPr txBox="1"/>
+          <p:nvPr/>
         </p:nvSpPr>
         <p:spPr>
           <a:xfrm>
-            <a:off x="458787" y="1363663"/>
-            <a:ext cx="8321040" cy="4935537"/>
-          </a:xfrm>
-        </p:spPr>
-        <p:txBody>
-          <a:bodyPr lIns="182880" tIns="91440"/>
-          <a:lstStyle/>
-          <a:p>
-            <a:pPr marL="91440" indent="0">
-              <a:spcBef>
-                <a:spcPts val="100"/>
-              </a:spcBef>
-              <a:buNone/>
-            </a:pPr>
-            <a:r>
-              <a:rPr lang="en-US" sz="1800" dirty="0">
-                <a:latin typeface="Consolas" pitchFamily="49" charset="0"/>
-                <a:cs typeface="Consolas" pitchFamily="49" charset="0"/>
-              </a:rPr>
-              <a:t>/**</a:t>
-            </a:r>
-          </a:p>
-          <a:p>
-            <a:pPr marL="91440" indent="0">
-              <a:spcBef>
-                <a:spcPts val="100"/>
-              </a:spcBef>
-              <a:buNone/>
-            </a:pPr>
-            <a:r>
-              <a:rPr lang="en-US" sz="1800" dirty="0">
-                <a:latin typeface="Consolas" pitchFamily="49" charset="0"/>
-                <a:cs typeface="Consolas" pitchFamily="49" charset="0"/>
-              </a:rPr>
-              <a:t> * Returns the Declaration associated with the identifier</a:t>
-            </a:r>
-          </a:p>
-          <a:p>
-            <a:pPr marL="91440" indent="0">
-              <a:spcBef>
-                <a:spcPts val="100"/>
-              </a:spcBef>
-              <a:buNone/>
-            </a:pPr>
-            <a:r>
-              <a:rPr lang="en-US" sz="1800" dirty="0">
-                <a:latin typeface="Consolas" pitchFamily="49" charset="0"/>
-                <a:cs typeface="Consolas" pitchFamily="49" charset="0"/>
-              </a:rPr>
-              <a:t> * token's text.  Returns null if the identifier is not found.</a:t>
-            </a:r>
-          </a:p>
-          <a:p>
-            <a:pPr marL="91440" indent="0">
-              <a:spcBef>
-                <a:spcPts val="100"/>
-              </a:spcBef>
-              <a:buNone/>
-            </a:pPr>
-            <a:r>
-              <a:rPr lang="en-US" sz="1800" dirty="0">
-                <a:latin typeface="Consolas" pitchFamily="49" charset="0"/>
-                <a:cs typeface="Consolas" pitchFamily="49" charset="0"/>
-              </a:rPr>
-              <a:t> * Searches enclosing scopes if necessary.</a:t>
-            </a:r>
-          </a:p>
-          <a:p>
-            <a:pPr marL="91440" indent="0">
-              <a:spcBef>
-                <a:spcPts val="100"/>
-              </a:spcBef>
-              <a:buNone/>
-            </a:pPr>
-            <a:r>
-              <a:rPr lang="en-US" sz="1800" dirty="0">
-                <a:latin typeface="Consolas" pitchFamily="49" charset="0"/>
-                <a:cs typeface="Consolas" pitchFamily="49" charset="0"/>
-              </a:rPr>
-              <a:t> */</a:t>
-            </a:r>
-          </a:p>
-          <a:p>
-            <a:pPr marL="91440" indent="0">
-              <a:spcBef>
-                <a:spcPts val="100"/>
-              </a:spcBef>
-              <a:buNone/>
-            </a:pPr>
-            <a:r>
-              <a:rPr lang="en-US" sz="1800" dirty="0">
-                <a:latin typeface="Consolas" pitchFamily="49" charset="0"/>
-                <a:cs typeface="Consolas" pitchFamily="49" charset="0"/>
-              </a:rPr>
-              <a:t>operator fun get(</a:t>
-            </a:r>
-            <a:r>
-              <a:rPr lang="en-US" sz="1800" dirty="0" err="1">
-                <a:latin typeface="Consolas" pitchFamily="49" charset="0"/>
-                <a:cs typeface="Consolas" pitchFamily="49" charset="0"/>
-              </a:rPr>
-              <a:t>idToken</a:t>
-            </a:r>
-            <a:r>
-              <a:rPr lang="en-US" sz="1800" dirty="0">
-                <a:latin typeface="Consolas" pitchFamily="49" charset="0"/>
-                <a:cs typeface="Consolas" pitchFamily="49" charset="0"/>
-              </a:rPr>
-              <a:t> : Token) : Declaration?</a:t>
-            </a:r>
-          </a:p>
-          <a:p>
-            <a:pPr marL="91440" indent="0">
-              <a:spcBef>
-                <a:spcPts val="100"/>
-              </a:spcBef>
-              <a:buNone/>
-            </a:pPr>
-            <a:endParaRPr lang="en-US" sz="1800" dirty="0">
-              <a:latin typeface="Consolas" pitchFamily="49" charset="0"/>
-              <a:cs typeface="Consolas" pitchFamily="49" charset="0"/>
-            </a:endParaRPr>
-          </a:p>
-          <a:p>
-            <a:pPr marL="91440" indent="0">
-              <a:spcBef>
-                <a:spcPts val="100"/>
-              </a:spcBef>
-              <a:buNone/>
-            </a:pPr>
-            <a:r>
-              <a:rPr lang="en-US" sz="1800" dirty="0">
-                <a:latin typeface="Consolas" pitchFamily="49" charset="0"/>
-                <a:cs typeface="Consolas" pitchFamily="49" charset="0"/>
-              </a:rPr>
-              <a:t>/**</a:t>
-            </a:r>
-          </a:p>
-          <a:p>
-            <a:pPr marL="91440" indent="0">
-              <a:spcBef>
-                <a:spcPts val="100"/>
-              </a:spcBef>
-              <a:buNone/>
-            </a:pPr>
-            <a:r>
-              <a:rPr lang="en-US" sz="1800" dirty="0">
-                <a:latin typeface="Consolas" pitchFamily="49" charset="0"/>
-                <a:cs typeface="Consolas" pitchFamily="49" charset="0"/>
-              </a:rPr>
-              <a:t> * Returns the current scope level.</a:t>
-            </a:r>
-          </a:p>
-          <a:p>
-            <a:pPr marL="91440" indent="0">
-              <a:spcBef>
-                <a:spcPts val="100"/>
-              </a:spcBef>
-              <a:buNone/>
-            </a:pPr>
-            <a:r>
-              <a:rPr lang="en-US" sz="1800" dirty="0">
-                <a:latin typeface="Consolas" pitchFamily="49" charset="0"/>
-                <a:cs typeface="Consolas" pitchFamily="49" charset="0"/>
-              </a:rPr>
-              <a:t> */</a:t>
-            </a:r>
-          </a:p>
-          <a:p>
-            <a:pPr marL="91440" indent="0">
-              <a:spcBef>
-                <a:spcPts val="100"/>
-              </a:spcBef>
-              <a:buNone/>
-            </a:pPr>
-            <a:r>
-              <a:rPr lang="en-US" sz="1800" dirty="0">
-                <a:latin typeface="Consolas" pitchFamily="49" charset="0"/>
-                <a:cs typeface="Consolas" pitchFamily="49" charset="0"/>
-              </a:rPr>
-              <a:t>fun </a:t>
-            </a:r>
-            <a:r>
-              <a:rPr lang="en-US" sz="1800" dirty="0" err="1">
-                <a:latin typeface="Consolas" pitchFamily="49" charset="0"/>
-                <a:cs typeface="Consolas" pitchFamily="49" charset="0"/>
-              </a:rPr>
-              <a:t>getCurrentLevel</a:t>
-            </a:r>
-            <a:r>
-              <a:rPr lang="en-US" sz="1800" dirty="0">
-                <a:latin typeface="Consolas" pitchFamily="49" charset="0"/>
-                <a:cs typeface="Consolas" pitchFamily="49" charset="0"/>
-              </a:rPr>
-              <a:t>() : </a:t>
-            </a:r>
-            <a:r>
-              <a:rPr lang="en-US" sz="1800" dirty="0" err="1">
-                <a:latin typeface="Consolas" pitchFamily="49" charset="0"/>
-                <a:cs typeface="Consolas" pitchFamily="49" charset="0"/>
-              </a:rPr>
-              <a:t>ScopeLevel</a:t>
-            </a:r>
-            <a:endParaRPr lang="en-US" sz="1800" dirty="0">
-              <a:latin typeface="Consolas" pitchFamily="49" charset="0"/>
-              <a:cs typeface="Consolas" pitchFamily="49" charset="0"/>
-            </a:endParaRPr>
-          </a:p>
-        </p:txBody>
-      </p:sp>
-      <p:sp>
-        <p:nvSpPr>
-          <p:cNvPr id="4" name="Footer Placeholder 3"/>
-          <p:cNvSpPr>
-            <a:spLocks noGrp="1"/>
-          </p:cNvSpPr>
-          <p:nvPr>
-            <p:ph type="ftr" sz="quarter" idx="10"/>
-          </p:nvPr>
-        </p:nvSpPr>
-        <p:spPr/>
-        <p:txBody>
-          <a:bodyPr/>
-          <a:lstStyle/>
-          <a:p>
-            <a:pPr>
-              <a:defRPr/>
-            </a:pPr>
-            <a:r>
-              <a:rPr lang="en-US" dirty="0"/>
-              <a:t>©SoftMoore Consulting</a:t>
-            </a:r>
-          </a:p>
-        </p:txBody>
-      </p:sp>
-      <p:sp>
-        <p:nvSpPr>
-          <p:cNvPr id="5" name="Slide Number Placeholder 4"/>
-          <p:cNvSpPr>
-            <a:spLocks noGrp="1"/>
-          </p:cNvSpPr>
-          <p:nvPr>
-            <p:ph type="sldNum" sz="quarter" idx="11"/>
-          </p:nvPr>
-        </p:nvSpPr>
-        <p:spPr/>
-        <p:txBody>
-          <a:bodyPr/>
-          <a:lstStyle/>
-          <a:p>
-            <a:pPr>
-              <a:defRPr/>
-            </a:pPr>
-            <a:r>
-              <a:rPr lang="en-US" dirty="0"/>
-              <a:t>Slide </a:t>
-            </a:r>
-            <a:fld id="{0F05040F-3DD5-4422-8E21-6095A5B4132F}" type="slidenum">
-              <a:rPr lang="en-US" smtClean="0"/>
-              <a:pPr>
-                <a:defRPr/>
-              </a:pPr>
-              <a:t>14</a:t>
-            </a:fld>
-            <a:endParaRPr lang="en-US" dirty="0"/>
-          </a:p>
-        </p:txBody>
-      </p:sp>
-      <p:sp>
-        <p:nvSpPr>
-          <p:cNvPr id="6" name="TextBox 5"/>
-          <p:cNvSpPr txBox="1"/>
-          <p:nvPr/>
-        </p:nvSpPr>
-        <p:spPr>
-          <a:xfrm>
-            <a:off x="2350494" y="5181600"/>
-            <a:ext cx="5117106" cy="707886"/>
+            <a:off x="5190215" y="1974291"/>
+            <a:ext cx="3344185" cy="1015663"/>
           </a:xfrm>
           <a:prstGeom prst="rect">
             <a:avLst/>
@@ -8851,50 +8469,44 @@
           <a:p>
             <a:pPr algn="l"/>
             <a:r>
+              <a:rPr lang="en-US" sz="2000" dirty="0" err="1">
+                <a:latin typeface="Consolas" panose="020B0609020204030204" pitchFamily="49" charset="0"/>
+              </a:rPr>
+              <a:t>ScopeLevel</a:t>
+            </a:r>
+            <a:r>
               <a:rPr lang="en-US" sz="2000" dirty="0"/>
-              <a:t>Note:  </a:t>
-            </a:r>
+              <a:t> is an </a:t>
+            </a:r>
+            <a:r>
+              <a:rPr lang="en-US" sz="2000" dirty="0" err="1"/>
+              <a:t>enum</a:t>
+            </a:r>
+            <a:endParaRPr lang="en-US" sz="2000" dirty="0"/>
+          </a:p>
+          <a:p>
+            <a:pPr algn="l"/>
+            <a:r>
+              <a:rPr lang="en-US" sz="2000" dirty="0"/>
+              <a:t>class with only two values,</a:t>
+            </a:r>
+          </a:p>
+          <a:p>
+            <a:pPr algn="l"/>
             <a:r>
               <a:rPr lang="en-US" sz="2000" dirty="0">
                 <a:latin typeface="Consolas" panose="020B0609020204030204" pitchFamily="49" charset="0"/>
               </a:rPr>
-              <a:t>ScopeLevel</a:t>
+              <a:t>PROGRAM</a:t>
             </a:r>
             <a:r>
               <a:rPr lang="en-US" sz="2000" dirty="0"/>
-              <a:t> is an </a:t>
+              <a:t> and </a:t>
             </a:r>
             <a:r>
               <a:rPr lang="en-US" sz="2000" dirty="0">
                 <a:latin typeface="Consolas" panose="020B0609020204030204" pitchFamily="49" charset="0"/>
               </a:rPr>
-              <a:t>enum</a:t>
-            </a:r>
-            <a:r>
-              <a:rPr lang="en-US" sz="2000" dirty="0"/>
-              <a:t> class with</a:t>
-            </a:r>
-          </a:p>
-          <a:p>
-            <a:pPr algn="l"/>
-            <a:r>
-              <a:rPr lang="en-US" sz="2000" dirty="0"/>
-              <a:t>only two values, </a:t>
-            </a:r>
-            <a:r>
-              <a:rPr lang="en-US" sz="2000" dirty="0">
-                <a:latin typeface="Consolas" panose="020B0609020204030204" pitchFamily="49" charset="0"/>
-              </a:rPr>
-              <a:t>PROGRAM</a:t>
-            </a:r>
-            <a:r>
-              <a:rPr lang="en-US" sz="2000" dirty="0"/>
-              <a:t> and </a:t>
-            </a:r>
-            <a:r>
-              <a:rPr lang="en-US" sz="2000" dirty="0">
-                <a:latin typeface="Consolas" panose="020B0609020204030204" pitchFamily="49" charset="0"/>
-              </a:rPr>
               <a:t>SUBPROGRAM</a:t>
             </a:r>
             <a:r>
@@ -8906,13 +8518,19 @@
       </p:sp>
       <p:sp>
         <p:nvSpPr>
-          <p:cNvPr id="7" name="Diamond 6"/>
+          <p:cNvPr id="7" name="Diamond 6">
+            <a:extLst>
+              <a:ext uri="{FF2B5EF4-FFF2-40B4-BE49-F238E27FC236}">
+                <a16:creationId xmlns:a16="http://schemas.microsoft.com/office/drawing/2014/main" id="{6E29B263-C998-4606-9810-88A678334EBD}"/>
+              </a:ext>
+            </a:extLst>
+          </p:cNvPr>
           <p:cNvSpPr/>
           <p:nvPr/>
         </p:nvSpPr>
         <p:spPr bwMode="auto">
           <a:xfrm>
-            <a:off x="4267200" y="4495800"/>
+            <a:off x="4128655" y="2405922"/>
             <a:ext cx="152400" cy="152400"/>
           </a:xfrm>
           <a:prstGeom prst="diamond">
@@ -8967,18 +8585,24 @@
       </p:sp>
       <p:cxnSp>
         <p:nvCxnSpPr>
-          <p:cNvPr id="9" name="Elbow Connector 8"/>
+          <p:cNvPr id="8" name="Elbow Connector 8">
+            <a:extLst>
+              <a:ext uri="{FF2B5EF4-FFF2-40B4-BE49-F238E27FC236}">
+                <a16:creationId xmlns:a16="http://schemas.microsoft.com/office/drawing/2014/main" id="{EC4F005C-6DBE-45A8-8DA3-BDDDB43C2199}"/>
+              </a:ext>
+            </a:extLst>
+          </p:cNvPr>
           <p:cNvCxnSpPr>
             <a:cxnSpLocks/>
-            <a:stCxn id="6" idx="0"/>
-            <a:endCxn id="7" idx="2"/>
+            <a:stCxn id="6" idx="1"/>
+            <a:endCxn id="7" idx="3"/>
           </p:cNvCxnSpPr>
           <p:nvPr/>
         </p:nvCxnSpPr>
         <p:spPr bwMode="auto">
-          <a:xfrm rot="16200000" flipV="1">
-            <a:off x="4359524" y="4632076"/>
-            <a:ext cx="533400" cy="565647"/>
+          <a:xfrm rot="10800000">
+            <a:off x="4281055" y="2482123"/>
+            <a:ext cx="909160" cy="1"/>
           </a:xfrm>
           <a:prstGeom prst="bentConnector3">
             <a:avLst>
@@ -8998,6 +8622,425 @@
           <a:effectLst/>
         </p:spPr>
       </p:cxnSp>
+    </p:spTree>
+  </p:cSld>
+  <p:clrMapOvr>
+    <a:masterClrMapping/>
+  </p:clrMapOvr>
+</p:sld>
+</file>
+
+<file path=ppt/slides/slide14.xml><?xml version="1.0" encoding="utf-8"?>
+<p:sld xmlns:a="http://schemas.openxmlformats.org/drawingml/2006/main" xmlns:r="http://schemas.openxmlformats.org/officeDocument/2006/relationships" xmlns:p="http://schemas.openxmlformats.org/presentationml/2006/main">
+  <p:cSld>
+    <p:spTree>
+      <p:nvGrpSpPr>
+        <p:cNvPr id="1" name=""/>
+        <p:cNvGrpSpPr/>
+        <p:nvPr/>
+      </p:nvGrpSpPr>
+      <p:grpSpPr>
+        <a:xfrm>
+          <a:off x="0" y="0"/>
+          <a:ext cx="0" cy="0"/>
+          <a:chOff x="0" y="0"/>
+          <a:chExt cx="0" cy="0"/>
+        </a:xfrm>
+      </p:grpSpPr>
+      <p:sp>
+        <p:nvSpPr>
+          <p:cNvPr id="2" name="Title 1"/>
+          <p:cNvSpPr>
+            <a:spLocks noGrp="1"/>
+          </p:cNvSpPr>
+          <p:nvPr>
+            <p:ph type="title"/>
+          </p:nvPr>
+        </p:nvSpPr>
+        <p:spPr/>
+        <p:txBody>
+          <a:bodyPr/>
+          <a:lstStyle/>
+          <a:p>
+            <a:r>
+              <a:rPr lang="en-US" sz="2900" dirty="0"/>
+              <a:t>A Property and Selected Methods in the</a:t>
+            </a:r>
+            <a:br>
+              <a:rPr lang="en-US" sz="2900" dirty="0"/>
+            </a:br>
+            <a:r>
+              <a:rPr lang="en-US" sz="2900" dirty="0"/>
+              <a:t>Modified Version of </a:t>
+            </a:r>
+            <a:r>
+              <a:rPr lang="en-US" sz="2900" dirty="0">
+                <a:latin typeface="Consolas" pitchFamily="49" charset="0"/>
+                <a:cs typeface="Consolas" pitchFamily="49" charset="0"/>
+              </a:rPr>
+              <a:t>IdTable</a:t>
+            </a:r>
+            <a:r>
+              <a:rPr lang="en-US" sz="2900" dirty="0"/>
+              <a:t> </a:t>
+            </a:r>
+            <a:r>
+              <a:rPr lang="en-US" sz="2400" dirty="0"/>
+              <a:t>(</a:t>
+            </a:r>
+            <a:r>
+              <a:rPr lang="en-US" sz="2400" dirty="0">
+                <a:latin typeface="+mn-lt"/>
+                <a:cs typeface="Consolas" pitchFamily="49" charset="0"/>
+              </a:rPr>
+              <a:t>continued)</a:t>
+            </a:r>
+            <a:endParaRPr lang="en-US" sz="2900" dirty="0">
+              <a:latin typeface="+mn-lt"/>
+            </a:endParaRPr>
+          </a:p>
+        </p:txBody>
+      </p:sp>
+      <p:sp>
+        <p:nvSpPr>
+          <p:cNvPr id="3" name="Content Placeholder 2"/>
+          <p:cNvSpPr>
+            <a:spLocks noGrp="1"/>
+          </p:cNvSpPr>
+          <p:nvPr>
+            <p:ph idx="1"/>
+          </p:nvPr>
+        </p:nvSpPr>
+        <p:spPr>
+          <a:xfrm>
+            <a:off x="458787" y="1363663"/>
+            <a:ext cx="8321040" cy="4935537"/>
+          </a:xfrm>
+        </p:spPr>
+        <p:txBody>
+          <a:bodyPr lIns="182880" tIns="91440"/>
+          <a:lstStyle/>
+          <a:p>
+            <a:pPr marL="91440" indent="0">
+              <a:spcBef>
+                <a:spcPts val="0"/>
+              </a:spcBef>
+              <a:buNone/>
+            </a:pPr>
+            <a:r>
+              <a:rPr lang="en-US" sz="1800" dirty="0">
+                <a:latin typeface="Consolas" pitchFamily="49" charset="0"/>
+                <a:cs typeface="Consolas" pitchFamily="49" charset="0"/>
+              </a:rPr>
+              <a:t>/**</a:t>
+            </a:r>
+          </a:p>
+          <a:p>
+            <a:pPr marL="91440" indent="0">
+              <a:spcBef>
+                <a:spcPts val="0"/>
+              </a:spcBef>
+              <a:buNone/>
+            </a:pPr>
+            <a:r>
+              <a:rPr lang="en-US" sz="1800" dirty="0">
+                <a:latin typeface="Consolas" pitchFamily="49" charset="0"/>
+                <a:cs typeface="Consolas" pitchFamily="49" charset="0"/>
+              </a:rPr>
+              <a:t> * Add a declaration at the current scope level.</a:t>
+            </a:r>
+          </a:p>
+          <a:p>
+            <a:pPr marL="91440" indent="0">
+              <a:spcBef>
+                <a:spcPts val="0"/>
+              </a:spcBef>
+              <a:buNone/>
+            </a:pPr>
+            <a:r>
+              <a:rPr lang="en-US" sz="1800" dirty="0">
+                <a:latin typeface="Consolas" pitchFamily="49" charset="0"/>
+                <a:cs typeface="Consolas" pitchFamily="49" charset="0"/>
+              </a:rPr>
+              <a:t> * @throws </a:t>
+            </a:r>
+            <a:r>
+              <a:rPr lang="en-US" sz="1800" dirty="0" err="1">
+                <a:latin typeface="Consolas" pitchFamily="49" charset="0"/>
+                <a:cs typeface="Consolas" pitchFamily="49" charset="0"/>
+              </a:rPr>
+              <a:t>ParserException</a:t>
+            </a:r>
+            <a:r>
+              <a:rPr lang="en-US" sz="1800" dirty="0">
+                <a:latin typeface="Consolas" pitchFamily="49" charset="0"/>
+                <a:cs typeface="Consolas" pitchFamily="49" charset="0"/>
+              </a:rPr>
+              <a:t> if the identifier token associated</a:t>
+            </a:r>
+          </a:p>
+          <a:p>
+            <a:pPr marL="91440" indent="0">
+              <a:spcBef>
+                <a:spcPts val="0"/>
+              </a:spcBef>
+              <a:buNone/>
+            </a:pPr>
+            <a:r>
+              <a:rPr lang="en-US" sz="1800" dirty="0">
+                <a:latin typeface="Consolas" pitchFamily="49" charset="0"/>
+                <a:cs typeface="Consolas" pitchFamily="49" charset="0"/>
+              </a:rPr>
+              <a:t> *                         with the declaration is already</a:t>
+            </a:r>
+          </a:p>
+          <a:p>
+            <a:pPr marL="91440" indent="0">
+              <a:spcBef>
+                <a:spcPts val="0"/>
+              </a:spcBef>
+              <a:buNone/>
+            </a:pPr>
+            <a:r>
+              <a:rPr lang="en-US" sz="1800" dirty="0">
+                <a:latin typeface="Consolas" pitchFamily="49" charset="0"/>
+                <a:cs typeface="Consolas" pitchFamily="49" charset="0"/>
+              </a:rPr>
+              <a:t> *                         defined in the current scope.</a:t>
+            </a:r>
+          </a:p>
+          <a:p>
+            <a:pPr marL="91440" indent="0">
+              <a:spcBef>
+                <a:spcPts val="0"/>
+              </a:spcBef>
+              <a:buNone/>
+            </a:pPr>
+            <a:r>
+              <a:rPr lang="en-US" sz="1800" dirty="0">
+                <a:latin typeface="Consolas" pitchFamily="49" charset="0"/>
+                <a:cs typeface="Consolas" pitchFamily="49" charset="0"/>
+              </a:rPr>
+              <a:t> */</a:t>
+            </a:r>
+          </a:p>
+          <a:p>
+            <a:pPr marL="91440" indent="0">
+              <a:spcBef>
+                <a:spcPts val="0"/>
+              </a:spcBef>
+              <a:buNone/>
+            </a:pPr>
+            <a:r>
+              <a:rPr lang="en-US" sz="1800" dirty="0">
+                <a:latin typeface="Consolas" pitchFamily="49" charset="0"/>
+                <a:cs typeface="Consolas" pitchFamily="49" charset="0"/>
+              </a:rPr>
+              <a:t>fun add(</a:t>
+            </a:r>
+            <a:r>
+              <a:rPr lang="en-US" sz="1800" dirty="0" err="1">
+                <a:latin typeface="Consolas" pitchFamily="49" charset="0"/>
+                <a:cs typeface="Consolas" pitchFamily="49" charset="0"/>
+              </a:rPr>
+              <a:t>decl</a:t>
+            </a:r>
+            <a:r>
+              <a:rPr lang="en-US" sz="1800" dirty="0">
+                <a:latin typeface="Consolas" pitchFamily="49" charset="0"/>
+                <a:cs typeface="Consolas" pitchFamily="49" charset="0"/>
+              </a:rPr>
+              <a:t> : Declaration)</a:t>
+            </a:r>
+          </a:p>
+          <a:p>
+            <a:pPr marL="91440" indent="0">
+              <a:spcBef>
+                <a:spcPts val="100"/>
+              </a:spcBef>
+              <a:buNone/>
+            </a:pPr>
+            <a:endParaRPr lang="en-US" sz="1800" dirty="0">
+              <a:latin typeface="Consolas" pitchFamily="49" charset="0"/>
+              <a:cs typeface="Consolas" pitchFamily="49" charset="0"/>
+            </a:endParaRPr>
+          </a:p>
+          <a:p>
+            <a:pPr marL="91440" indent="0">
+              <a:spcBef>
+                <a:spcPts val="100"/>
+              </a:spcBef>
+              <a:buNone/>
+            </a:pPr>
+            <a:r>
+              <a:rPr lang="en-US" sz="1800" dirty="0">
+                <a:latin typeface="Consolas" pitchFamily="49" charset="0"/>
+                <a:cs typeface="Consolas" pitchFamily="49" charset="0"/>
+              </a:rPr>
+              <a:t>/**</a:t>
+            </a:r>
+          </a:p>
+          <a:p>
+            <a:pPr marL="91440" indent="0">
+              <a:spcBef>
+                <a:spcPts val="100"/>
+              </a:spcBef>
+              <a:buNone/>
+            </a:pPr>
+            <a:r>
+              <a:rPr lang="en-US" sz="1800" dirty="0">
+                <a:latin typeface="Consolas" pitchFamily="49" charset="0"/>
+                <a:cs typeface="Consolas" pitchFamily="49" charset="0"/>
+              </a:rPr>
+              <a:t> * Returns the Declaration associated with the identifier</a:t>
+            </a:r>
+          </a:p>
+          <a:p>
+            <a:pPr marL="91440" indent="0">
+              <a:spcBef>
+                <a:spcPts val="100"/>
+              </a:spcBef>
+              <a:buNone/>
+            </a:pPr>
+            <a:r>
+              <a:rPr lang="en-US" sz="1800" dirty="0">
+                <a:latin typeface="Consolas" pitchFamily="49" charset="0"/>
+                <a:cs typeface="Consolas" pitchFamily="49" charset="0"/>
+              </a:rPr>
+              <a:t> * token's text.  Returns null if the identifier is not found.</a:t>
+            </a:r>
+          </a:p>
+          <a:p>
+            <a:pPr marL="91440" indent="0">
+              <a:spcBef>
+                <a:spcPts val="100"/>
+              </a:spcBef>
+              <a:buNone/>
+            </a:pPr>
+            <a:r>
+              <a:rPr lang="en-US" sz="1800" dirty="0">
+                <a:latin typeface="Consolas" pitchFamily="49" charset="0"/>
+                <a:cs typeface="Consolas" pitchFamily="49" charset="0"/>
+              </a:rPr>
+              <a:t> * Searches enclosing scopes if necessary.</a:t>
+            </a:r>
+          </a:p>
+          <a:p>
+            <a:pPr marL="91440" indent="0">
+              <a:spcBef>
+                <a:spcPts val="100"/>
+              </a:spcBef>
+              <a:buNone/>
+            </a:pPr>
+            <a:r>
+              <a:rPr lang="en-US" sz="1800" dirty="0">
+                <a:latin typeface="Consolas" pitchFamily="49" charset="0"/>
+                <a:cs typeface="Consolas" pitchFamily="49" charset="0"/>
+              </a:rPr>
+              <a:t> */</a:t>
+            </a:r>
+          </a:p>
+          <a:p>
+            <a:pPr marL="91440" indent="0">
+              <a:spcBef>
+                <a:spcPts val="100"/>
+              </a:spcBef>
+              <a:buNone/>
+            </a:pPr>
+            <a:r>
+              <a:rPr lang="en-US" sz="1800" dirty="0">
+                <a:latin typeface="Consolas" pitchFamily="49" charset="0"/>
+                <a:cs typeface="Consolas" pitchFamily="49" charset="0"/>
+              </a:rPr>
+              <a:t>operator fun get(</a:t>
+            </a:r>
+            <a:r>
+              <a:rPr lang="en-US" sz="1800" dirty="0" err="1">
+                <a:latin typeface="Consolas" pitchFamily="49" charset="0"/>
+                <a:cs typeface="Consolas" pitchFamily="49" charset="0"/>
+              </a:rPr>
+              <a:t>idToken</a:t>
+            </a:r>
+            <a:r>
+              <a:rPr lang="en-US" sz="1800" dirty="0">
+                <a:latin typeface="Consolas" pitchFamily="49" charset="0"/>
+                <a:cs typeface="Consolas" pitchFamily="49" charset="0"/>
+              </a:rPr>
+              <a:t> : Token) : Declaration?</a:t>
+            </a:r>
+          </a:p>
+          <a:p>
+            <a:pPr marL="91440" indent="0">
+              <a:spcBef>
+                <a:spcPts val="100"/>
+              </a:spcBef>
+              <a:buNone/>
+            </a:pPr>
+            <a:endParaRPr lang="en-US" sz="1800" dirty="0">
+              <a:latin typeface="Consolas" pitchFamily="49" charset="0"/>
+              <a:cs typeface="Consolas" pitchFamily="49" charset="0"/>
+            </a:endParaRPr>
+          </a:p>
+        </p:txBody>
+      </p:sp>
+      <p:sp>
+        <p:nvSpPr>
+          <p:cNvPr id="4" name="Footer Placeholder 3"/>
+          <p:cNvSpPr>
+            <a:spLocks noGrp="1"/>
+          </p:cNvSpPr>
+          <p:nvPr>
+            <p:ph type="ftr" sz="quarter" idx="10"/>
+          </p:nvPr>
+        </p:nvSpPr>
+        <p:spPr/>
+        <p:txBody>
+          <a:bodyPr/>
+          <a:lstStyle/>
+          <a:p>
+            <a:pPr>
+              <a:defRPr/>
+            </a:pPr>
+            <a:r>
+              <a:rPr lang="en-US" dirty="0"/>
+              <a:t>©SoftMoore Consulting</a:t>
+            </a:r>
+          </a:p>
+        </p:txBody>
+      </p:sp>
+      <p:sp>
+        <p:nvSpPr>
+          <p:cNvPr id="5" name="Slide Number Placeholder 4"/>
+          <p:cNvSpPr>
+            <a:spLocks noGrp="1"/>
+          </p:cNvSpPr>
+          <p:nvPr>
+            <p:ph type="sldNum" sz="quarter" idx="11"/>
+          </p:nvPr>
+        </p:nvSpPr>
+        <p:spPr/>
+        <p:txBody>
+          <a:bodyPr/>
+          <a:lstStyle/>
+          <a:p>
+            <a:pPr>
+              <a:defRPr/>
+            </a:pPr>
+            <a:r>
+              <a:rPr lang="en-US" dirty="0"/>
+              <a:t>Slide </a:t>
+            </a:r>
+            <a:fld id="{0F05040F-3DD5-4422-8E21-6095A5B4132F}" type="slidenum">
+              <a:rPr lang="en-US" smtClean="0"/>
+              <a:pPr>
+                <a:defRPr/>
+              </a:pPr>
+              <a:t>14</a:t>
+            </a:fld>
+            <a:endParaRPr lang="en-US" dirty="0"/>
+          </a:p>
+        </p:txBody>
+      </p:sp>
     </p:spTree>
   </p:cSld>
   <p:clrMapOvr>
@@ -35349,14 +35392,26 @@
             <p:ph idx="1"/>
           </p:nvPr>
         </p:nvSpPr>
-        <p:spPr/>
+        <p:spPr>
+          <a:xfrm>
+            <a:off x="458788" y="1363663"/>
+            <a:ext cx="8412480" cy="4935537"/>
+          </a:xfrm>
+        </p:spPr>
         <p:txBody>
           <a:bodyPr/>
           <a:lstStyle/>
           <a:p>
             <a:r>
               <a:rPr lang="en-US" sz="2350" dirty="0"/>
-              <a:t>During code generation, when a variable or named value is referenced in the statement part of a program or subprogram, we need to be able to determine where the variable was declared.</a:t>
+              <a:t>During code generation, when a variable or named value</a:t>
+            </a:r>
+            <a:br>
+              <a:rPr lang="en-US" sz="2350" dirty="0"/>
+            </a:br>
+            <a:r>
+              <a:rPr lang="en-US" sz="2350" dirty="0"/>
+              <a:t>is referenced in the statement part of a program or subprogram, we need to be able to determine where the variable was declared.</a:t>
             </a:r>
           </a:p>
           <a:p>
@@ -35372,19 +35427,13 @@
             </a:r>
             <a:r>
               <a:rPr lang="en-US" sz="2350" dirty="0"/>
-              <a:t> contains a method </a:t>
+              <a:t> contains a property named </a:t>
             </a:r>
             <a:r>
               <a:rPr lang="en-US" sz="2350" dirty="0" err="1">
                 <a:latin typeface="Consolas" panose="020B0609020204030204" pitchFamily="49" charset="0"/>
               </a:rPr>
-              <a:t>getCurrentLevel</a:t>
-            </a:r>
-            <a:r>
-              <a:rPr lang="en-US" sz="2350" dirty="0">
-                <a:latin typeface="Consolas" panose="020B0609020204030204" pitchFamily="49" charset="0"/>
-              </a:rPr>
-              <a:t>()</a:t>
+              <a:t>scopeLevel</a:t>
             </a:r>
             <a:r>
               <a:rPr lang="en-US" sz="2350" dirty="0"/>
@@ -35436,102 +35485,61 @@
               <a:buNone/>
             </a:pPr>
             <a:r>
-              <a:rPr lang="en-US" sz="1800" dirty="0" err="1">
+              <a:rPr lang="en-US" sz="1750" dirty="0" err="1">
                 <a:latin typeface="Consolas" panose="020B0609020204030204" pitchFamily="49" charset="0"/>
               </a:rPr>
               <a:t>val</a:t>
             </a:r>
             <a:r>
-              <a:rPr lang="en-US" sz="1800" dirty="0">
+              <a:rPr lang="en-US" sz="1750" dirty="0">
                 <a:latin typeface="Consolas" panose="020B0609020204030204" pitchFamily="49" charset="0"/>
               </a:rPr>
               <a:t> </a:t>
             </a:r>
             <a:r>
-              <a:rPr lang="en-US" sz="1800" dirty="0" err="1">
+              <a:rPr lang="en-US" sz="1750" dirty="0" err="1">
                 <a:latin typeface="Consolas" panose="020B0609020204030204" pitchFamily="49" charset="0"/>
               </a:rPr>
-              <a:t>scopeLevel</a:t>
-            </a:r>
-            <a:r>
-              <a:rPr lang="en-US" sz="1800" dirty="0">
+              <a:t>varDecl</a:t>
+            </a:r>
+            <a:r>
+              <a:rPr lang="en-US" sz="1750" dirty="0">
                 <a:latin typeface="Consolas" panose="020B0609020204030204" pitchFamily="49" charset="0"/>
               </a:rPr>
               <a:t> = </a:t>
             </a:r>
             <a:r>
-              <a:rPr lang="en-US" sz="1800" dirty="0" err="1">
+              <a:rPr lang="en-US" sz="1750" dirty="0" err="1">
                 <a:latin typeface="Consolas" panose="020B0609020204030204" pitchFamily="49" charset="0"/>
               </a:rPr>
-              <a:t>idTable.getCurrentLevel</a:t>
-            </a:r>
-            <a:r>
-              <a:rPr lang="en-US" sz="1800" dirty="0">
+              <a:t>VarDecl</a:t>
+            </a:r>
+            <a:r>
+              <a:rPr lang="en-US" sz="1750" dirty="0">
                 <a:latin typeface="Consolas" panose="020B0609020204030204" pitchFamily="49" charset="0"/>
               </a:rPr>
-              <a:t>()</a:t>
-            </a:r>
-          </a:p>
-          <a:p>
-            <a:pPr marL="457200" lvl="1" indent="0">
-              <a:buNone/>
-            </a:pPr>
-            <a:r>
-              <a:rPr lang="en-US" sz="1800" dirty="0" err="1">
+              <a:t>(identifiers, </a:t>
+            </a:r>
+            <a:r>
+              <a:rPr lang="en-US" sz="1750" dirty="0" err="1">
                 <a:latin typeface="Consolas" panose="020B0609020204030204" pitchFamily="49" charset="0"/>
               </a:rPr>
-              <a:t>val</a:t>
-            </a:r>
-            <a:r>
-              <a:rPr lang="en-US" sz="1800" dirty="0">
+              <a:t>varType</a:t>
+            </a:r>
+            <a:r>
+              <a:rPr lang="en-US" sz="1750" dirty="0">
                 <a:latin typeface="Consolas" panose="020B0609020204030204" pitchFamily="49" charset="0"/>
               </a:rPr>
-              <a:t> </a:t>
-            </a:r>
-            <a:r>
-              <a:rPr lang="en-US" sz="1800" dirty="0" err="1">
+              <a:t>, </a:t>
+            </a:r>
+            <a:r>
+              <a:rPr lang="en-US" sz="1750" b="1" dirty="0" err="1">
                 <a:latin typeface="Consolas" panose="020B0609020204030204" pitchFamily="49" charset="0"/>
               </a:rPr>
-              <a:t>varDecl</a:t>
-            </a:r>
-            <a:r>
-              <a:rPr lang="en-US" sz="1800" dirty="0">
-                <a:latin typeface="Consolas" panose="020B0609020204030204" pitchFamily="49" charset="0"/>
-              </a:rPr>
-              <a:t> = </a:t>
-            </a:r>
-            <a:r>
-              <a:rPr lang="en-US" sz="1800" dirty="0" err="1">
-                <a:latin typeface="Consolas" panose="020B0609020204030204" pitchFamily="49" charset="0"/>
-              </a:rPr>
-              <a:t>VarDecl</a:t>
-            </a:r>
-            <a:r>
-              <a:rPr lang="en-US" sz="1800" dirty="0">
-                <a:latin typeface="Consolas" panose="020B0609020204030204" pitchFamily="49" charset="0"/>
-              </a:rPr>
-              <a:t>(identifiers, </a:t>
-            </a:r>
-            <a:r>
-              <a:rPr lang="en-US" sz="1800" dirty="0" err="1">
-                <a:latin typeface="Consolas" panose="020B0609020204030204" pitchFamily="49" charset="0"/>
-              </a:rPr>
-              <a:t>varType</a:t>
-            </a:r>
-            <a:r>
-              <a:rPr lang="en-US" sz="1800" dirty="0">
-                <a:latin typeface="Consolas" panose="020B0609020204030204" pitchFamily="49" charset="0"/>
-              </a:rPr>
-              <a:t>, </a:t>
-            </a:r>
-            <a:r>
-              <a:rPr lang="en-US" sz="1800" dirty="0" err="1">
-                <a:latin typeface="Consolas" panose="020B0609020204030204" pitchFamily="49" charset="0"/>
-              </a:rPr>
-              <a:t>scopeLevel</a:t>
-            </a:r>
-            <a:r>
-              <a:rPr lang="en-US" sz="1800" dirty="0">
+              <a:t>idTable.scopeLevel</a:t>
+            </a:r>
+            <a:r>
+              <a:rPr lang="en-US" sz="1750" dirty="0">
                 <a:latin typeface="Consolas" panose="020B0609020204030204" pitchFamily="49" charset="0"/>
               </a:rPr>
               <a:t>)</a:t>
@@ -35558,7 +35566,7 @@
               <a:defRPr/>
             </a:pPr>
             <a:r>
-              <a:rPr lang="en-US"/>
+              <a:rPr lang="en-US" dirty="0"/>
               <a:t>©SoftMoore Consulting</a:t>
             </a:r>
           </a:p>

--- a/PowerPoint Slides/13 - Subprograms.pptx
+++ b/PowerPoint Slides/13 - Subprograms.pptx
@@ -38,13 +38,13 @@
     <p:sldId id="338" r:id="rId26"/>
     <p:sldId id="344" r:id="rId27"/>
     <p:sldId id="335" r:id="rId28"/>
-    <p:sldId id="345" r:id="rId29"/>
-    <p:sldId id="355" r:id="rId30"/>
-    <p:sldId id="356" r:id="rId31"/>
-    <p:sldId id="357" r:id="rId32"/>
-    <p:sldId id="358" r:id="rId33"/>
-    <p:sldId id="359" r:id="rId34"/>
-    <p:sldId id="360" r:id="rId35"/>
+    <p:sldId id="368" r:id="rId29"/>
+    <p:sldId id="362" r:id="rId30"/>
+    <p:sldId id="363" r:id="rId31"/>
+    <p:sldId id="364" r:id="rId32"/>
+    <p:sldId id="365" r:id="rId33"/>
+    <p:sldId id="366" r:id="rId34"/>
+    <p:sldId id="367" r:id="rId35"/>
     <p:sldId id="266" r:id="rId36"/>
     <p:sldId id="268" r:id="rId37"/>
     <p:sldId id="330" r:id="rId38"/>
@@ -12101,6 +12101,13 @@
               <a:rPr lang="en-US" sz="2600" dirty="0"/>
               <a:t>Example: Temporary Part of an Activation Record</a:t>
             </a:r>
+            <a:br>
+              <a:rPr lang="en-US" sz="2600" dirty="0"/>
+            </a:br>
+            <a:r>
+              <a:rPr lang="en-US" sz="2400" dirty="0"/>
+              <a:t>(continued)</a:t>
+            </a:r>
           </a:p>
         </p:txBody>
       </p:sp>
@@ -12209,768 +12216,824 @@
           </a:p>
         </p:txBody>
       </p:sp>
-      <p:grpSp>
-        <p:nvGrpSpPr>
-          <p:cNvPr id="15" name="Group 14">
+      <p:sp>
+        <p:nvSpPr>
+          <p:cNvPr id="63" name="Rectangle 4">
             <a:extLst>
               <a:ext uri="{FF2B5EF4-FFF2-40B4-BE49-F238E27FC236}">
-                <a16:creationId xmlns:a16="http://schemas.microsoft.com/office/drawing/2014/main" id="{3C225380-3E3B-4406-8F9C-7405CB6B74F4}"/>
+                <a16:creationId xmlns:a16="http://schemas.microsoft.com/office/drawing/2014/main" id="{B5AB0F95-612B-447E-BC0F-F952B486D878}"/>
               </a:ext>
             </a:extLst>
           </p:cNvPr>
-          <p:cNvGrpSpPr/>
+          <p:cNvSpPr>
+            <a:spLocks noChangeArrowheads="1"/>
+          </p:cNvSpPr>
           <p:nvPr/>
-        </p:nvGrpSpPr>
-        <p:grpSpPr>
+        </p:nvSpPr>
+        <p:spPr bwMode="auto">
           <a:xfrm>
-            <a:off x="1428186" y="1981200"/>
-            <a:ext cx="4667814" cy="4090987"/>
-            <a:chOff x="1428186" y="1981200"/>
-            <a:chExt cx="4667814" cy="4090987"/>
+            <a:off x="3427027" y="1981200"/>
+            <a:ext cx="2286000" cy="4023360"/>
           </a:xfrm>
-        </p:grpSpPr>
-        <p:sp>
-          <p:nvSpPr>
-            <p:cNvPr id="63" name="Rectangle 4">
-              <a:extLst>
-                <a:ext uri="{FF2B5EF4-FFF2-40B4-BE49-F238E27FC236}">
-                  <a16:creationId xmlns:a16="http://schemas.microsoft.com/office/drawing/2014/main" id="{B5AB0F95-612B-447E-BC0F-F952B486D878}"/>
-                </a:ext>
-              </a:extLst>
-            </p:cNvPr>
-            <p:cNvSpPr>
-              <a:spLocks noChangeArrowheads="1"/>
-            </p:cNvSpPr>
-            <p:nvPr/>
-          </p:nvSpPr>
-          <p:spPr bwMode="auto">
-            <a:xfrm>
-              <a:off x="3427027" y="1981200"/>
-              <a:ext cx="2286000" cy="4023360"/>
-            </a:xfrm>
-            <a:prstGeom prst="rect">
-              <a:avLst/>
-            </a:prstGeom>
-            <a:pattFill prst="pct5">
-              <a:fgClr>
-                <a:schemeClr val="tx1"/>
-              </a:fgClr>
-              <a:bgClr>
-                <a:schemeClr val="bg1"/>
-              </a:bgClr>
-            </a:pattFill>
-            <a:ln w="9525">
-              <a:solidFill>
-                <a:schemeClr val="tx1"/>
-              </a:solidFill>
-              <a:miter lim="800000"/>
-              <a:headEnd/>
-              <a:tailEnd/>
-            </a:ln>
-          </p:spPr>
-          <p:txBody>
-            <a:bodyPr wrap="none" lIns="92075" tIns="46038" rIns="92075" bIns="46038" anchor="ctr"/>
-            <a:lstStyle/>
-            <a:p>
-              <a:endParaRPr lang="en-US" dirty="0"/>
-            </a:p>
-          </p:txBody>
-        </p:sp>
-        <p:sp>
-          <p:nvSpPr>
-            <p:cNvPr id="64" name="TextBox 63">
-              <a:extLst>
-                <a:ext uri="{FF2B5EF4-FFF2-40B4-BE49-F238E27FC236}">
-                  <a16:creationId xmlns:a16="http://schemas.microsoft.com/office/drawing/2014/main" id="{FFEBF89F-AA66-4E74-86F9-193DEFFDAABC}"/>
-                </a:ext>
-              </a:extLst>
-            </p:cNvPr>
-            <p:cNvSpPr txBox="1"/>
-            <p:nvPr/>
-          </p:nvSpPr>
-          <p:spPr>
-            <a:xfrm>
-              <a:off x="1893570" y="3505200"/>
-              <a:ext cx="1261884" cy="923330"/>
-            </a:xfrm>
-            <a:prstGeom prst="rect">
-              <a:avLst/>
-            </a:prstGeom>
+          <a:prstGeom prst="rect">
+            <a:avLst/>
+          </a:prstGeom>
+          <a:pattFill prst="pct5">
+            <a:fgClr>
+              <a:schemeClr val="tx1"/>
+            </a:fgClr>
+            <a:bgClr>
+              <a:schemeClr val="bg1"/>
+            </a:bgClr>
+          </a:pattFill>
+          <a:ln w="9525">
+            <a:solidFill>
+              <a:schemeClr val="tx1"/>
+            </a:solidFill>
+            <a:miter lim="800000"/>
+            <a:headEnd/>
+            <a:tailEnd/>
+          </a:ln>
+        </p:spPr>
+        <p:txBody>
+          <a:bodyPr wrap="none" lIns="92075" tIns="46038" rIns="92075" bIns="46038" anchor="ctr"/>
+          <a:lstStyle/>
+          <a:p>
+            <a:endParaRPr lang="en-US" dirty="0"/>
+          </a:p>
+        </p:txBody>
+      </p:sp>
+      <p:sp>
+        <p:nvSpPr>
+          <p:cNvPr id="64" name="TextBox 63">
+            <a:extLst>
+              <a:ext uri="{FF2B5EF4-FFF2-40B4-BE49-F238E27FC236}">
+                <a16:creationId xmlns:a16="http://schemas.microsoft.com/office/drawing/2014/main" id="{FFEBF89F-AA66-4E74-86F9-193DEFFDAABC}"/>
+              </a:ext>
+            </a:extLst>
+          </p:cNvPr>
+          <p:cNvSpPr txBox="1"/>
+          <p:nvPr/>
+        </p:nvSpPr>
+        <p:spPr>
+          <a:xfrm>
+            <a:off x="1893570" y="3484418"/>
+            <a:ext cx="1402948" cy="646331"/>
+          </a:xfrm>
+          <a:prstGeom prst="rect">
+            <a:avLst/>
+          </a:prstGeom>
+          <a:noFill/>
+        </p:spPr>
+        <p:txBody>
+          <a:bodyPr wrap="none" rtlCol="0">
+            <a:spAutoFit/>
+          </a:bodyPr>
+          <a:lstStyle/>
+          <a:p>
+            <a:pPr algn="l"/>
+            <a:r>
+              <a:rPr lang="en-US" sz="1800" dirty="0"/>
+              <a:t>stack grows</a:t>
+            </a:r>
+          </a:p>
+          <a:p>
+            <a:pPr algn="l"/>
+            <a:r>
+              <a:rPr lang="en-US" sz="1800" dirty="0"/>
+              <a:t>downward</a:t>
+            </a:r>
+          </a:p>
+        </p:txBody>
+      </p:sp>
+      <p:sp>
+        <p:nvSpPr>
+          <p:cNvPr id="65" name="Diamond 64">
+            <a:extLst>
+              <a:ext uri="{FF2B5EF4-FFF2-40B4-BE49-F238E27FC236}">
+                <a16:creationId xmlns:a16="http://schemas.microsoft.com/office/drawing/2014/main" id="{B26C0557-58D7-43BB-86D9-77F46328C18A}"/>
+              </a:ext>
+            </a:extLst>
+          </p:cNvPr>
+          <p:cNvSpPr/>
+          <p:nvPr/>
+        </p:nvSpPr>
+        <p:spPr bwMode="auto">
+          <a:xfrm>
+            <a:off x="2503604" y="5889307"/>
+            <a:ext cx="182880" cy="182880"/>
+          </a:xfrm>
+          <a:prstGeom prst="diamond">
+            <a:avLst/>
+          </a:prstGeom>
+          <a:noFill/>
+          <a:ln w="9525">
             <a:noFill/>
-          </p:spPr>
-          <p:txBody>
-            <a:bodyPr wrap="none" rtlCol="0">
-              <a:spAutoFit/>
-            </a:bodyPr>
-            <a:lstStyle/>
-            <a:p>
-              <a:pPr algn="l"/>
-              <a:r>
-                <a:rPr lang="en-US" sz="1800" dirty="0"/>
-                <a:t>temporary</a:t>
-              </a:r>
-            </a:p>
-            <a:p>
-              <a:pPr algn="l"/>
-              <a:r>
-                <a:rPr lang="en-US" sz="1800" dirty="0"/>
-                <a:t>part grows</a:t>
-              </a:r>
-            </a:p>
-            <a:p>
-              <a:pPr algn="l"/>
-              <a:r>
-                <a:rPr lang="en-US" sz="1800" dirty="0"/>
-                <a:t>downward</a:t>
-              </a:r>
-            </a:p>
-          </p:txBody>
-        </p:sp>
-        <p:sp>
-          <p:nvSpPr>
-            <p:cNvPr id="65" name="Diamond 64">
-              <a:extLst>
-                <a:ext uri="{FF2B5EF4-FFF2-40B4-BE49-F238E27FC236}">
-                  <a16:creationId xmlns:a16="http://schemas.microsoft.com/office/drawing/2014/main" id="{B26C0557-58D7-43BB-86D9-77F46328C18A}"/>
-                </a:ext>
-              </a:extLst>
-            </p:cNvPr>
-            <p:cNvSpPr/>
-            <p:nvPr/>
-          </p:nvSpPr>
-          <p:spPr bwMode="auto">
-            <a:xfrm>
-              <a:off x="2433072" y="5889307"/>
-              <a:ext cx="182880" cy="182880"/>
-            </a:xfrm>
-            <a:prstGeom prst="diamond">
-              <a:avLst/>
-            </a:prstGeom>
-            <a:noFill/>
-            <a:ln w="9525">
-              <a:noFill/>
-              <a:round/>
-              <a:headEnd/>
-              <a:tailEnd/>
-            </a:ln>
-          </p:spPr>
-          <p:txBody>
-            <a:bodyPr wrap="none" lIns="92075" tIns="46038" rIns="92075" bIns="46038" rtlCol="0" anchor="ctr"/>
-            <a:lstStyle/>
-            <a:p>
-              <a:pPr algn="ctr"/>
-              <a:endParaRPr lang="en-US" dirty="0"/>
-            </a:p>
-          </p:txBody>
-        </p:sp>
-        <p:cxnSp>
-          <p:nvCxnSpPr>
-            <p:cNvPr id="67" name="Straight Arrow Connector 66">
-              <a:extLst>
-                <a:ext uri="{FF2B5EF4-FFF2-40B4-BE49-F238E27FC236}">
-                  <a16:creationId xmlns:a16="http://schemas.microsoft.com/office/drawing/2014/main" id="{9FDFF75D-DC27-4958-A6F9-7C7A1C93E847}"/>
-                </a:ext>
-              </a:extLst>
-            </p:cNvPr>
-            <p:cNvCxnSpPr>
-              <a:cxnSpLocks/>
-              <a:stCxn id="64" idx="2"/>
-              <a:endCxn id="65" idx="0"/>
-            </p:cNvCxnSpPr>
-            <p:nvPr/>
-          </p:nvCxnSpPr>
-          <p:spPr bwMode="auto">
-            <a:xfrm>
-              <a:off x="2524512" y="4428530"/>
-              <a:ext cx="0" cy="1460777"/>
-            </a:xfrm>
-            <a:prstGeom prst="straightConnector1">
-              <a:avLst/>
-            </a:prstGeom>
-            <a:noFill/>
-            <a:ln w="9525" cap="flat" cmpd="sng" algn="ctr">
-              <a:solidFill>
-                <a:schemeClr val="tx1"/>
-              </a:solidFill>
-              <a:prstDash val="solid"/>
-              <a:round/>
-              <a:headEnd type="none" w="med" len="med"/>
-              <a:tailEnd type="triangle"/>
-            </a:ln>
-            <a:effectLst/>
-          </p:spPr>
-        </p:cxnSp>
-        <p:sp>
-          <p:nvSpPr>
-            <p:cNvPr id="68" name="TextBox 67">
-              <a:extLst>
-                <a:ext uri="{FF2B5EF4-FFF2-40B4-BE49-F238E27FC236}">
-                  <a16:creationId xmlns:a16="http://schemas.microsoft.com/office/drawing/2014/main" id="{28BA86A7-17E6-414B-8B9D-E2CC84A29DC9}"/>
-                </a:ext>
-              </a:extLst>
-            </p:cNvPr>
-            <p:cNvSpPr txBox="1"/>
-            <p:nvPr/>
-          </p:nvSpPr>
-          <p:spPr>
-            <a:xfrm>
-              <a:off x="3427027" y="1981200"/>
-              <a:ext cx="2286000" cy="369332"/>
-            </a:xfrm>
-            <a:prstGeom prst="rect">
-              <a:avLst/>
-            </a:prstGeom>
+            <a:round/>
+            <a:headEnd/>
+            <a:tailEnd/>
+          </a:ln>
+        </p:spPr>
+        <p:txBody>
+          <a:bodyPr wrap="none" lIns="92075" tIns="46038" rIns="92075" bIns="46038" rtlCol="0" anchor="ctr"/>
+          <a:lstStyle/>
+          <a:p>
+            <a:pPr algn="ctr"/>
+            <a:endParaRPr lang="en-US" dirty="0"/>
+          </a:p>
+        </p:txBody>
+      </p:sp>
+      <p:cxnSp>
+        <p:nvCxnSpPr>
+          <p:cNvPr id="67" name="Straight Arrow Connector 66">
+            <a:extLst>
+              <a:ext uri="{FF2B5EF4-FFF2-40B4-BE49-F238E27FC236}">
+                <a16:creationId xmlns:a16="http://schemas.microsoft.com/office/drawing/2014/main" id="{9FDFF75D-DC27-4958-A6F9-7C7A1C93E847}"/>
+              </a:ext>
+            </a:extLst>
+          </p:cNvPr>
+          <p:cNvCxnSpPr>
+            <a:cxnSpLocks/>
+            <a:stCxn id="64" idx="2"/>
+            <a:endCxn id="65" idx="0"/>
+          </p:cNvCxnSpPr>
+          <p:nvPr/>
+        </p:nvCxnSpPr>
+        <p:spPr bwMode="auto">
+          <a:xfrm>
+            <a:off x="2595044" y="4130749"/>
+            <a:ext cx="0" cy="1758558"/>
+          </a:xfrm>
+          <a:prstGeom prst="straightConnector1">
+            <a:avLst/>
+          </a:prstGeom>
+          <a:noFill/>
+          <a:ln w="9525" cap="flat" cmpd="sng" algn="ctr">
             <a:solidFill>
-              <a:schemeClr val="bg1"/>
+              <a:schemeClr val="tx1"/>
             </a:solidFill>
-            <a:ln>
-              <a:solidFill>
-                <a:schemeClr val="tx1"/>
-              </a:solidFill>
-            </a:ln>
-          </p:spPr>
-          <p:txBody>
-            <a:bodyPr wrap="none" rtlCol="0">
-              <a:noAutofit/>
-            </a:bodyPr>
-            <a:lstStyle/>
-            <a:p>
-              <a:pPr marL="91440" algn="l"/>
-              <a:r>
-                <a:rPr lang="en-US" sz="1800" dirty="0"/>
-                <a:t>dynamic link</a:t>
-              </a:r>
-            </a:p>
-          </p:txBody>
-        </p:sp>
-        <p:sp>
-          <p:nvSpPr>
-            <p:cNvPr id="69" name="TextBox 68">
-              <a:extLst>
-                <a:ext uri="{FF2B5EF4-FFF2-40B4-BE49-F238E27FC236}">
-                  <a16:creationId xmlns:a16="http://schemas.microsoft.com/office/drawing/2014/main" id="{E2D64B75-6D6C-4DA6-A677-6C13279C8E15}"/>
-                </a:ext>
-              </a:extLst>
-            </p:cNvPr>
-            <p:cNvSpPr txBox="1"/>
-            <p:nvPr/>
-          </p:nvSpPr>
-          <p:spPr>
-            <a:xfrm>
-              <a:off x="3427027" y="2351884"/>
-              <a:ext cx="2286000" cy="369332"/>
-            </a:xfrm>
-            <a:prstGeom prst="rect">
-              <a:avLst/>
-            </a:prstGeom>
+            <a:prstDash val="solid"/>
+            <a:round/>
+            <a:headEnd type="none" w="med" len="med"/>
+            <a:tailEnd type="triangle"/>
+          </a:ln>
+          <a:effectLst/>
+        </p:spPr>
+      </p:cxnSp>
+      <p:sp>
+        <p:nvSpPr>
+          <p:cNvPr id="68" name="TextBox 67">
+            <a:extLst>
+              <a:ext uri="{FF2B5EF4-FFF2-40B4-BE49-F238E27FC236}">
+                <a16:creationId xmlns:a16="http://schemas.microsoft.com/office/drawing/2014/main" id="{28BA86A7-17E6-414B-8B9D-E2CC84A29DC9}"/>
+              </a:ext>
+            </a:extLst>
+          </p:cNvPr>
+          <p:cNvSpPr txBox="1"/>
+          <p:nvPr/>
+        </p:nvSpPr>
+        <p:spPr>
+          <a:xfrm>
+            <a:off x="3427027" y="1981200"/>
+            <a:ext cx="2286000" cy="369332"/>
+          </a:xfrm>
+          <a:prstGeom prst="rect">
+            <a:avLst/>
+          </a:prstGeom>
+          <a:solidFill>
+            <a:schemeClr val="bg1"/>
+          </a:solidFill>
+          <a:ln>
             <a:solidFill>
-              <a:schemeClr val="bg1"/>
+              <a:schemeClr val="tx1"/>
             </a:solidFill>
-            <a:ln>
-              <a:solidFill>
-                <a:schemeClr val="tx1"/>
-              </a:solidFill>
-            </a:ln>
-          </p:spPr>
-          <p:txBody>
-            <a:bodyPr wrap="none" rtlCol="0">
-              <a:noAutofit/>
-            </a:bodyPr>
-            <a:lstStyle/>
-            <a:p>
-              <a:pPr marL="91440" algn="l"/>
-              <a:r>
-                <a:rPr lang="en-US" sz="1800" dirty="0"/>
-                <a:t>return address</a:t>
-              </a:r>
-            </a:p>
-          </p:txBody>
-        </p:sp>
-        <p:sp>
-          <p:nvSpPr>
-            <p:cNvPr id="70" name="TextBox 69">
-              <a:extLst>
-                <a:ext uri="{FF2B5EF4-FFF2-40B4-BE49-F238E27FC236}">
-                  <a16:creationId xmlns:a16="http://schemas.microsoft.com/office/drawing/2014/main" id="{F2F7C5DF-6D2D-4543-B6E0-B18D4217F52E}"/>
-                </a:ext>
-              </a:extLst>
-            </p:cNvPr>
-            <p:cNvSpPr txBox="1"/>
-            <p:nvPr/>
-          </p:nvSpPr>
-          <p:spPr>
-            <a:xfrm>
-              <a:off x="3427027" y="2722567"/>
-              <a:ext cx="2286000" cy="369332"/>
-            </a:xfrm>
-            <a:prstGeom prst="rect">
-              <a:avLst/>
-            </a:prstGeom>
+          </a:ln>
+        </p:spPr>
+        <p:txBody>
+          <a:bodyPr wrap="none" rtlCol="0">
+            <a:noAutofit/>
+          </a:bodyPr>
+          <a:lstStyle/>
+          <a:p>
+            <a:pPr marL="91440" algn="l"/>
+            <a:r>
+              <a:rPr lang="en-US" sz="1800" dirty="0"/>
+              <a:t>dynamic link</a:t>
+            </a:r>
+          </a:p>
+        </p:txBody>
+      </p:sp>
+      <p:sp>
+        <p:nvSpPr>
+          <p:cNvPr id="69" name="TextBox 68">
+            <a:extLst>
+              <a:ext uri="{FF2B5EF4-FFF2-40B4-BE49-F238E27FC236}">
+                <a16:creationId xmlns:a16="http://schemas.microsoft.com/office/drawing/2014/main" id="{E2D64B75-6D6C-4DA6-A677-6C13279C8E15}"/>
+              </a:ext>
+            </a:extLst>
+          </p:cNvPr>
+          <p:cNvSpPr txBox="1"/>
+          <p:nvPr/>
+        </p:nvSpPr>
+        <p:spPr>
+          <a:xfrm>
+            <a:off x="3427027" y="2351884"/>
+            <a:ext cx="2286000" cy="369332"/>
+          </a:xfrm>
+          <a:prstGeom prst="rect">
+            <a:avLst/>
+          </a:prstGeom>
+          <a:solidFill>
+            <a:schemeClr val="bg1"/>
+          </a:solidFill>
+          <a:ln>
             <a:solidFill>
-              <a:schemeClr val="bg1"/>
+              <a:schemeClr val="tx1"/>
             </a:solidFill>
-            <a:ln>
-              <a:solidFill>
-                <a:schemeClr val="tx1"/>
-              </a:solidFill>
-            </a:ln>
-          </p:spPr>
-          <p:txBody>
-            <a:bodyPr wrap="none" rtlCol="0">
-              <a:noAutofit/>
-            </a:bodyPr>
-            <a:lstStyle/>
-            <a:p>
-              <a:pPr marL="91440" algn="l"/>
-              <a:endParaRPr lang="en-US" sz="1800" dirty="0"/>
-            </a:p>
-          </p:txBody>
-        </p:sp>
-        <p:sp>
-          <p:nvSpPr>
-            <p:cNvPr id="71" name="TextBox 70">
-              <a:extLst>
-                <a:ext uri="{FF2B5EF4-FFF2-40B4-BE49-F238E27FC236}">
-                  <a16:creationId xmlns:a16="http://schemas.microsoft.com/office/drawing/2014/main" id="{3BDD821E-7390-4C0B-849D-2D72B2C9107D}"/>
-                </a:ext>
-              </a:extLst>
-            </p:cNvPr>
-            <p:cNvSpPr txBox="1"/>
-            <p:nvPr/>
-          </p:nvSpPr>
-          <p:spPr>
-            <a:xfrm>
-              <a:off x="3604378" y="4583668"/>
-              <a:ext cx="1931298" cy="369332"/>
-            </a:xfrm>
-            <a:prstGeom prst="rect">
-              <a:avLst/>
-            </a:prstGeom>
+          </a:ln>
+        </p:spPr>
+        <p:txBody>
+          <a:bodyPr wrap="none" rtlCol="0">
+            <a:noAutofit/>
+          </a:bodyPr>
+          <a:lstStyle/>
+          <a:p>
+            <a:pPr marL="91440" algn="l"/>
+            <a:r>
+              <a:rPr lang="en-US" sz="1800" dirty="0"/>
+              <a:t>return address</a:t>
+            </a:r>
+          </a:p>
+        </p:txBody>
+      </p:sp>
+      <p:sp>
+        <p:nvSpPr>
+          <p:cNvPr id="70" name="TextBox 69">
+            <a:extLst>
+              <a:ext uri="{FF2B5EF4-FFF2-40B4-BE49-F238E27FC236}">
+                <a16:creationId xmlns:a16="http://schemas.microsoft.com/office/drawing/2014/main" id="{F2F7C5DF-6D2D-4543-B6E0-B18D4217F52E}"/>
+              </a:ext>
+            </a:extLst>
+          </p:cNvPr>
+          <p:cNvSpPr txBox="1"/>
+          <p:nvPr/>
+        </p:nvSpPr>
+        <p:spPr>
+          <a:xfrm>
+            <a:off x="3427027" y="2722567"/>
+            <a:ext cx="2286000" cy="369332"/>
+          </a:xfrm>
+          <a:prstGeom prst="rect">
+            <a:avLst/>
+          </a:prstGeom>
+          <a:solidFill>
+            <a:schemeClr val="bg1"/>
+          </a:solidFill>
+          <a:ln>
             <a:solidFill>
-              <a:schemeClr val="bg1"/>
+              <a:schemeClr val="tx1"/>
             </a:solidFill>
-            <a:ln>
-              <a:solidFill>
-                <a:schemeClr val="tx1"/>
-              </a:solidFill>
-            </a:ln>
-          </p:spPr>
-          <p:txBody>
-            <a:bodyPr wrap="none" rtlCol="0">
-              <a:spAutoFit/>
-            </a:bodyPr>
-            <a:lstStyle/>
-            <a:p>
-              <a:pPr marL="91440" algn="l"/>
-              <a:r>
-                <a:rPr lang="en-US" sz="1800" dirty="0"/>
-                <a:t>unused memory</a:t>
-              </a:r>
-            </a:p>
-          </p:txBody>
-        </p:sp>
-        <p:sp>
-          <p:nvSpPr>
-            <p:cNvPr id="72" name="TextBox 71">
-              <a:extLst>
-                <a:ext uri="{FF2B5EF4-FFF2-40B4-BE49-F238E27FC236}">
-                  <a16:creationId xmlns:a16="http://schemas.microsoft.com/office/drawing/2014/main" id="{9599E4DD-7C5B-475F-806B-F0058F4ECE0F}"/>
-                </a:ext>
-              </a:extLst>
-            </p:cNvPr>
-            <p:cNvSpPr txBox="1"/>
-            <p:nvPr/>
-          </p:nvSpPr>
-          <p:spPr>
-            <a:xfrm>
-              <a:off x="2819400" y="1988771"/>
-              <a:ext cx="569388" cy="369332"/>
-            </a:xfrm>
-            <a:prstGeom prst="rect">
-              <a:avLst/>
-            </a:prstGeom>
-            <a:noFill/>
-          </p:spPr>
-          <p:txBody>
-            <a:bodyPr wrap="none" rtlCol="0">
-              <a:spAutoFit/>
-            </a:bodyPr>
-            <a:lstStyle/>
-            <a:p>
-              <a:r>
-                <a:rPr lang="en-US" sz="1800" dirty="0"/>
-                <a:t>200</a:t>
-              </a:r>
-            </a:p>
-          </p:txBody>
-        </p:sp>
-        <p:sp>
-          <p:nvSpPr>
-            <p:cNvPr id="73" name="TextBox 72">
-              <a:extLst>
-                <a:ext uri="{FF2B5EF4-FFF2-40B4-BE49-F238E27FC236}">
-                  <a16:creationId xmlns:a16="http://schemas.microsoft.com/office/drawing/2014/main" id="{7D5F371E-A21E-4C6E-A0B0-A42812DA92BB}"/>
-                </a:ext>
-              </a:extLst>
-            </p:cNvPr>
-            <p:cNvSpPr txBox="1"/>
-            <p:nvPr/>
-          </p:nvSpPr>
-          <p:spPr>
-            <a:xfrm>
-              <a:off x="2819401" y="2356586"/>
-              <a:ext cx="569387" cy="369332"/>
-            </a:xfrm>
-            <a:prstGeom prst="rect">
-              <a:avLst/>
-            </a:prstGeom>
-            <a:noFill/>
-          </p:spPr>
-          <p:txBody>
-            <a:bodyPr wrap="none" rtlCol="0">
-              <a:spAutoFit/>
-            </a:bodyPr>
-            <a:lstStyle/>
-            <a:p>
-              <a:r>
-                <a:rPr lang="en-US" sz="1800" dirty="0"/>
-                <a:t>204</a:t>
-              </a:r>
-            </a:p>
-          </p:txBody>
-        </p:sp>
-        <p:sp>
-          <p:nvSpPr>
-            <p:cNvPr id="74" name="TextBox 73">
-              <a:extLst>
-                <a:ext uri="{FF2B5EF4-FFF2-40B4-BE49-F238E27FC236}">
-                  <a16:creationId xmlns:a16="http://schemas.microsoft.com/office/drawing/2014/main" id="{314D2A39-5609-4923-AA08-AB9FB75E8DD8}"/>
-                </a:ext>
-              </a:extLst>
-            </p:cNvPr>
-            <p:cNvSpPr txBox="1"/>
-            <p:nvPr/>
-          </p:nvSpPr>
-          <p:spPr>
-            <a:xfrm>
-              <a:off x="2819400" y="2724401"/>
-              <a:ext cx="569388" cy="369332"/>
-            </a:xfrm>
-            <a:prstGeom prst="rect">
-              <a:avLst/>
-            </a:prstGeom>
-            <a:noFill/>
-          </p:spPr>
-          <p:txBody>
-            <a:bodyPr wrap="none" rtlCol="0">
-              <a:spAutoFit/>
-            </a:bodyPr>
-            <a:lstStyle/>
-            <a:p>
-              <a:r>
-                <a:rPr lang="en-US" sz="1800" dirty="0"/>
-                <a:t>208</a:t>
-              </a:r>
-            </a:p>
-          </p:txBody>
-        </p:sp>
-        <p:sp>
-          <p:nvSpPr>
-            <p:cNvPr id="76" name="TextBox 75">
-              <a:extLst>
-                <a:ext uri="{FF2B5EF4-FFF2-40B4-BE49-F238E27FC236}">
-                  <a16:creationId xmlns:a16="http://schemas.microsoft.com/office/drawing/2014/main" id="{03FC58D0-0DFB-41BF-B004-B8A24DF19F40}"/>
-                </a:ext>
-              </a:extLst>
-            </p:cNvPr>
-            <p:cNvSpPr txBox="1"/>
-            <p:nvPr/>
-          </p:nvSpPr>
-          <p:spPr>
-            <a:xfrm>
-              <a:off x="5791200" y="2710509"/>
-              <a:ext cx="300083" cy="369332"/>
-            </a:xfrm>
-            <a:prstGeom prst="rect">
-              <a:avLst/>
-            </a:prstGeom>
-            <a:noFill/>
-          </p:spPr>
-          <p:txBody>
-            <a:bodyPr wrap="none" rtlCol="0">
-              <a:spAutoFit/>
-            </a:bodyPr>
-            <a:lstStyle/>
-            <a:p>
-              <a:r>
-                <a:rPr lang="en-US" sz="1800" dirty="0"/>
-                <a:t>x</a:t>
-              </a:r>
-            </a:p>
-          </p:txBody>
-        </p:sp>
-        <p:sp>
-          <p:nvSpPr>
-            <p:cNvPr id="77" name="TextBox 76">
-              <a:extLst>
-                <a:ext uri="{FF2B5EF4-FFF2-40B4-BE49-F238E27FC236}">
-                  <a16:creationId xmlns:a16="http://schemas.microsoft.com/office/drawing/2014/main" id="{62061F1D-676D-43D4-B9CA-DB52FB119596}"/>
-                </a:ext>
-              </a:extLst>
-            </p:cNvPr>
-            <p:cNvSpPr txBox="1"/>
-            <p:nvPr/>
-          </p:nvSpPr>
-          <p:spPr>
-            <a:xfrm>
-              <a:off x="5795918" y="3081440"/>
-              <a:ext cx="300082" cy="369332"/>
-            </a:xfrm>
-            <a:prstGeom prst="rect">
-              <a:avLst/>
-            </a:prstGeom>
-            <a:noFill/>
-          </p:spPr>
-          <p:txBody>
-            <a:bodyPr wrap="none" rtlCol="0">
-              <a:spAutoFit/>
-            </a:bodyPr>
-            <a:lstStyle/>
-            <a:p>
-              <a:r>
-                <a:rPr lang="en-US" sz="1800" dirty="0"/>
-                <a:t>y</a:t>
-              </a:r>
-            </a:p>
-          </p:txBody>
-        </p:sp>
-        <p:sp>
-          <p:nvSpPr>
-            <p:cNvPr id="21" name="TextBox 20">
-              <a:extLst>
-                <a:ext uri="{FF2B5EF4-FFF2-40B4-BE49-F238E27FC236}">
-                  <a16:creationId xmlns:a16="http://schemas.microsoft.com/office/drawing/2014/main" id="{AB841B8B-8949-425B-86CF-937F49018DBE}"/>
-                </a:ext>
-              </a:extLst>
-            </p:cNvPr>
-            <p:cNvSpPr txBox="1"/>
-            <p:nvPr/>
-          </p:nvSpPr>
-          <p:spPr>
-            <a:xfrm>
-              <a:off x="1428186" y="1988771"/>
-              <a:ext cx="740657" cy="369332"/>
-            </a:xfrm>
-            <a:prstGeom prst="rect">
-              <a:avLst/>
-            </a:prstGeom>
-            <a:noFill/>
-          </p:spPr>
-          <p:txBody>
-            <a:bodyPr wrap="square" rtlCol="0">
-              <a:spAutoFit/>
-            </a:bodyPr>
-            <a:lstStyle/>
-            <a:p>
-              <a:r>
-                <a:rPr lang="en-US" sz="1800" dirty="0"/>
-                <a:t>BP</a:t>
-              </a:r>
-            </a:p>
-          </p:txBody>
-        </p:sp>
-        <p:sp>
-          <p:nvSpPr>
-            <p:cNvPr id="22" name="TextBox 21">
-              <a:extLst>
-                <a:ext uri="{FF2B5EF4-FFF2-40B4-BE49-F238E27FC236}">
-                  <a16:creationId xmlns:a16="http://schemas.microsoft.com/office/drawing/2014/main" id="{5C971F6B-A50E-44FF-8236-6A6813B34770}"/>
-                </a:ext>
-              </a:extLst>
-            </p:cNvPr>
-            <p:cNvSpPr txBox="1"/>
-            <p:nvPr/>
-          </p:nvSpPr>
-          <p:spPr>
-            <a:xfrm>
-              <a:off x="1428186" y="3092215"/>
-              <a:ext cx="740657" cy="369332"/>
-            </a:xfrm>
-            <a:prstGeom prst="rect">
-              <a:avLst/>
-            </a:prstGeom>
-            <a:noFill/>
-          </p:spPr>
-          <p:txBody>
-            <a:bodyPr wrap="square" rtlCol="0">
-              <a:spAutoFit/>
-            </a:bodyPr>
-            <a:lstStyle/>
-            <a:p>
-              <a:r>
-                <a:rPr lang="en-US" sz="1800" dirty="0"/>
-                <a:t>SP</a:t>
-              </a:r>
-            </a:p>
-          </p:txBody>
-        </p:sp>
-        <p:cxnSp>
-          <p:nvCxnSpPr>
-            <p:cNvPr id="6" name="Straight Arrow Connector 5">
-              <a:extLst>
-                <a:ext uri="{FF2B5EF4-FFF2-40B4-BE49-F238E27FC236}">
-                  <a16:creationId xmlns:a16="http://schemas.microsoft.com/office/drawing/2014/main" id="{0A106FBB-345C-44C4-9643-9EAD3CCD65A3}"/>
-                </a:ext>
-              </a:extLst>
-            </p:cNvPr>
-            <p:cNvCxnSpPr>
-              <a:cxnSpLocks/>
-              <a:stCxn id="21" idx="3"/>
-              <a:endCxn id="72" idx="1"/>
-            </p:cNvCxnSpPr>
-            <p:nvPr/>
-          </p:nvCxnSpPr>
-          <p:spPr bwMode="auto">
-            <a:xfrm>
-              <a:off x="2168843" y="2173437"/>
-              <a:ext cx="650557" cy="0"/>
-            </a:xfrm>
-            <a:prstGeom prst="straightConnector1">
-              <a:avLst/>
-            </a:prstGeom>
-            <a:noFill/>
-            <a:ln w="9525" cap="flat" cmpd="sng" algn="ctr">
-              <a:solidFill>
-                <a:schemeClr val="tx1"/>
-              </a:solidFill>
-              <a:prstDash val="solid"/>
-              <a:round/>
-              <a:headEnd type="none" w="med" len="med"/>
-              <a:tailEnd type="triangle"/>
-            </a:ln>
-            <a:effectLst/>
-          </p:spPr>
-        </p:cxnSp>
-        <p:cxnSp>
-          <p:nvCxnSpPr>
-            <p:cNvPr id="8" name="Straight Arrow Connector 7">
-              <a:extLst>
-                <a:ext uri="{FF2B5EF4-FFF2-40B4-BE49-F238E27FC236}">
-                  <a16:creationId xmlns:a16="http://schemas.microsoft.com/office/drawing/2014/main" id="{A9C85EE5-732F-429A-900E-1B7B21758369}"/>
-                </a:ext>
-              </a:extLst>
-            </p:cNvPr>
-            <p:cNvCxnSpPr>
-              <a:cxnSpLocks/>
-              <a:stCxn id="22" idx="3"/>
-              <a:endCxn id="29" idx="1"/>
-            </p:cNvCxnSpPr>
-            <p:nvPr/>
-          </p:nvCxnSpPr>
-          <p:spPr bwMode="auto">
-            <a:xfrm>
-              <a:off x="2168843" y="3276881"/>
-              <a:ext cx="650558" cy="0"/>
-            </a:xfrm>
-            <a:prstGeom prst="straightConnector1">
-              <a:avLst/>
-            </a:prstGeom>
-            <a:noFill/>
-            <a:ln w="9525" cap="flat" cmpd="sng" algn="ctr">
-              <a:solidFill>
-                <a:schemeClr val="tx1"/>
-              </a:solidFill>
-              <a:prstDash val="solid"/>
-              <a:round/>
-              <a:headEnd type="none" w="med" len="med"/>
-              <a:tailEnd type="triangle"/>
-            </a:ln>
-            <a:effectLst/>
-          </p:spPr>
-        </p:cxnSp>
-        <p:sp>
-          <p:nvSpPr>
-            <p:cNvPr id="28" name="TextBox 27">
-              <a:extLst>
-                <a:ext uri="{FF2B5EF4-FFF2-40B4-BE49-F238E27FC236}">
-                  <a16:creationId xmlns:a16="http://schemas.microsoft.com/office/drawing/2014/main" id="{19D5125A-908B-4812-91D8-0C630BA2F87E}"/>
-                </a:ext>
-              </a:extLst>
-            </p:cNvPr>
-            <p:cNvSpPr txBox="1"/>
-            <p:nvPr/>
-          </p:nvSpPr>
-          <p:spPr>
-            <a:xfrm>
-              <a:off x="3427027" y="3091899"/>
-              <a:ext cx="2286000" cy="369332"/>
-            </a:xfrm>
-            <a:prstGeom prst="rect">
-              <a:avLst/>
-            </a:prstGeom>
+          </a:ln>
+        </p:spPr>
+        <p:txBody>
+          <a:bodyPr wrap="none" rtlCol="0">
+            <a:noAutofit/>
+          </a:bodyPr>
+          <a:lstStyle/>
+          <a:p>
+            <a:pPr marL="91440" algn="l"/>
+            <a:endParaRPr lang="en-US" sz="1800" dirty="0"/>
+          </a:p>
+        </p:txBody>
+      </p:sp>
+      <p:sp>
+        <p:nvSpPr>
+          <p:cNvPr id="71" name="TextBox 70">
+            <a:extLst>
+              <a:ext uri="{FF2B5EF4-FFF2-40B4-BE49-F238E27FC236}">
+                <a16:creationId xmlns:a16="http://schemas.microsoft.com/office/drawing/2014/main" id="{3BDD821E-7390-4C0B-849D-2D72B2C9107D}"/>
+              </a:ext>
+            </a:extLst>
+          </p:cNvPr>
+          <p:cNvSpPr txBox="1"/>
+          <p:nvPr/>
+        </p:nvSpPr>
+        <p:spPr>
+          <a:xfrm>
+            <a:off x="3604378" y="4495800"/>
+            <a:ext cx="1931298" cy="369332"/>
+          </a:xfrm>
+          <a:prstGeom prst="rect">
+            <a:avLst/>
+          </a:prstGeom>
+          <a:solidFill>
+            <a:schemeClr val="bg1"/>
+          </a:solidFill>
+          <a:ln>
             <a:solidFill>
-              <a:schemeClr val="bg1"/>
+              <a:schemeClr val="tx1"/>
             </a:solidFill>
-            <a:ln>
-              <a:solidFill>
-                <a:schemeClr val="tx1"/>
-              </a:solidFill>
-            </a:ln>
-          </p:spPr>
-          <p:txBody>
-            <a:bodyPr wrap="none" rtlCol="0">
-              <a:noAutofit/>
-            </a:bodyPr>
-            <a:lstStyle/>
-            <a:p>
-              <a:pPr marL="91440" algn="l"/>
-              <a:r>
-                <a:rPr lang="en-US" sz="1800" dirty="0"/>
-                <a:t>6</a:t>
-              </a:r>
-            </a:p>
-          </p:txBody>
-        </p:sp>
-        <p:sp>
-          <p:nvSpPr>
-            <p:cNvPr id="29" name="TextBox 28">
-              <a:extLst>
-                <a:ext uri="{FF2B5EF4-FFF2-40B4-BE49-F238E27FC236}">
-                  <a16:creationId xmlns:a16="http://schemas.microsoft.com/office/drawing/2014/main" id="{5EEA69FA-6414-4647-BC93-6FD115E6F199}"/>
-                </a:ext>
-              </a:extLst>
-            </p:cNvPr>
-            <p:cNvSpPr txBox="1"/>
-            <p:nvPr/>
-          </p:nvSpPr>
-          <p:spPr>
-            <a:xfrm>
-              <a:off x="2819401" y="3092215"/>
-              <a:ext cx="569388" cy="369332"/>
-            </a:xfrm>
-            <a:prstGeom prst="rect">
-              <a:avLst/>
-            </a:prstGeom>
-            <a:noFill/>
-          </p:spPr>
-          <p:txBody>
-            <a:bodyPr wrap="none" rtlCol="0">
-              <a:spAutoFit/>
-            </a:bodyPr>
-            <a:lstStyle/>
-            <a:p>
-              <a:r>
-                <a:rPr lang="en-US" sz="1800" dirty="0"/>
-                <a:t>212</a:t>
-              </a:r>
-            </a:p>
-          </p:txBody>
-        </p:sp>
-      </p:grpSp>
+          </a:ln>
+        </p:spPr>
+        <p:txBody>
+          <a:bodyPr wrap="none" rtlCol="0">
+            <a:spAutoFit/>
+          </a:bodyPr>
+          <a:lstStyle/>
+          <a:p>
+            <a:pPr marL="91440" algn="l"/>
+            <a:r>
+              <a:rPr lang="en-US" sz="1800" dirty="0"/>
+              <a:t>unused memory</a:t>
+            </a:r>
+          </a:p>
+        </p:txBody>
+      </p:sp>
+      <p:sp>
+        <p:nvSpPr>
+          <p:cNvPr id="72" name="TextBox 71">
+            <a:extLst>
+              <a:ext uri="{FF2B5EF4-FFF2-40B4-BE49-F238E27FC236}">
+                <a16:creationId xmlns:a16="http://schemas.microsoft.com/office/drawing/2014/main" id="{9599E4DD-7C5B-475F-806B-F0058F4ECE0F}"/>
+              </a:ext>
+            </a:extLst>
+          </p:cNvPr>
+          <p:cNvSpPr txBox="1"/>
+          <p:nvPr/>
+        </p:nvSpPr>
+        <p:spPr>
+          <a:xfrm>
+            <a:off x="2819400" y="1988771"/>
+            <a:ext cx="569388" cy="369332"/>
+          </a:xfrm>
+          <a:prstGeom prst="rect">
+            <a:avLst/>
+          </a:prstGeom>
+          <a:noFill/>
+        </p:spPr>
+        <p:txBody>
+          <a:bodyPr wrap="none" rtlCol="0">
+            <a:spAutoFit/>
+          </a:bodyPr>
+          <a:lstStyle/>
+          <a:p>
+            <a:r>
+              <a:rPr lang="en-US" sz="1800" dirty="0"/>
+              <a:t>200</a:t>
+            </a:r>
+          </a:p>
+        </p:txBody>
+      </p:sp>
+      <p:sp>
+        <p:nvSpPr>
+          <p:cNvPr id="73" name="TextBox 72">
+            <a:extLst>
+              <a:ext uri="{FF2B5EF4-FFF2-40B4-BE49-F238E27FC236}">
+                <a16:creationId xmlns:a16="http://schemas.microsoft.com/office/drawing/2014/main" id="{7D5F371E-A21E-4C6E-A0B0-A42812DA92BB}"/>
+              </a:ext>
+            </a:extLst>
+          </p:cNvPr>
+          <p:cNvSpPr txBox="1"/>
+          <p:nvPr/>
+        </p:nvSpPr>
+        <p:spPr>
+          <a:xfrm>
+            <a:off x="2819401" y="2356586"/>
+            <a:ext cx="569387" cy="369332"/>
+          </a:xfrm>
+          <a:prstGeom prst="rect">
+            <a:avLst/>
+          </a:prstGeom>
+          <a:noFill/>
+        </p:spPr>
+        <p:txBody>
+          <a:bodyPr wrap="none" rtlCol="0">
+            <a:spAutoFit/>
+          </a:bodyPr>
+          <a:lstStyle/>
+          <a:p>
+            <a:r>
+              <a:rPr lang="en-US" sz="1800" dirty="0"/>
+              <a:t>204</a:t>
+            </a:r>
+          </a:p>
+        </p:txBody>
+      </p:sp>
+      <p:sp>
+        <p:nvSpPr>
+          <p:cNvPr id="74" name="TextBox 73">
+            <a:extLst>
+              <a:ext uri="{FF2B5EF4-FFF2-40B4-BE49-F238E27FC236}">
+                <a16:creationId xmlns:a16="http://schemas.microsoft.com/office/drawing/2014/main" id="{314D2A39-5609-4923-AA08-AB9FB75E8DD8}"/>
+              </a:ext>
+            </a:extLst>
+          </p:cNvPr>
+          <p:cNvSpPr txBox="1"/>
+          <p:nvPr/>
+        </p:nvSpPr>
+        <p:spPr>
+          <a:xfrm>
+            <a:off x="2819400" y="2724401"/>
+            <a:ext cx="569388" cy="369332"/>
+          </a:xfrm>
+          <a:prstGeom prst="rect">
+            <a:avLst/>
+          </a:prstGeom>
+          <a:noFill/>
+        </p:spPr>
+        <p:txBody>
+          <a:bodyPr wrap="none" rtlCol="0">
+            <a:spAutoFit/>
+          </a:bodyPr>
+          <a:lstStyle/>
+          <a:p>
+            <a:r>
+              <a:rPr lang="en-US" sz="1800" dirty="0"/>
+              <a:t>208</a:t>
+            </a:r>
+          </a:p>
+        </p:txBody>
+      </p:sp>
+      <p:sp>
+        <p:nvSpPr>
+          <p:cNvPr id="76" name="TextBox 75">
+            <a:extLst>
+              <a:ext uri="{FF2B5EF4-FFF2-40B4-BE49-F238E27FC236}">
+                <a16:creationId xmlns:a16="http://schemas.microsoft.com/office/drawing/2014/main" id="{03FC58D0-0DFB-41BF-B004-B8A24DF19F40}"/>
+              </a:ext>
+            </a:extLst>
+          </p:cNvPr>
+          <p:cNvSpPr txBox="1"/>
+          <p:nvPr/>
+        </p:nvSpPr>
+        <p:spPr>
+          <a:xfrm>
+            <a:off x="5791200" y="2710509"/>
+            <a:ext cx="300083" cy="369332"/>
+          </a:xfrm>
+          <a:prstGeom prst="rect">
+            <a:avLst/>
+          </a:prstGeom>
+          <a:noFill/>
+        </p:spPr>
+        <p:txBody>
+          <a:bodyPr wrap="none" rtlCol="0">
+            <a:spAutoFit/>
+          </a:bodyPr>
+          <a:lstStyle/>
+          <a:p>
+            <a:r>
+              <a:rPr lang="en-US" sz="1800" dirty="0"/>
+              <a:t>x</a:t>
+            </a:r>
+          </a:p>
+        </p:txBody>
+      </p:sp>
+      <p:sp>
+        <p:nvSpPr>
+          <p:cNvPr id="77" name="TextBox 76">
+            <a:extLst>
+              <a:ext uri="{FF2B5EF4-FFF2-40B4-BE49-F238E27FC236}">
+                <a16:creationId xmlns:a16="http://schemas.microsoft.com/office/drawing/2014/main" id="{62061F1D-676D-43D4-B9CA-DB52FB119596}"/>
+              </a:ext>
+            </a:extLst>
+          </p:cNvPr>
+          <p:cNvSpPr txBox="1"/>
+          <p:nvPr/>
+        </p:nvSpPr>
+        <p:spPr>
+          <a:xfrm>
+            <a:off x="5795918" y="3081440"/>
+            <a:ext cx="300082" cy="369332"/>
+          </a:xfrm>
+          <a:prstGeom prst="rect">
+            <a:avLst/>
+          </a:prstGeom>
+          <a:noFill/>
+        </p:spPr>
+        <p:txBody>
+          <a:bodyPr wrap="none" rtlCol="0">
+            <a:spAutoFit/>
+          </a:bodyPr>
+          <a:lstStyle/>
+          <a:p>
+            <a:r>
+              <a:rPr lang="en-US" sz="1800" dirty="0"/>
+              <a:t>y</a:t>
+            </a:r>
+          </a:p>
+        </p:txBody>
+      </p:sp>
+      <p:cxnSp>
+        <p:nvCxnSpPr>
+          <p:cNvPr id="6" name="Straight Arrow Connector 5">
+            <a:extLst>
+              <a:ext uri="{FF2B5EF4-FFF2-40B4-BE49-F238E27FC236}">
+                <a16:creationId xmlns:a16="http://schemas.microsoft.com/office/drawing/2014/main" id="{0A106FBB-345C-44C4-9643-9EAD3CCD65A3}"/>
+              </a:ext>
+            </a:extLst>
+          </p:cNvPr>
+          <p:cNvCxnSpPr>
+            <a:cxnSpLocks/>
+            <a:endCxn id="72" idx="1"/>
+          </p:cNvCxnSpPr>
+          <p:nvPr/>
+        </p:nvCxnSpPr>
+        <p:spPr bwMode="auto">
+          <a:xfrm>
+            <a:off x="2168843" y="2173437"/>
+            <a:ext cx="650557" cy="0"/>
+          </a:xfrm>
+          <a:prstGeom prst="straightConnector1">
+            <a:avLst/>
+          </a:prstGeom>
+          <a:noFill/>
+          <a:ln w="9525" cap="flat" cmpd="sng" algn="ctr">
+            <a:solidFill>
+              <a:schemeClr val="tx1"/>
+            </a:solidFill>
+            <a:prstDash val="solid"/>
+            <a:round/>
+            <a:headEnd type="none" w="med" len="med"/>
+            <a:tailEnd type="triangle"/>
+          </a:ln>
+          <a:effectLst/>
+        </p:spPr>
+      </p:cxnSp>
+      <p:cxnSp>
+        <p:nvCxnSpPr>
+          <p:cNvPr id="8" name="Straight Arrow Connector 7">
+            <a:extLst>
+              <a:ext uri="{FF2B5EF4-FFF2-40B4-BE49-F238E27FC236}">
+                <a16:creationId xmlns:a16="http://schemas.microsoft.com/office/drawing/2014/main" id="{A9C85EE5-732F-429A-900E-1B7B21758369}"/>
+              </a:ext>
+            </a:extLst>
+          </p:cNvPr>
+          <p:cNvCxnSpPr>
+            <a:cxnSpLocks/>
+            <a:endCxn id="29" idx="1"/>
+          </p:cNvCxnSpPr>
+          <p:nvPr/>
+        </p:nvCxnSpPr>
+        <p:spPr bwMode="auto">
+          <a:xfrm>
+            <a:off x="2168843" y="3276881"/>
+            <a:ext cx="650558" cy="0"/>
+          </a:xfrm>
+          <a:prstGeom prst="straightConnector1">
+            <a:avLst/>
+          </a:prstGeom>
+          <a:noFill/>
+          <a:ln w="9525" cap="flat" cmpd="sng" algn="ctr">
+            <a:solidFill>
+              <a:schemeClr val="tx1"/>
+            </a:solidFill>
+            <a:prstDash val="solid"/>
+            <a:round/>
+            <a:headEnd type="none" w="med" len="med"/>
+            <a:tailEnd type="triangle"/>
+          </a:ln>
+          <a:effectLst/>
+        </p:spPr>
+      </p:cxnSp>
+      <p:sp>
+        <p:nvSpPr>
+          <p:cNvPr id="28" name="TextBox 27">
+            <a:extLst>
+              <a:ext uri="{FF2B5EF4-FFF2-40B4-BE49-F238E27FC236}">
+                <a16:creationId xmlns:a16="http://schemas.microsoft.com/office/drawing/2014/main" id="{19D5125A-908B-4812-91D8-0C630BA2F87E}"/>
+              </a:ext>
+            </a:extLst>
+          </p:cNvPr>
+          <p:cNvSpPr txBox="1"/>
+          <p:nvPr/>
+        </p:nvSpPr>
+        <p:spPr>
+          <a:xfrm>
+            <a:off x="3427027" y="3091899"/>
+            <a:ext cx="2286000" cy="369332"/>
+          </a:xfrm>
+          <a:prstGeom prst="rect">
+            <a:avLst/>
+          </a:prstGeom>
+          <a:solidFill>
+            <a:schemeClr val="bg1"/>
+          </a:solidFill>
+          <a:ln>
+            <a:solidFill>
+              <a:schemeClr val="tx1"/>
+            </a:solidFill>
+          </a:ln>
+        </p:spPr>
+        <p:txBody>
+          <a:bodyPr wrap="none" rtlCol="0">
+            <a:noAutofit/>
+          </a:bodyPr>
+          <a:lstStyle/>
+          <a:p>
+            <a:pPr marL="91440" algn="l"/>
+            <a:r>
+              <a:rPr lang="en-US" sz="1800" dirty="0"/>
+              <a:t>6</a:t>
+            </a:r>
+          </a:p>
+        </p:txBody>
+      </p:sp>
+      <p:sp>
+        <p:nvSpPr>
+          <p:cNvPr id="29" name="TextBox 28">
+            <a:extLst>
+              <a:ext uri="{FF2B5EF4-FFF2-40B4-BE49-F238E27FC236}">
+                <a16:creationId xmlns:a16="http://schemas.microsoft.com/office/drawing/2014/main" id="{5EEA69FA-6414-4647-BC93-6FD115E6F199}"/>
+              </a:ext>
+            </a:extLst>
+          </p:cNvPr>
+          <p:cNvSpPr txBox="1"/>
+          <p:nvPr/>
+        </p:nvSpPr>
+        <p:spPr>
+          <a:xfrm>
+            <a:off x="2819401" y="3092215"/>
+            <a:ext cx="569388" cy="369332"/>
+          </a:xfrm>
+          <a:prstGeom prst="rect">
+            <a:avLst/>
+          </a:prstGeom>
+          <a:noFill/>
+        </p:spPr>
+        <p:txBody>
+          <a:bodyPr wrap="none" rtlCol="0">
+            <a:spAutoFit/>
+          </a:bodyPr>
+          <a:lstStyle/>
+          <a:p>
+            <a:r>
+              <a:rPr lang="en-US" sz="1800" dirty="0"/>
+              <a:t>212</a:t>
+            </a:r>
+          </a:p>
+        </p:txBody>
+      </p:sp>
+      <p:sp>
+        <p:nvSpPr>
+          <p:cNvPr id="26" name="TextBox 25">
+            <a:extLst>
+              <a:ext uri="{FF2B5EF4-FFF2-40B4-BE49-F238E27FC236}">
+                <a16:creationId xmlns:a16="http://schemas.microsoft.com/office/drawing/2014/main" id="{F358AB6E-F6C9-49D9-AD02-ECF2A52A8565}"/>
+              </a:ext>
+            </a:extLst>
+          </p:cNvPr>
+          <p:cNvSpPr txBox="1"/>
+          <p:nvPr/>
+        </p:nvSpPr>
+        <p:spPr>
+          <a:xfrm>
+            <a:off x="5791200" y="3484418"/>
+            <a:ext cx="1685077" cy="646331"/>
+          </a:xfrm>
+          <a:prstGeom prst="rect">
+            <a:avLst/>
+          </a:prstGeom>
+          <a:noFill/>
+        </p:spPr>
+        <p:txBody>
+          <a:bodyPr wrap="none" rtlCol="0">
+            <a:spAutoFit/>
+          </a:bodyPr>
+          <a:lstStyle/>
+          <a:p>
+            <a:pPr algn="l"/>
+            <a:r>
+              <a:rPr lang="en-US" sz="1800" dirty="0"/>
+              <a:t>temporary part</a:t>
+            </a:r>
+          </a:p>
+          <a:p>
+            <a:pPr algn="l"/>
+            <a:r>
+              <a:rPr lang="en-US" sz="1800" dirty="0"/>
+              <a:t>is empty</a:t>
+            </a:r>
+          </a:p>
+        </p:txBody>
+      </p:sp>
+      <p:sp>
+        <p:nvSpPr>
+          <p:cNvPr id="27" name="TextBox 26">
+            <a:extLst>
+              <a:ext uri="{FF2B5EF4-FFF2-40B4-BE49-F238E27FC236}">
+                <a16:creationId xmlns:a16="http://schemas.microsoft.com/office/drawing/2014/main" id="{49B62D7D-45DB-43C7-97DE-DCDBD428B9E6}"/>
+              </a:ext>
+            </a:extLst>
+          </p:cNvPr>
+          <p:cNvSpPr txBox="1"/>
+          <p:nvPr/>
+        </p:nvSpPr>
+        <p:spPr>
+          <a:xfrm>
+            <a:off x="1676400" y="1990627"/>
+            <a:ext cx="492443" cy="369332"/>
+          </a:xfrm>
+          <a:prstGeom prst="rect">
+            <a:avLst/>
+          </a:prstGeom>
+          <a:noFill/>
+        </p:spPr>
+        <p:txBody>
+          <a:bodyPr wrap="none" rtlCol="0">
+            <a:spAutoFit/>
+          </a:bodyPr>
+          <a:lstStyle/>
+          <a:p>
+            <a:r>
+              <a:rPr lang="en-US" sz="1800" dirty="0"/>
+              <a:t>BP</a:t>
+            </a:r>
+          </a:p>
+        </p:txBody>
+      </p:sp>
+      <p:sp>
+        <p:nvSpPr>
+          <p:cNvPr id="30" name="TextBox 29">
+            <a:extLst>
+              <a:ext uri="{FF2B5EF4-FFF2-40B4-BE49-F238E27FC236}">
+                <a16:creationId xmlns:a16="http://schemas.microsoft.com/office/drawing/2014/main" id="{A4A43ED8-6D7A-4996-A6BA-4B942CDF0376}"/>
+              </a:ext>
+            </a:extLst>
+          </p:cNvPr>
+          <p:cNvSpPr txBox="1"/>
+          <p:nvPr/>
+        </p:nvSpPr>
+        <p:spPr>
+          <a:xfrm>
+            <a:off x="1676400" y="3079173"/>
+            <a:ext cx="492443" cy="369332"/>
+          </a:xfrm>
+          <a:prstGeom prst="rect">
+            <a:avLst/>
+          </a:prstGeom>
+          <a:noFill/>
+        </p:spPr>
+        <p:txBody>
+          <a:bodyPr wrap="none" rtlCol="0">
+            <a:spAutoFit/>
+          </a:bodyPr>
+          <a:lstStyle/>
+          <a:p>
+            <a:r>
+              <a:rPr lang="en-US" sz="1800" dirty="0"/>
+              <a:t>SP</a:t>
+            </a:r>
+          </a:p>
+        </p:txBody>
+      </p:sp>
+      <p:sp>
+        <p:nvSpPr>
+          <p:cNvPr id="31" name="TextBox 30">
+            <a:extLst>
+              <a:ext uri="{FF2B5EF4-FFF2-40B4-BE49-F238E27FC236}">
+                <a16:creationId xmlns:a16="http://schemas.microsoft.com/office/drawing/2014/main" id="{1E8A5055-DCF7-4DB7-9BBE-6C28F80D1CDE}"/>
+              </a:ext>
+            </a:extLst>
+          </p:cNvPr>
+          <p:cNvSpPr txBox="1"/>
+          <p:nvPr/>
+        </p:nvSpPr>
+        <p:spPr>
+          <a:xfrm>
+            <a:off x="6477000" y="2587650"/>
+            <a:ext cx="1351652" cy="646331"/>
+          </a:xfrm>
+          <a:prstGeom prst="rect">
+            <a:avLst/>
+          </a:prstGeom>
+          <a:noFill/>
+        </p:spPr>
+        <p:txBody>
+          <a:bodyPr wrap="none" rtlCol="0">
+            <a:spAutoFit/>
+          </a:bodyPr>
+          <a:lstStyle/>
+          <a:p>
+            <a:pPr algn="l"/>
+            <a:r>
+              <a:rPr lang="en-US" sz="1800" dirty="0"/>
+              <a:t>value of x</a:t>
+            </a:r>
+          </a:p>
+          <a:p>
+            <a:pPr algn="l"/>
+            <a:r>
+              <a:rPr lang="en-US" sz="1800" dirty="0"/>
+              <a:t>is unknown</a:t>
+            </a:r>
+          </a:p>
+        </p:txBody>
+      </p:sp>
     </p:spTree>
     <p:extLst>
       <p:ext uri="{BB962C8B-B14F-4D97-AF65-F5344CB8AC3E}">
-        <p14:creationId xmlns:p14="http://schemas.microsoft.com/office/powerpoint/2010/main" val="2878476055"/>
+        <p14:creationId xmlns:p14="http://schemas.microsoft.com/office/powerpoint/2010/main" val="1693539803"/>
       </p:ext>
     </p:extLst>
   </p:cSld>
@@ -13148,679 +13211,762 @@
           </a:p>
         </p:txBody>
       </p:sp>
-      <p:grpSp>
-        <p:nvGrpSpPr>
-          <p:cNvPr id="10" name="Group 9">
+      <p:sp>
+        <p:nvSpPr>
+          <p:cNvPr id="63" name="Rectangle 4">
             <a:extLst>
               <a:ext uri="{FF2B5EF4-FFF2-40B4-BE49-F238E27FC236}">
-                <a16:creationId xmlns:a16="http://schemas.microsoft.com/office/drawing/2014/main" id="{774AFD50-A66D-4485-860A-B4BCADD2E6B2}"/>
+                <a16:creationId xmlns:a16="http://schemas.microsoft.com/office/drawing/2014/main" id="{B5AB0F95-612B-447E-BC0F-F952B486D878}"/>
               </a:ext>
             </a:extLst>
           </p:cNvPr>
-          <p:cNvGrpSpPr/>
+          <p:cNvSpPr>
+            <a:spLocks noChangeArrowheads="1"/>
+          </p:cNvSpPr>
           <p:nvPr/>
-        </p:nvGrpSpPr>
-        <p:grpSpPr>
+        </p:nvSpPr>
+        <p:spPr bwMode="auto">
           <a:xfrm>
-            <a:off x="1676400" y="1981200"/>
-            <a:ext cx="4419600" cy="4023360"/>
-            <a:chOff x="1676400" y="1981200"/>
-            <a:chExt cx="4419600" cy="4023360"/>
+            <a:off x="3427027" y="1981200"/>
+            <a:ext cx="2286000" cy="4023360"/>
           </a:xfrm>
-        </p:grpSpPr>
-        <p:sp>
-          <p:nvSpPr>
-            <p:cNvPr id="63" name="Rectangle 4">
-              <a:extLst>
-                <a:ext uri="{FF2B5EF4-FFF2-40B4-BE49-F238E27FC236}">
-                  <a16:creationId xmlns:a16="http://schemas.microsoft.com/office/drawing/2014/main" id="{B5AB0F95-612B-447E-BC0F-F952B486D878}"/>
-                </a:ext>
-              </a:extLst>
-            </p:cNvPr>
-            <p:cNvSpPr>
-              <a:spLocks noChangeArrowheads="1"/>
-            </p:cNvSpPr>
-            <p:nvPr/>
-          </p:nvSpPr>
-          <p:spPr bwMode="auto">
-            <a:xfrm>
-              <a:off x="3427027" y="1981200"/>
-              <a:ext cx="2286000" cy="4023360"/>
-            </a:xfrm>
-            <a:prstGeom prst="rect">
+          <a:prstGeom prst="rect">
+            <a:avLst/>
+          </a:prstGeom>
+          <a:pattFill prst="pct5">
+            <a:fgClr>
+              <a:schemeClr val="tx1"/>
+            </a:fgClr>
+            <a:bgClr>
+              <a:schemeClr val="bg1"/>
+            </a:bgClr>
+          </a:pattFill>
+          <a:ln w="9525">
+            <a:solidFill>
+              <a:schemeClr val="tx1"/>
+            </a:solidFill>
+            <a:miter lim="800000"/>
+            <a:headEnd/>
+            <a:tailEnd/>
+          </a:ln>
+        </p:spPr>
+        <p:txBody>
+          <a:bodyPr wrap="none" lIns="92075" tIns="46038" rIns="92075" bIns="46038" anchor="ctr"/>
+          <a:lstStyle/>
+          <a:p>
+            <a:endParaRPr lang="en-US" dirty="0"/>
+          </a:p>
+        </p:txBody>
+      </p:sp>
+      <p:sp>
+        <p:nvSpPr>
+          <p:cNvPr id="68" name="TextBox 67">
+            <a:extLst>
+              <a:ext uri="{FF2B5EF4-FFF2-40B4-BE49-F238E27FC236}">
+                <a16:creationId xmlns:a16="http://schemas.microsoft.com/office/drawing/2014/main" id="{28BA86A7-17E6-414B-8B9D-E2CC84A29DC9}"/>
+              </a:ext>
+            </a:extLst>
+          </p:cNvPr>
+          <p:cNvSpPr txBox="1"/>
+          <p:nvPr/>
+        </p:nvSpPr>
+        <p:spPr>
+          <a:xfrm>
+            <a:off x="3427027" y="1981200"/>
+            <a:ext cx="2286000" cy="369332"/>
+          </a:xfrm>
+          <a:prstGeom prst="rect">
+            <a:avLst/>
+          </a:prstGeom>
+          <a:solidFill>
+            <a:schemeClr val="bg1"/>
+          </a:solidFill>
+          <a:ln>
+            <a:solidFill>
+              <a:schemeClr val="tx1"/>
+            </a:solidFill>
+          </a:ln>
+        </p:spPr>
+        <p:txBody>
+          <a:bodyPr wrap="none" rtlCol="0">
+            <a:noAutofit/>
+          </a:bodyPr>
+          <a:lstStyle/>
+          <a:p>
+            <a:pPr marL="91440" algn="l"/>
+            <a:r>
+              <a:rPr lang="en-US" sz="1800" dirty="0"/>
+              <a:t>dynamic link</a:t>
+            </a:r>
+          </a:p>
+        </p:txBody>
+      </p:sp>
+      <p:sp>
+        <p:nvSpPr>
+          <p:cNvPr id="69" name="TextBox 68">
+            <a:extLst>
+              <a:ext uri="{FF2B5EF4-FFF2-40B4-BE49-F238E27FC236}">
+                <a16:creationId xmlns:a16="http://schemas.microsoft.com/office/drawing/2014/main" id="{E2D64B75-6D6C-4DA6-A677-6C13279C8E15}"/>
+              </a:ext>
+            </a:extLst>
+          </p:cNvPr>
+          <p:cNvSpPr txBox="1"/>
+          <p:nvPr/>
+        </p:nvSpPr>
+        <p:spPr>
+          <a:xfrm>
+            <a:off x="3427027" y="2351884"/>
+            <a:ext cx="2286000" cy="369332"/>
+          </a:xfrm>
+          <a:prstGeom prst="rect">
+            <a:avLst/>
+          </a:prstGeom>
+          <a:solidFill>
+            <a:schemeClr val="bg1"/>
+          </a:solidFill>
+          <a:ln>
+            <a:solidFill>
+              <a:schemeClr val="tx1"/>
+            </a:solidFill>
+          </a:ln>
+        </p:spPr>
+        <p:txBody>
+          <a:bodyPr wrap="none" rtlCol="0">
+            <a:noAutofit/>
+          </a:bodyPr>
+          <a:lstStyle/>
+          <a:p>
+            <a:pPr marL="91440" algn="l"/>
+            <a:r>
+              <a:rPr lang="en-US" sz="1800" dirty="0"/>
+              <a:t>return address</a:t>
+            </a:r>
+          </a:p>
+        </p:txBody>
+      </p:sp>
+      <p:sp>
+        <p:nvSpPr>
+          <p:cNvPr id="70" name="TextBox 69">
+            <a:extLst>
+              <a:ext uri="{FF2B5EF4-FFF2-40B4-BE49-F238E27FC236}">
+                <a16:creationId xmlns:a16="http://schemas.microsoft.com/office/drawing/2014/main" id="{F2F7C5DF-6D2D-4543-B6E0-B18D4217F52E}"/>
+              </a:ext>
+            </a:extLst>
+          </p:cNvPr>
+          <p:cNvSpPr txBox="1"/>
+          <p:nvPr/>
+        </p:nvSpPr>
+        <p:spPr>
+          <a:xfrm>
+            <a:off x="3427027" y="2722567"/>
+            <a:ext cx="2286000" cy="369332"/>
+          </a:xfrm>
+          <a:prstGeom prst="rect">
+            <a:avLst/>
+          </a:prstGeom>
+          <a:solidFill>
+            <a:schemeClr val="bg1"/>
+          </a:solidFill>
+          <a:ln>
+            <a:solidFill>
+              <a:schemeClr val="tx1"/>
+            </a:solidFill>
+          </a:ln>
+        </p:spPr>
+        <p:txBody>
+          <a:bodyPr wrap="none" rtlCol="0">
+            <a:noAutofit/>
+          </a:bodyPr>
+          <a:lstStyle/>
+          <a:p>
+            <a:pPr marL="91440" algn="l"/>
+            <a:endParaRPr lang="en-US" sz="1800" dirty="0"/>
+          </a:p>
+        </p:txBody>
+      </p:sp>
+      <p:sp>
+        <p:nvSpPr>
+          <p:cNvPr id="72" name="TextBox 71">
+            <a:extLst>
+              <a:ext uri="{FF2B5EF4-FFF2-40B4-BE49-F238E27FC236}">
+                <a16:creationId xmlns:a16="http://schemas.microsoft.com/office/drawing/2014/main" id="{9599E4DD-7C5B-475F-806B-F0058F4ECE0F}"/>
+              </a:ext>
+            </a:extLst>
+          </p:cNvPr>
+          <p:cNvSpPr txBox="1"/>
+          <p:nvPr/>
+        </p:nvSpPr>
+        <p:spPr>
+          <a:xfrm>
+            <a:off x="2819400" y="1986915"/>
+            <a:ext cx="569388" cy="369332"/>
+          </a:xfrm>
+          <a:prstGeom prst="rect">
+            <a:avLst/>
+          </a:prstGeom>
+          <a:noFill/>
+        </p:spPr>
+        <p:txBody>
+          <a:bodyPr wrap="none" rtlCol="0">
+            <a:spAutoFit/>
+          </a:bodyPr>
+          <a:lstStyle/>
+          <a:p>
+            <a:r>
+              <a:rPr lang="en-US" sz="1800" dirty="0"/>
+              <a:t>200</a:t>
+            </a:r>
+          </a:p>
+        </p:txBody>
+      </p:sp>
+      <p:sp>
+        <p:nvSpPr>
+          <p:cNvPr id="73" name="TextBox 72">
+            <a:extLst>
+              <a:ext uri="{FF2B5EF4-FFF2-40B4-BE49-F238E27FC236}">
+                <a16:creationId xmlns:a16="http://schemas.microsoft.com/office/drawing/2014/main" id="{7D5F371E-A21E-4C6E-A0B0-A42812DA92BB}"/>
+              </a:ext>
+            </a:extLst>
+          </p:cNvPr>
+          <p:cNvSpPr txBox="1"/>
+          <p:nvPr/>
+        </p:nvSpPr>
+        <p:spPr>
+          <a:xfrm>
+            <a:off x="2819401" y="2355434"/>
+            <a:ext cx="569387" cy="369332"/>
+          </a:xfrm>
+          <a:prstGeom prst="rect">
+            <a:avLst/>
+          </a:prstGeom>
+          <a:noFill/>
+        </p:spPr>
+        <p:txBody>
+          <a:bodyPr wrap="none" rtlCol="0">
+            <a:spAutoFit/>
+          </a:bodyPr>
+          <a:lstStyle/>
+          <a:p>
+            <a:r>
+              <a:rPr lang="en-US" sz="1800" dirty="0"/>
+              <a:t>204</a:t>
+            </a:r>
+          </a:p>
+        </p:txBody>
+      </p:sp>
+      <p:sp>
+        <p:nvSpPr>
+          <p:cNvPr id="74" name="TextBox 73">
+            <a:extLst>
+              <a:ext uri="{FF2B5EF4-FFF2-40B4-BE49-F238E27FC236}">
+                <a16:creationId xmlns:a16="http://schemas.microsoft.com/office/drawing/2014/main" id="{314D2A39-5609-4923-AA08-AB9FB75E8DD8}"/>
+              </a:ext>
+            </a:extLst>
+          </p:cNvPr>
+          <p:cNvSpPr txBox="1"/>
+          <p:nvPr/>
+        </p:nvSpPr>
+        <p:spPr>
+          <a:xfrm>
+            <a:off x="2819400" y="2723953"/>
+            <a:ext cx="569388" cy="369332"/>
+          </a:xfrm>
+          <a:prstGeom prst="rect">
+            <a:avLst/>
+          </a:prstGeom>
+          <a:noFill/>
+        </p:spPr>
+        <p:txBody>
+          <a:bodyPr wrap="none" rtlCol="0">
+            <a:spAutoFit/>
+          </a:bodyPr>
+          <a:lstStyle/>
+          <a:p>
+            <a:r>
+              <a:rPr lang="en-US" sz="1800" dirty="0"/>
+              <a:t>208</a:t>
+            </a:r>
+          </a:p>
+        </p:txBody>
+      </p:sp>
+      <p:sp>
+        <p:nvSpPr>
+          <p:cNvPr id="76" name="TextBox 75">
+            <a:extLst>
+              <a:ext uri="{FF2B5EF4-FFF2-40B4-BE49-F238E27FC236}">
+                <a16:creationId xmlns:a16="http://schemas.microsoft.com/office/drawing/2014/main" id="{03FC58D0-0DFB-41BF-B004-B8A24DF19F40}"/>
+              </a:ext>
+            </a:extLst>
+          </p:cNvPr>
+          <p:cNvSpPr txBox="1"/>
+          <p:nvPr/>
+        </p:nvSpPr>
+        <p:spPr>
+          <a:xfrm>
+            <a:off x="5793559" y="2710509"/>
+            <a:ext cx="300083" cy="369332"/>
+          </a:xfrm>
+          <a:prstGeom prst="rect">
+            <a:avLst/>
+          </a:prstGeom>
+          <a:noFill/>
+        </p:spPr>
+        <p:txBody>
+          <a:bodyPr wrap="none" rtlCol="0">
+            <a:spAutoFit/>
+          </a:bodyPr>
+          <a:lstStyle/>
+          <a:p>
+            <a:r>
+              <a:rPr lang="en-US" sz="1800" dirty="0"/>
+              <a:t>x</a:t>
+            </a:r>
+          </a:p>
+        </p:txBody>
+      </p:sp>
+      <p:sp>
+        <p:nvSpPr>
+          <p:cNvPr id="77" name="TextBox 76">
+            <a:extLst>
+              <a:ext uri="{FF2B5EF4-FFF2-40B4-BE49-F238E27FC236}">
+                <a16:creationId xmlns:a16="http://schemas.microsoft.com/office/drawing/2014/main" id="{62061F1D-676D-43D4-B9CA-DB52FB119596}"/>
+              </a:ext>
+            </a:extLst>
+          </p:cNvPr>
+          <p:cNvSpPr txBox="1"/>
+          <p:nvPr/>
+        </p:nvSpPr>
+        <p:spPr>
+          <a:xfrm>
+            <a:off x="5793559" y="3081440"/>
+            <a:ext cx="300082" cy="369332"/>
+          </a:xfrm>
+          <a:prstGeom prst="rect">
+            <a:avLst/>
+          </a:prstGeom>
+          <a:noFill/>
+        </p:spPr>
+        <p:txBody>
+          <a:bodyPr wrap="none" rtlCol="0">
+            <a:spAutoFit/>
+          </a:bodyPr>
+          <a:lstStyle/>
+          <a:p>
+            <a:r>
+              <a:rPr lang="en-US" sz="1800" dirty="0"/>
+              <a:t>y</a:t>
+            </a:r>
+          </a:p>
+        </p:txBody>
+      </p:sp>
+      <p:sp>
+        <p:nvSpPr>
+          <p:cNvPr id="21" name="TextBox 20">
+            <a:extLst>
+              <a:ext uri="{FF2B5EF4-FFF2-40B4-BE49-F238E27FC236}">
+                <a16:creationId xmlns:a16="http://schemas.microsoft.com/office/drawing/2014/main" id="{AB841B8B-8949-425B-86CF-937F49018DBE}"/>
+              </a:ext>
+            </a:extLst>
+          </p:cNvPr>
+          <p:cNvSpPr txBox="1"/>
+          <p:nvPr/>
+        </p:nvSpPr>
+        <p:spPr>
+          <a:xfrm>
+            <a:off x="1676400" y="1990627"/>
+            <a:ext cx="492443" cy="369332"/>
+          </a:xfrm>
+          <a:prstGeom prst="rect">
+            <a:avLst/>
+          </a:prstGeom>
+          <a:noFill/>
+        </p:spPr>
+        <p:txBody>
+          <a:bodyPr wrap="none" rtlCol="0">
+            <a:spAutoFit/>
+          </a:bodyPr>
+          <a:lstStyle/>
+          <a:p>
+            <a:r>
+              <a:rPr lang="en-US" sz="1800" dirty="0"/>
+              <a:t>BP</a:t>
+            </a:r>
+          </a:p>
+        </p:txBody>
+      </p:sp>
+      <p:sp>
+        <p:nvSpPr>
+          <p:cNvPr id="22" name="TextBox 21">
+            <a:extLst>
+              <a:ext uri="{FF2B5EF4-FFF2-40B4-BE49-F238E27FC236}">
+                <a16:creationId xmlns:a16="http://schemas.microsoft.com/office/drawing/2014/main" id="{5C971F6B-A50E-44FF-8236-6A6813B34770}"/>
+              </a:ext>
+            </a:extLst>
+          </p:cNvPr>
+          <p:cNvSpPr txBox="1"/>
+          <p:nvPr/>
+        </p:nvSpPr>
+        <p:spPr>
+          <a:xfrm>
+            <a:off x="1676400" y="3460992"/>
+            <a:ext cx="492443" cy="369332"/>
+          </a:xfrm>
+          <a:prstGeom prst="rect">
+            <a:avLst/>
+          </a:prstGeom>
+          <a:noFill/>
+        </p:spPr>
+        <p:txBody>
+          <a:bodyPr wrap="none" rtlCol="0">
+            <a:spAutoFit/>
+          </a:bodyPr>
+          <a:lstStyle/>
+          <a:p>
+            <a:r>
+              <a:rPr lang="en-US" sz="1800" dirty="0"/>
+              <a:t>SP</a:t>
+            </a:r>
+          </a:p>
+        </p:txBody>
+      </p:sp>
+      <p:cxnSp>
+        <p:nvCxnSpPr>
+          <p:cNvPr id="6" name="Straight Arrow Connector 5">
+            <a:extLst>
+              <a:ext uri="{FF2B5EF4-FFF2-40B4-BE49-F238E27FC236}">
+                <a16:creationId xmlns:a16="http://schemas.microsoft.com/office/drawing/2014/main" id="{0A106FBB-345C-44C4-9643-9EAD3CCD65A3}"/>
+              </a:ext>
+            </a:extLst>
+          </p:cNvPr>
+          <p:cNvCxnSpPr>
+            <a:cxnSpLocks/>
+            <a:stCxn id="21" idx="3"/>
+            <a:endCxn id="72" idx="1"/>
+          </p:cNvCxnSpPr>
+          <p:nvPr/>
+        </p:nvCxnSpPr>
+        <p:spPr bwMode="auto">
+          <a:xfrm flipV="1">
+            <a:off x="2168843" y="2171581"/>
+            <a:ext cx="650557" cy="3712"/>
+          </a:xfrm>
+          <a:prstGeom prst="straightConnector1">
+            <a:avLst/>
+          </a:prstGeom>
+          <a:noFill/>
+          <a:ln w="9525" cap="flat" cmpd="sng" algn="ctr">
+            <a:solidFill>
+              <a:schemeClr val="tx1"/>
+            </a:solidFill>
+            <a:prstDash val="solid"/>
+            <a:round/>
+            <a:headEnd type="none" w="med" len="med"/>
+            <a:tailEnd type="triangle"/>
+          </a:ln>
+          <a:effectLst/>
+        </p:spPr>
+      </p:cxnSp>
+      <p:cxnSp>
+        <p:nvCxnSpPr>
+          <p:cNvPr id="8" name="Straight Arrow Connector 7">
+            <a:extLst>
+              <a:ext uri="{FF2B5EF4-FFF2-40B4-BE49-F238E27FC236}">
+                <a16:creationId xmlns:a16="http://schemas.microsoft.com/office/drawing/2014/main" id="{A9C85EE5-732F-429A-900E-1B7B21758369}"/>
+              </a:ext>
+            </a:extLst>
+          </p:cNvPr>
+          <p:cNvCxnSpPr>
+            <a:cxnSpLocks/>
+            <a:stCxn id="22" idx="3"/>
+            <a:endCxn id="31" idx="1"/>
+          </p:cNvCxnSpPr>
+          <p:nvPr/>
+        </p:nvCxnSpPr>
+        <p:spPr bwMode="auto">
+          <a:xfrm>
+            <a:off x="2168843" y="3645658"/>
+            <a:ext cx="650557" cy="0"/>
+          </a:xfrm>
+          <a:prstGeom prst="straightConnector1">
+            <a:avLst/>
+          </a:prstGeom>
+          <a:noFill/>
+          <a:ln w="9525" cap="flat" cmpd="sng" algn="ctr">
+            <a:solidFill>
+              <a:schemeClr val="tx1"/>
+            </a:solidFill>
+            <a:prstDash val="solid"/>
+            <a:round/>
+            <a:headEnd type="none" w="med" len="med"/>
+            <a:tailEnd type="triangle"/>
+          </a:ln>
+          <a:effectLst/>
+        </p:spPr>
+      </p:cxnSp>
+      <p:sp>
+        <p:nvSpPr>
+          <p:cNvPr id="28" name="TextBox 27">
+            <a:extLst>
+              <a:ext uri="{FF2B5EF4-FFF2-40B4-BE49-F238E27FC236}">
+                <a16:creationId xmlns:a16="http://schemas.microsoft.com/office/drawing/2014/main" id="{19D5125A-908B-4812-91D8-0C630BA2F87E}"/>
+              </a:ext>
+            </a:extLst>
+          </p:cNvPr>
+          <p:cNvSpPr txBox="1"/>
+          <p:nvPr/>
+        </p:nvSpPr>
+        <p:spPr>
+          <a:xfrm>
+            <a:off x="3427027" y="3091899"/>
+            <a:ext cx="2286000" cy="369332"/>
+          </a:xfrm>
+          <a:prstGeom prst="rect">
+            <a:avLst/>
+          </a:prstGeom>
+          <a:solidFill>
+            <a:schemeClr val="bg1"/>
+          </a:solidFill>
+          <a:ln>
+            <a:solidFill>
+              <a:schemeClr val="tx1"/>
+            </a:solidFill>
+          </a:ln>
+        </p:spPr>
+        <p:txBody>
+          <a:bodyPr wrap="none" rtlCol="0">
+            <a:noAutofit/>
+          </a:bodyPr>
+          <a:lstStyle/>
+          <a:p>
+            <a:pPr marL="91440" algn="l"/>
+            <a:r>
+              <a:rPr lang="en-US" sz="1800" dirty="0"/>
+              <a:t>6</a:t>
+            </a:r>
+          </a:p>
+        </p:txBody>
+      </p:sp>
+      <p:sp>
+        <p:nvSpPr>
+          <p:cNvPr id="29" name="TextBox 28">
+            <a:extLst>
+              <a:ext uri="{FF2B5EF4-FFF2-40B4-BE49-F238E27FC236}">
+                <a16:creationId xmlns:a16="http://schemas.microsoft.com/office/drawing/2014/main" id="{5EEA69FA-6414-4647-BC93-6FD115E6F199}"/>
+              </a:ext>
+            </a:extLst>
+          </p:cNvPr>
+          <p:cNvSpPr txBox="1"/>
+          <p:nvPr/>
+        </p:nvSpPr>
+        <p:spPr>
+          <a:xfrm>
+            <a:off x="2819401" y="3092472"/>
+            <a:ext cx="569388" cy="369332"/>
+          </a:xfrm>
+          <a:prstGeom prst="rect">
+            <a:avLst/>
+          </a:prstGeom>
+          <a:noFill/>
+        </p:spPr>
+        <p:txBody>
+          <a:bodyPr wrap="none" rtlCol="0">
+            <a:spAutoFit/>
+          </a:bodyPr>
+          <a:lstStyle/>
+          <a:p>
+            <a:r>
+              <a:rPr lang="en-US" sz="1800" dirty="0"/>
+              <a:t>212</a:t>
+            </a:r>
+          </a:p>
+        </p:txBody>
+      </p:sp>
+      <p:sp>
+        <p:nvSpPr>
+          <p:cNvPr id="30" name="TextBox 29">
+            <a:extLst>
+              <a:ext uri="{FF2B5EF4-FFF2-40B4-BE49-F238E27FC236}">
+                <a16:creationId xmlns:a16="http://schemas.microsoft.com/office/drawing/2014/main" id="{D71C7B3F-2738-4421-AAD1-B7BA92B38C7F}"/>
+              </a:ext>
+            </a:extLst>
+          </p:cNvPr>
+          <p:cNvSpPr txBox="1"/>
+          <p:nvPr/>
+        </p:nvSpPr>
+        <p:spPr>
+          <a:xfrm>
+            <a:off x="3427027" y="3461231"/>
+            <a:ext cx="2286000" cy="369332"/>
+          </a:xfrm>
+          <a:prstGeom prst="rect">
+            <a:avLst/>
+          </a:prstGeom>
+          <a:solidFill>
+            <a:schemeClr val="bg1"/>
+          </a:solidFill>
+          <a:ln>
+            <a:solidFill>
+              <a:schemeClr val="tx1"/>
+            </a:solidFill>
+          </a:ln>
+        </p:spPr>
+        <p:txBody>
+          <a:bodyPr wrap="none" rtlCol="0">
+            <a:noAutofit/>
+          </a:bodyPr>
+          <a:lstStyle/>
+          <a:p>
+            <a:pPr marL="91440" algn="l"/>
+            <a:r>
+              <a:rPr lang="en-US" sz="1800" dirty="0"/>
+              <a:t>208 (address of x)</a:t>
+            </a:r>
+          </a:p>
+        </p:txBody>
+      </p:sp>
+      <p:sp>
+        <p:nvSpPr>
+          <p:cNvPr id="31" name="TextBox 30">
+            <a:extLst>
+              <a:ext uri="{FF2B5EF4-FFF2-40B4-BE49-F238E27FC236}">
+                <a16:creationId xmlns:a16="http://schemas.microsoft.com/office/drawing/2014/main" id="{E6A72BF6-7B5B-4673-95A5-AD06EE024B99}"/>
+              </a:ext>
+            </a:extLst>
+          </p:cNvPr>
+          <p:cNvSpPr txBox="1"/>
+          <p:nvPr/>
+        </p:nvSpPr>
+        <p:spPr>
+          <a:xfrm>
+            <a:off x="2819400" y="3460992"/>
+            <a:ext cx="569388" cy="369332"/>
+          </a:xfrm>
+          <a:prstGeom prst="rect">
+            <a:avLst/>
+          </a:prstGeom>
+          <a:noFill/>
+        </p:spPr>
+        <p:txBody>
+          <a:bodyPr wrap="none" rtlCol="0">
+            <a:spAutoFit/>
+          </a:bodyPr>
+          <a:lstStyle/>
+          <a:p>
+            <a:r>
+              <a:rPr lang="en-US" sz="1800" dirty="0"/>
+              <a:t>216</a:t>
+            </a:r>
+          </a:p>
+        </p:txBody>
+      </p:sp>
+      <p:sp>
+        <p:nvSpPr>
+          <p:cNvPr id="3" name="Right Brace 2">
+            <a:extLst>
+              <a:ext uri="{FF2B5EF4-FFF2-40B4-BE49-F238E27FC236}">
+                <a16:creationId xmlns:a16="http://schemas.microsoft.com/office/drawing/2014/main" id="{0D557896-0C79-47D5-84D1-D69485B183FF}"/>
+              </a:ext>
+            </a:extLst>
+          </p:cNvPr>
+          <p:cNvSpPr/>
+          <p:nvPr/>
+        </p:nvSpPr>
+        <p:spPr bwMode="auto">
+          <a:xfrm>
+            <a:off x="5867400" y="3472231"/>
+            <a:ext cx="152400" cy="369332"/>
+          </a:xfrm>
+          <a:prstGeom prst="rightBrace">
+            <a:avLst/>
+          </a:prstGeom>
+          <a:noFill/>
+          <a:ln w="9525" cap="flat" cmpd="sng" algn="ctr">
+            <a:solidFill>
+              <a:schemeClr val="tx1"/>
+            </a:solidFill>
+            <a:prstDash val="solid"/>
+            <a:round/>
+            <a:headEnd type="none" w="med" len="med"/>
+            <a:tailEnd type="none" w="med" len="med"/>
+          </a:ln>
+          <a:effectLst/>
+        </p:spPr>
+        <p:txBody>
+          <a:bodyPr vert="horz" wrap="none" lIns="92075" tIns="46038" rIns="92075" bIns="46038" numCol="1" rtlCol="0" anchor="ctr" anchorCtr="0" compatLnSpc="1">
+            <a:prstTxWarp prst="textNoShape">
               <a:avLst/>
-            </a:prstGeom>
-            <a:pattFill prst="pct5">
-              <a:fgClr>
-                <a:schemeClr val="tx1"/>
-              </a:fgClr>
-              <a:bgClr>
-                <a:schemeClr val="bg1"/>
-              </a:bgClr>
-            </a:pattFill>
-            <a:ln w="9525">
+            </a:prstTxWarp>
+          </a:bodyPr>
+          <a:lstStyle/>
+          <a:p>
+            <a:pPr marL="0" marR="0" indent="0" algn="ctr" defTabSz="914400" rtl="0" eaLnBrk="0" fontAlgn="base" latinLnBrk="0" hangingPunct="0">
+              <a:lnSpc>
+                <a:spcPct val="100000"/>
+              </a:lnSpc>
+              <a:spcBef>
+                <a:spcPct val="0"/>
+              </a:spcBef>
+              <a:spcAft>
+                <a:spcPct val="0"/>
+              </a:spcAft>
+              <a:buClrTx/>
+              <a:buSzTx/>
+              <a:buFontTx/>
+              <a:buNone/>
+              <a:tabLst/>
+            </a:pPr>
+            <a:endParaRPr kumimoji="0" lang="en-US" sz="2400" b="0" i="0" u="none" strike="noStrike" cap="none" normalizeH="0" baseline="0">
+              <a:ln>
+                <a:noFill/>
+              </a:ln>
               <a:solidFill>
                 <a:schemeClr val="tx1"/>
               </a:solidFill>
-              <a:miter lim="800000"/>
-              <a:headEnd/>
-              <a:tailEnd/>
-            </a:ln>
-          </p:spPr>
-          <p:txBody>
-            <a:bodyPr wrap="none" lIns="92075" tIns="46038" rIns="92075" bIns="46038" anchor="ctr"/>
-            <a:lstStyle/>
-            <a:p>
-              <a:endParaRPr lang="en-US" dirty="0"/>
-            </a:p>
-          </p:txBody>
-        </p:sp>
-        <p:sp>
-          <p:nvSpPr>
-            <p:cNvPr id="68" name="TextBox 67">
-              <a:extLst>
-                <a:ext uri="{FF2B5EF4-FFF2-40B4-BE49-F238E27FC236}">
-                  <a16:creationId xmlns:a16="http://schemas.microsoft.com/office/drawing/2014/main" id="{28BA86A7-17E6-414B-8B9D-E2CC84A29DC9}"/>
-                </a:ext>
-              </a:extLst>
-            </p:cNvPr>
-            <p:cNvSpPr txBox="1"/>
-            <p:nvPr/>
-          </p:nvSpPr>
-          <p:spPr>
-            <a:xfrm>
-              <a:off x="3427027" y="1981200"/>
-              <a:ext cx="2286000" cy="369332"/>
-            </a:xfrm>
-            <a:prstGeom prst="rect">
-              <a:avLst/>
-            </a:prstGeom>
-            <a:solidFill>
-              <a:schemeClr val="bg1"/>
-            </a:solidFill>
-            <a:ln>
-              <a:solidFill>
-                <a:schemeClr val="tx1"/>
-              </a:solidFill>
-            </a:ln>
-          </p:spPr>
-          <p:txBody>
-            <a:bodyPr wrap="none" rtlCol="0">
-              <a:noAutofit/>
-            </a:bodyPr>
-            <a:lstStyle/>
-            <a:p>
-              <a:pPr marL="91440" algn="l"/>
-              <a:r>
-                <a:rPr lang="en-US" sz="1800" dirty="0"/>
-                <a:t>dynamic link</a:t>
-              </a:r>
-            </a:p>
-          </p:txBody>
-        </p:sp>
-        <p:sp>
-          <p:nvSpPr>
-            <p:cNvPr id="69" name="TextBox 68">
-              <a:extLst>
-                <a:ext uri="{FF2B5EF4-FFF2-40B4-BE49-F238E27FC236}">
-                  <a16:creationId xmlns:a16="http://schemas.microsoft.com/office/drawing/2014/main" id="{E2D64B75-6D6C-4DA6-A677-6C13279C8E15}"/>
-                </a:ext>
-              </a:extLst>
-            </p:cNvPr>
-            <p:cNvSpPr txBox="1"/>
-            <p:nvPr/>
-          </p:nvSpPr>
-          <p:spPr>
-            <a:xfrm>
-              <a:off x="3427027" y="2351884"/>
-              <a:ext cx="2286000" cy="369332"/>
-            </a:xfrm>
-            <a:prstGeom prst="rect">
-              <a:avLst/>
-            </a:prstGeom>
-            <a:solidFill>
-              <a:schemeClr val="bg1"/>
-            </a:solidFill>
-            <a:ln>
-              <a:solidFill>
-                <a:schemeClr val="tx1"/>
-              </a:solidFill>
-            </a:ln>
-          </p:spPr>
-          <p:txBody>
-            <a:bodyPr wrap="none" rtlCol="0">
-              <a:noAutofit/>
-            </a:bodyPr>
-            <a:lstStyle/>
-            <a:p>
-              <a:pPr marL="91440" algn="l"/>
-              <a:r>
-                <a:rPr lang="en-US" sz="1800" dirty="0"/>
-                <a:t>return address</a:t>
-              </a:r>
-            </a:p>
-          </p:txBody>
-        </p:sp>
-        <p:sp>
-          <p:nvSpPr>
-            <p:cNvPr id="70" name="TextBox 69">
-              <a:extLst>
-                <a:ext uri="{FF2B5EF4-FFF2-40B4-BE49-F238E27FC236}">
-                  <a16:creationId xmlns:a16="http://schemas.microsoft.com/office/drawing/2014/main" id="{F2F7C5DF-6D2D-4543-B6E0-B18D4217F52E}"/>
-                </a:ext>
-              </a:extLst>
-            </p:cNvPr>
-            <p:cNvSpPr txBox="1"/>
-            <p:nvPr/>
-          </p:nvSpPr>
-          <p:spPr>
-            <a:xfrm>
-              <a:off x="3427027" y="2722567"/>
-              <a:ext cx="2286000" cy="369332"/>
-            </a:xfrm>
-            <a:prstGeom prst="rect">
-              <a:avLst/>
-            </a:prstGeom>
-            <a:solidFill>
-              <a:schemeClr val="bg1"/>
-            </a:solidFill>
-            <a:ln>
-              <a:solidFill>
-                <a:schemeClr val="tx1"/>
-              </a:solidFill>
-            </a:ln>
-          </p:spPr>
-          <p:txBody>
-            <a:bodyPr wrap="none" rtlCol="0">
-              <a:noAutofit/>
-            </a:bodyPr>
-            <a:lstStyle/>
-            <a:p>
-              <a:pPr marL="91440" algn="l"/>
-              <a:endParaRPr lang="en-US" sz="1800" dirty="0"/>
-            </a:p>
-          </p:txBody>
-        </p:sp>
-        <p:sp>
-          <p:nvSpPr>
-            <p:cNvPr id="72" name="TextBox 71">
-              <a:extLst>
-                <a:ext uri="{FF2B5EF4-FFF2-40B4-BE49-F238E27FC236}">
-                  <a16:creationId xmlns:a16="http://schemas.microsoft.com/office/drawing/2014/main" id="{9599E4DD-7C5B-475F-806B-F0058F4ECE0F}"/>
-                </a:ext>
-              </a:extLst>
-            </p:cNvPr>
-            <p:cNvSpPr txBox="1"/>
-            <p:nvPr/>
-          </p:nvSpPr>
-          <p:spPr>
-            <a:xfrm>
-              <a:off x="2819400" y="1986915"/>
-              <a:ext cx="569388" cy="369332"/>
-            </a:xfrm>
-            <a:prstGeom prst="rect">
-              <a:avLst/>
-            </a:prstGeom>
-            <a:noFill/>
-          </p:spPr>
-          <p:txBody>
-            <a:bodyPr wrap="none" rtlCol="0">
-              <a:spAutoFit/>
-            </a:bodyPr>
-            <a:lstStyle/>
-            <a:p>
-              <a:r>
-                <a:rPr lang="en-US" sz="1800" dirty="0"/>
-                <a:t>200</a:t>
-              </a:r>
-            </a:p>
-          </p:txBody>
-        </p:sp>
-        <p:sp>
-          <p:nvSpPr>
-            <p:cNvPr id="73" name="TextBox 72">
-              <a:extLst>
-                <a:ext uri="{FF2B5EF4-FFF2-40B4-BE49-F238E27FC236}">
-                  <a16:creationId xmlns:a16="http://schemas.microsoft.com/office/drawing/2014/main" id="{7D5F371E-A21E-4C6E-A0B0-A42812DA92BB}"/>
-                </a:ext>
-              </a:extLst>
-            </p:cNvPr>
-            <p:cNvSpPr txBox="1"/>
-            <p:nvPr/>
-          </p:nvSpPr>
-          <p:spPr>
-            <a:xfrm>
-              <a:off x="2819401" y="2355434"/>
-              <a:ext cx="569387" cy="369332"/>
-            </a:xfrm>
-            <a:prstGeom prst="rect">
-              <a:avLst/>
-            </a:prstGeom>
-            <a:noFill/>
-          </p:spPr>
-          <p:txBody>
-            <a:bodyPr wrap="none" rtlCol="0">
-              <a:spAutoFit/>
-            </a:bodyPr>
-            <a:lstStyle/>
-            <a:p>
-              <a:r>
-                <a:rPr lang="en-US" sz="1800" dirty="0"/>
-                <a:t>204</a:t>
-              </a:r>
-            </a:p>
-          </p:txBody>
-        </p:sp>
-        <p:sp>
-          <p:nvSpPr>
-            <p:cNvPr id="74" name="TextBox 73">
-              <a:extLst>
-                <a:ext uri="{FF2B5EF4-FFF2-40B4-BE49-F238E27FC236}">
-                  <a16:creationId xmlns:a16="http://schemas.microsoft.com/office/drawing/2014/main" id="{314D2A39-5609-4923-AA08-AB9FB75E8DD8}"/>
-                </a:ext>
-              </a:extLst>
-            </p:cNvPr>
-            <p:cNvSpPr txBox="1"/>
-            <p:nvPr/>
-          </p:nvSpPr>
-          <p:spPr>
-            <a:xfrm>
-              <a:off x="2819400" y="2723953"/>
-              <a:ext cx="569388" cy="369332"/>
-            </a:xfrm>
-            <a:prstGeom prst="rect">
-              <a:avLst/>
-            </a:prstGeom>
-            <a:noFill/>
-          </p:spPr>
-          <p:txBody>
-            <a:bodyPr wrap="none" rtlCol="0">
-              <a:spAutoFit/>
-            </a:bodyPr>
-            <a:lstStyle/>
-            <a:p>
-              <a:r>
-                <a:rPr lang="en-US" sz="1800" dirty="0"/>
-                <a:t>208</a:t>
-              </a:r>
-            </a:p>
-          </p:txBody>
-        </p:sp>
-        <p:sp>
-          <p:nvSpPr>
-            <p:cNvPr id="76" name="TextBox 75">
-              <a:extLst>
-                <a:ext uri="{FF2B5EF4-FFF2-40B4-BE49-F238E27FC236}">
-                  <a16:creationId xmlns:a16="http://schemas.microsoft.com/office/drawing/2014/main" id="{03FC58D0-0DFB-41BF-B004-B8A24DF19F40}"/>
-                </a:ext>
-              </a:extLst>
-            </p:cNvPr>
-            <p:cNvSpPr txBox="1"/>
-            <p:nvPr/>
-          </p:nvSpPr>
-          <p:spPr>
-            <a:xfrm>
-              <a:off x="5791200" y="2710509"/>
-              <a:ext cx="300083" cy="369332"/>
-            </a:xfrm>
-            <a:prstGeom prst="rect">
-              <a:avLst/>
-            </a:prstGeom>
-            <a:noFill/>
-          </p:spPr>
-          <p:txBody>
-            <a:bodyPr wrap="none" rtlCol="0">
-              <a:spAutoFit/>
-            </a:bodyPr>
-            <a:lstStyle/>
-            <a:p>
-              <a:r>
-                <a:rPr lang="en-US" sz="1800" dirty="0"/>
-                <a:t>x</a:t>
-              </a:r>
-            </a:p>
-          </p:txBody>
-        </p:sp>
-        <p:sp>
-          <p:nvSpPr>
-            <p:cNvPr id="77" name="TextBox 76">
-              <a:extLst>
-                <a:ext uri="{FF2B5EF4-FFF2-40B4-BE49-F238E27FC236}">
-                  <a16:creationId xmlns:a16="http://schemas.microsoft.com/office/drawing/2014/main" id="{62061F1D-676D-43D4-B9CA-DB52FB119596}"/>
-                </a:ext>
-              </a:extLst>
-            </p:cNvPr>
-            <p:cNvSpPr txBox="1"/>
-            <p:nvPr/>
-          </p:nvSpPr>
-          <p:spPr>
-            <a:xfrm>
-              <a:off x="5795918" y="3081440"/>
-              <a:ext cx="300082" cy="369332"/>
-            </a:xfrm>
-            <a:prstGeom prst="rect">
-              <a:avLst/>
-            </a:prstGeom>
-            <a:noFill/>
-          </p:spPr>
-          <p:txBody>
-            <a:bodyPr wrap="none" rtlCol="0">
-              <a:spAutoFit/>
-            </a:bodyPr>
-            <a:lstStyle/>
-            <a:p>
-              <a:r>
-                <a:rPr lang="en-US" sz="1800" dirty="0"/>
-                <a:t>y</a:t>
-              </a:r>
-            </a:p>
-          </p:txBody>
-        </p:sp>
-        <p:sp>
-          <p:nvSpPr>
-            <p:cNvPr id="21" name="TextBox 20">
-              <a:extLst>
-                <a:ext uri="{FF2B5EF4-FFF2-40B4-BE49-F238E27FC236}">
-                  <a16:creationId xmlns:a16="http://schemas.microsoft.com/office/drawing/2014/main" id="{AB841B8B-8949-425B-86CF-937F49018DBE}"/>
-                </a:ext>
-              </a:extLst>
-            </p:cNvPr>
-            <p:cNvSpPr txBox="1"/>
-            <p:nvPr/>
-          </p:nvSpPr>
-          <p:spPr>
-            <a:xfrm>
-              <a:off x="1676400" y="1990627"/>
-              <a:ext cx="492443" cy="369332"/>
-            </a:xfrm>
-            <a:prstGeom prst="rect">
-              <a:avLst/>
-            </a:prstGeom>
-            <a:noFill/>
-          </p:spPr>
-          <p:txBody>
-            <a:bodyPr wrap="none" rtlCol="0">
-              <a:spAutoFit/>
-            </a:bodyPr>
-            <a:lstStyle/>
-            <a:p>
-              <a:r>
-                <a:rPr lang="en-US" sz="1800" dirty="0"/>
-                <a:t>BP</a:t>
-              </a:r>
-            </a:p>
-          </p:txBody>
-        </p:sp>
-        <p:sp>
-          <p:nvSpPr>
-            <p:cNvPr id="22" name="TextBox 21">
-              <a:extLst>
-                <a:ext uri="{FF2B5EF4-FFF2-40B4-BE49-F238E27FC236}">
-                  <a16:creationId xmlns:a16="http://schemas.microsoft.com/office/drawing/2014/main" id="{5C971F6B-A50E-44FF-8236-6A6813B34770}"/>
-                </a:ext>
-              </a:extLst>
-            </p:cNvPr>
-            <p:cNvSpPr txBox="1"/>
-            <p:nvPr/>
-          </p:nvSpPr>
-          <p:spPr>
-            <a:xfrm>
-              <a:off x="1676400" y="3460992"/>
-              <a:ext cx="492443" cy="369332"/>
-            </a:xfrm>
-            <a:prstGeom prst="rect">
-              <a:avLst/>
-            </a:prstGeom>
-            <a:noFill/>
-          </p:spPr>
-          <p:txBody>
-            <a:bodyPr wrap="none" rtlCol="0">
-              <a:spAutoFit/>
-            </a:bodyPr>
-            <a:lstStyle/>
-            <a:p>
-              <a:r>
-                <a:rPr lang="en-US" sz="1800" dirty="0"/>
-                <a:t>SP</a:t>
-              </a:r>
-            </a:p>
-          </p:txBody>
-        </p:sp>
-        <p:cxnSp>
-          <p:nvCxnSpPr>
-            <p:cNvPr id="6" name="Straight Arrow Connector 5">
-              <a:extLst>
-                <a:ext uri="{FF2B5EF4-FFF2-40B4-BE49-F238E27FC236}">
-                  <a16:creationId xmlns:a16="http://schemas.microsoft.com/office/drawing/2014/main" id="{0A106FBB-345C-44C4-9643-9EAD3CCD65A3}"/>
-                </a:ext>
-              </a:extLst>
-            </p:cNvPr>
-            <p:cNvCxnSpPr>
-              <a:cxnSpLocks/>
-              <a:stCxn id="21" idx="3"/>
-              <a:endCxn id="72" idx="1"/>
-            </p:cNvCxnSpPr>
-            <p:nvPr/>
-          </p:nvCxnSpPr>
-          <p:spPr bwMode="auto">
-            <a:xfrm flipV="1">
-              <a:off x="2168843" y="2171581"/>
-              <a:ext cx="650557" cy="3712"/>
-            </a:xfrm>
-            <a:prstGeom prst="straightConnector1">
-              <a:avLst/>
-            </a:prstGeom>
-            <a:noFill/>
-            <a:ln w="9525" cap="flat" cmpd="sng" algn="ctr">
-              <a:solidFill>
-                <a:schemeClr val="tx1"/>
-              </a:solidFill>
-              <a:prstDash val="solid"/>
-              <a:round/>
-              <a:headEnd type="none" w="med" len="med"/>
-              <a:tailEnd type="triangle"/>
-            </a:ln>
-            <a:effectLst/>
-          </p:spPr>
-        </p:cxnSp>
-        <p:cxnSp>
-          <p:nvCxnSpPr>
-            <p:cNvPr id="8" name="Straight Arrow Connector 7">
-              <a:extLst>
-                <a:ext uri="{FF2B5EF4-FFF2-40B4-BE49-F238E27FC236}">
-                  <a16:creationId xmlns:a16="http://schemas.microsoft.com/office/drawing/2014/main" id="{A9C85EE5-732F-429A-900E-1B7B21758369}"/>
-                </a:ext>
-              </a:extLst>
-            </p:cNvPr>
-            <p:cNvCxnSpPr>
-              <a:cxnSpLocks/>
-              <a:stCxn id="22" idx="3"/>
-              <a:endCxn id="31" idx="1"/>
-            </p:cNvCxnSpPr>
-            <p:nvPr/>
-          </p:nvCxnSpPr>
-          <p:spPr bwMode="auto">
-            <a:xfrm>
-              <a:off x="2168843" y="3645658"/>
-              <a:ext cx="650557" cy="0"/>
-            </a:xfrm>
-            <a:prstGeom prst="straightConnector1">
-              <a:avLst/>
-            </a:prstGeom>
-            <a:noFill/>
-            <a:ln w="9525" cap="flat" cmpd="sng" algn="ctr">
-              <a:solidFill>
-                <a:schemeClr val="tx1"/>
-              </a:solidFill>
-              <a:prstDash val="solid"/>
-              <a:round/>
-              <a:headEnd type="none" w="med" len="med"/>
-              <a:tailEnd type="triangle"/>
-            </a:ln>
-            <a:effectLst/>
-          </p:spPr>
-        </p:cxnSp>
-        <p:sp>
-          <p:nvSpPr>
-            <p:cNvPr id="28" name="TextBox 27">
-              <a:extLst>
-                <a:ext uri="{FF2B5EF4-FFF2-40B4-BE49-F238E27FC236}">
-                  <a16:creationId xmlns:a16="http://schemas.microsoft.com/office/drawing/2014/main" id="{19D5125A-908B-4812-91D8-0C630BA2F87E}"/>
-                </a:ext>
-              </a:extLst>
-            </p:cNvPr>
-            <p:cNvSpPr txBox="1"/>
-            <p:nvPr/>
-          </p:nvSpPr>
-          <p:spPr>
-            <a:xfrm>
-              <a:off x="3427027" y="3091899"/>
-              <a:ext cx="2286000" cy="369332"/>
-            </a:xfrm>
-            <a:prstGeom prst="rect">
-              <a:avLst/>
-            </a:prstGeom>
-            <a:solidFill>
-              <a:schemeClr val="bg1"/>
-            </a:solidFill>
-            <a:ln>
-              <a:solidFill>
-                <a:schemeClr val="tx1"/>
-              </a:solidFill>
-            </a:ln>
-          </p:spPr>
-          <p:txBody>
-            <a:bodyPr wrap="none" rtlCol="0">
-              <a:noAutofit/>
-            </a:bodyPr>
-            <a:lstStyle/>
-            <a:p>
-              <a:pPr marL="91440" algn="l"/>
-              <a:r>
-                <a:rPr lang="en-US" sz="1800" dirty="0"/>
-                <a:t>6</a:t>
-              </a:r>
-            </a:p>
-          </p:txBody>
-        </p:sp>
-        <p:sp>
-          <p:nvSpPr>
-            <p:cNvPr id="29" name="TextBox 28">
-              <a:extLst>
-                <a:ext uri="{FF2B5EF4-FFF2-40B4-BE49-F238E27FC236}">
-                  <a16:creationId xmlns:a16="http://schemas.microsoft.com/office/drawing/2014/main" id="{5EEA69FA-6414-4647-BC93-6FD115E6F199}"/>
-                </a:ext>
-              </a:extLst>
-            </p:cNvPr>
-            <p:cNvSpPr txBox="1"/>
-            <p:nvPr/>
-          </p:nvSpPr>
-          <p:spPr>
-            <a:xfrm>
-              <a:off x="2819401" y="3092472"/>
-              <a:ext cx="569388" cy="369332"/>
-            </a:xfrm>
-            <a:prstGeom prst="rect">
-              <a:avLst/>
-            </a:prstGeom>
-            <a:noFill/>
-          </p:spPr>
-          <p:txBody>
-            <a:bodyPr wrap="none" rtlCol="0">
-              <a:spAutoFit/>
-            </a:bodyPr>
-            <a:lstStyle/>
-            <a:p>
-              <a:r>
-                <a:rPr lang="en-US" sz="1800" dirty="0"/>
-                <a:t>212</a:t>
-              </a:r>
-            </a:p>
-          </p:txBody>
-        </p:sp>
-        <p:sp>
-          <p:nvSpPr>
-            <p:cNvPr id="30" name="TextBox 29">
-              <a:extLst>
-                <a:ext uri="{FF2B5EF4-FFF2-40B4-BE49-F238E27FC236}">
-                  <a16:creationId xmlns:a16="http://schemas.microsoft.com/office/drawing/2014/main" id="{D71C7B3F-2738-4421-AAD1-B7BA92B38C7F}"/>
-                </a:ext>
-              </a:extLst>
-            </p:cNvPr>
-            <p:cNvSpPr txBox="1"/>
-            <p:nvPr/>
-          </p:nvSpPr>
-          <p:spPr>
-            <a:xfrm>
-              <a:off x="3427027" y="3461231"/>
-              <a:ext cx="2286000" cy="369332"/>
-            </a:xfrm>
-            <a:prstGeom prst="rect">
-              <a:avLst/>
-            </a:prstGeom>
-            <a:solidFill>
-              <a:schemeClr val="bg1"/>
-            </a:solidFill>
-            <a:ln>
-              <a:solidFill>
-                <a:schemeClr val="tx1"/>
-              </a:solidFill>
-            </a:ln>
-          </p:spPr>
-          <p:txBody>
-            <a:bodyPr wrap="none" rtlCol="0">
-              <a:noAutofit/>
-            </a:bodyPr>
-            <a:lstStyle/>
-            <a:p>
-              <a:pPr marL="91440" algn="l"/>
-              <a:r>
-                <a:rPr lang="en-US" sz="1800" dirty="0"/>
-                <a:t>208 (address of x)</a:t>
-              </a:r>
-            </a:p>
-          </p:txBody>
-        </p:sp>
-        <p:sp>
-          <p:nvSpPr>
-            <p:cNvPr id="31" name="TextBox 30">
-              <a:extLst>
-                <a:ext uri="{FF2B5EF4-FFF2-40B4-BE49-F238E27FC236}">
-                  <a16:creationId xmlns:a16="http://schemas.microsoft.com/office/drawing/2014/main" id="{E6A72BF6-7B5B-4673-95A5-AD06EE024B99}"/>
-                </a:ext>
-              </a:extLst>
-            </p:cNvPr>
-            <p:cNvSpPr txBox="1"/>
-            <p:nvPr/>
-          </p:nvSpPr>
-          <p:spPr>
-            <a:xfrm>
-              <a:off x="2819400" y="3460992"/>
-              <a:ext cx="569388" cy="369332"/>
-            </a:xfrm>
-            <a:prstGeom prst="rect">
-              <a:avLst/>
-            </a:prstGeom>
-            <a:noFill/>
-          </p:spPr>
-          <p:txBody>
-            <a:bodyPr wrap="none" rtlCol="0">
-              <a:spAutoFit/>
-            </a:bodyPr>
-            <a:lstStyle/>
-            <a:p>
-              <a:r>
-                <a:rPr lang="en-US" sz="1800" dirty="0"/>
-                <a:t>216</a:t>
-              </a:r>
-            </a:p>
-          </p:txBody>
-        </p:sp>
-      </p:grpSp>
+              <a:effectLst/>
+              <a:latin typeface="Arial" charset="0"/>
+            </a:endParaRPr>
+          </a:p>
+        </p:txBody>
+      </p:sp>
+      <p:sp>
+        <p:nvSpPr>
+          <p:cNvPr id="25" name="TextBox 24">
+            <a:extLst>
+              <a:ext uri="{FF2B5EF4-FFF2-40B4-BE49-F238E27FC236}">
+                <a16:creationId xmlns:a16="http://schemas.microsoft.com/office/drawing/2014/main" id="{E33BC9B2-C90C-41A4-B61A-6BE468E266CB}"/>
+              </a:ext>
+            </a:extLst>
+          </p:cNvPr>
+          <p:cNvSpPr txBox="1"/>
+          <p:nvPr/>
+        </p:nvSpPr>
+        <p:spPr>
+          <a:xfrm>
+            <a:off x="6011123" y="3472231"/>
+            <a:ext cx="1685077" cy="369332"/>
+          </a:xfrm>
+          <a:prstGeom prst="rect">
+            <a:avLst/>
+          </a:prstGeom>
+          <a:noFill/>
+        </p:spPr>
+        <p:txBody>
+          <a:bodyPr wrap="none" rtlCol="0">
+            <a:spAutoFit/>
+          </a:bodyPr>
+          <a:lstStyle/>
+          <a:p>
+            <a:r>
+              <a:rPr lang="en-US" sz="1800" dirty="0"/>
+              <a:t>temporary part</a:t>
+            </a:r>
+          </a:p>
+        </p:txBody>
+      </p:sp>
     </p:spTree>
     <p:extLst>
       <p:ext uri="{BB962C8B-B14F-4D97-AF65-F5344CB8AC3E}">
-        <p14:creationId xmlns:p14="http://schemas.microsoft.com/office/powerpoint/2010/main" val="2282791119"/>
+        <p14:creationId xmlns:p14="http://schemas.microsoft.com/office/powerpoint/2010/main" val="4146038743"/>
       </p:ext>
     </p:extLst>
   </p:cSld>
@@ -15239,10 +15385,114 @@
           </p:txBody>
         </p:sp>
       </p:grpSp>
+      <p:sp>
+        <p:nvSpPr>
+          <p:cNvPr id="26" name="Right Brace 25">
+            <a:extLst>
+              <a:ext uri="{FF2B5EF4-FFF2-40B4-BE49-F238E27FC236}">
+                <a16:creationId xmlns:a16="http://schemas.microsoft.com/office/drawing/2014/main" id="{8D529EC4-4C5B-4737-9EC3-CB01DA84A8E7}"/>
+              </a:ext>
+            </a:extLst>
+          </p:cNvPr>
+          <p:cNvSpPr/>
+          <p:nvPr/>
+        </p:nvSpPr>
+        <p:spPr bwMode="auto">
+          <a:xfrm>
+            <a:off x="5867400" y="3472231"/>
+            <a:ext cx="152400" cy="731520"/>
+          </a:xfrm>
+          <a:prstGeom prst="rightBrace">
+            <a:avLst/>
+          </a:prstGeom>
+          <a:noFill/>
+          <a:ln w="9525" cap="flat" cmpd="sng" algn="ctr">
+            <a:solidFill>
+              <a:schemeClr val="tx1"/>
+            </a:solidFill>
+            <a:prstDash val="solid"/>
+            <a:round/>
+            <a:headEnd type="none" w="med" len="med"/>
+            <a:tailEnd type="none" w="med" len="med"/>
+          </a:ln>
+          <a:effectLst/>
+        </p:spPr>
+        <p:txBody>
+          <a:bodyPr vert="horz" wrap="none" lIns="92075" tIns="46038" rIns="92075" bIns="46038" numCol="1" rtlCol="0" anchor="ctr" anchorCtr="0" compatLnSpc="1">
+            <a:prstTxWarp prst="textNoShape">
+              <a:avLst/>
+            </a:prstTxWarp>
+          </a:bodyPr>
+          <a:lstStyle/>
+          <a:p>
+            <a:pPr marL="0" marR="0" indent="0" algn="ctr" defTabSz="914400" rtl="0" eaLnBrk="0" fontAlgn="base" latinLnBrk="0" hangingPunct="0">
+              <a:lnSpc>
+                <a:spcPct val="100000"/>
+              </a:lnSpc>
+              <a:spcBef>
+                <a:spcPct val="0"/>
+              </a:spcBef>
+              <a:spcAft>
+                <a:spcPct val="0"/>
+              </a:spcAft>
+              <a:buClrTx/>
+              <a:buSzTx/>
+              <a:buFontTx/>
+              <a:buNone/>
+              <a:tabLst/>
+            </a:pPr>
+            <a:endParaRPr kumimoji="0" lang="en-US" sz="2400" b="0" i="0" u="none" strike="noStrike" cap="none" normalizeH="0" baseline="0">
+              <a:ln>
+                <a:noFill/>
+              </a:ln>
+              <a:solidFill>
+                <a:schemeClr val="tx1"/>
+              </a:solidFill>
+              <a:effectLst/>
+              <a:latin typeface="Arial" charset="0"/>
+            </a:endParaRPr>
+          </a:p>
+        </p:txBody>
+      </p:sp>
+      <p:sp>
+        <p:nvSpPr>
+          <p:cNvPr id="28" name="TextBox 27">
+            <a:extLst>
+              <a:ext uri="{FF2B5EF4-FFF2-40B4-BE49-F238E27FC236}">
+                <a16:creationId xmlns:a16="http://schemas.microsoft.com/office/drawing/2014/main" id="{FB5593B5-6F10-4AB6-B89C-54AA6EDDD9F4}"/>
+              </a:ext>
+            </a:extLst>
+          </p:cNvPr>
+          <p:cNvSpPr txBox="1"/>
+          <p:nvPr/>
+        </p:nvSpPr>
+        <p:spPr>
+          <a:xfrm>
+            <a:off x="6011123" y="3653325"/>
+            <a:ext cx="1685077" cy="369332"/>
+          </a:xfrm>
+          <a:prstGeom prst="rect">
+            <a:avLst/>
+          </a:prstGeom>
+          <a:noFill/>
+        </p:spPr>
+        <p:txBody>
+          <a:bodyPr wrap="none" rtlCol="0">
+            <a:spAutoFit/>
+          </a:bodyPr>
+          <a:lstStyle/>
+          <a:p>
+            <a:r>
+              <a:rPr lang="en-US" sz="1800" dirty="0"/>
+              <a:t>temporary part</a:t>
+            </a:r>
+          </a:p>
+        </p:txBody>
+      </p:sp>
     </p:spTree>
     <p:extLst>
       <p:ext uri="{BB962C8B-B14F-4D97-AF65-F5344CB8AC3E}">
-        <p14:creationId xmlns:p14="http://schemas.microsoft.com/office/powerpoint/2010/main" val="1945911878"/>
+        <p14:creationId xmlns:p14="http://schemas.microsoft.com/office/powerpoint/2010/main" val="3202757187"/>
       </p:ext>
     </p:extLst>
   </p:cSld>
@@ -16167,10 +16417,114 @@
           </p:txBody>
         </p:sp>
       </p:grpSp>
+      <p:sp>
+        <p:nvSpPr>
+          <p:cNvPr id="26" name="Right Brace 25">
+            <a:extLst>
+              <a:ext uri="{FF2B5EF4-FFF2-40B4-BE49-F238E27FC236}">
+                <a16:creationId xmlns:a16="http://schemas.microsoft.com/office/drawing/2014/main" id="{23E0AE0F-742C-4D5C-884A-A5FD23EFE98A}"/>
+              </a:ext>
+            </a:extLst>
+          </p:cNvPr>
+          <p:cNvSpPr/>
+          <p:nvPr/>
+        </p:nvSpPr>
+        <p:spPr bwMode="auto">
+          <a:xfrm>
+            <a:off x="5867400" y="3472231"/>
+            <a:ext cx="152400" cy="731520"/>
+          </a:xfrm>
+          <a:prstGeom prst="rightBrace">
+            <a:avLst/>
+          </a:prstGeom>
+          <a:noFill/>
+          <a:ln w="9525" cap="flat" cmpd="sng" algn="ctr">
+            <a:solidFill>
+              <a:schemeClr val="tx1"/>
+            </a:solidFill>
+            <a:prstDash val="solid"/>
+            <a:round/>
+            <a:headEnd type="none" w="med" len="med"/>
+            <a:tailEnd type="none" w="med" len="med"/>
+          </a:ln>
+          <a:effectLst/>
+        </p:spPr>
+        <p:txBody>
+          <a:bodyPr vert="horz" wrap="none" lIns="92075" tIns="46038" rIns="92075" bIns="46038" numCol="1" rtlCol="0" anchor="ctr" anchorCtr="0" compatLnSpc="1">
+            <a:prstTxWarp prst="textNoShape">
+              <a:avLst/>
+            </a:prstTxWarp>
+          </a:bodyPr>
+          <a:lstStyle/>
+          <a:p>
+            <a:pPr marL="0" marR="0" indent="0" algn="ctr" defTabSz="914400" rtl="0" eaLnBrk="0" fontAlgn="base" latinLnBrk="0" hangingPunct="0">
+              <a:lnSpc>
+                <a:spcPct val="100000"/>
+              </a:lnSpc>
+              <a:spcBef>
+                <a:spcPct val="0"/>
+              </a:spcBef>
+              <a:spcAft>
+                <a:spcPct val="0"/>
+              </a:spcAft>
+              <a:buClrTx/>
+              <a:buSzTx/>
+              <a:buFontTx/>
+              <a:buNone/>
+              <a:tabLst/>
+            </a:pPr>
+            <a:endParaRPr kumimoji="0" lang="en-US" sz="2400" b="0" i="0" u="none" strike="noStrike" cap="none" normalizeH="0" baseline="0">
+              <a:ln>
+                <a:noFill/>
+              </a:ln>
+              <a:solidFill>
+                <a:schemeClr val="tx1"/>
+              </a:solidFill>
+              <a:effectLst/>
+              <a:latin typeface="Arial" charset="0"/>
+            </a:endParaRPr>
+          </a:p>
+        </p:txBody>
+      </p:sp>
+      <p:sp>
+        <p:nvSpPr>
+          <p:cNvPr id="32" name="TextBox 31">
+            <a:extLst>
+              <a:ext uri="{FF2B5EF4-FFF2-40B4-BE49-F238E27FC236}">
+                <a16:creationId xmlns:a16="http://schemas.microsoft.com/office/drawing/2014/main" id="{D043386B-21C8-4FDC-8D28-C544317ED7E7}"/>
+              </a:ext>
+            </a:extLst>
+          </p:cNvPr>
+          <p:cNvSpPr txBox="1"/>
+          <p:nvPr/>
+        </p:nvSpPr>
+        <p:spPr>
+          <a:xfrm>
+            <a:off x="6011123" y="3653325"/>
+            <a:ext cx="1685077" cy="369332"/>
+          </a:xfrm>
+          <a:prstGeom prst="rect">
+            <a:avLst/>
+          </a:prstGeom>
+          <a:noFill/>
+        </p:spPr>
+        <p:txBody>
+          <a:bodyPr wrap="none" rtlCol="0">
+            <a:spAutoFit/>
+          </a:bodyPr>
+          <a:lstStyle/>
+          <a:p>
+            <a:r>
+              <a:rPr lang="en-US" sz="1800" dirty="0"/>
+              <a:t>temporary part</a:t>
+            </a:r>
+          </a:p>
+        </p:txBody>
+      </p:sp>
     </p:spTree>
     <p:extLst>
       <p:ext uri="{BB962C8B-B14F-4D97-AF65-F5344CB8AC3E}">
-        <p14:creationId xmlns:p14="http://schemas.microsoft.com/office/powerpoint/2010/main" val="662683075"/>
+        <p14:creationId xmlns:p14="http://schemas.microsoft.com/office/powerpoint/2010/main" val="1258697048"/>
       </p:ext>
     </p:extLst>
   </p:cSld>
@@ -17173,10 +17527,114 @@
           </p:txBody>
         </p:sp>
       </p:grpSp>
+      <p:sp>
+        <p:nvSpPr>
+          <p:cNvPr id="33" name="Right Brace 32">
+            <a:extLst>
+              <a:ext uri="{FF2B5EF4-FFF2-40B4-BE49-F238E27FC236}">
+                <a16:creationId xmlns:a16="http://schemas.microsoft.com/office/drawing/2014/main" id="{2AE0427C-F749-4D1F-A1A9-F5AAFE6995EC}"/>
+              </a:ext>
+            </a:extLst>
+          </p:cNvPr>
+          <p:cNvSpPr/>
+          <p:nvPr/>
+        </p:nvSpPr>
+        <p:spPr bwMode="auto">
+          <a:xfrm>
+            <a:off x="5867400" y="3466788"/>
+            <a:ext cx="152400" cy="1097280"/>
+          </a:xfrm>
+          <a:prstGeom prst="rightBrace">
+            <a:avLst/>
+          </a:prstGeom>
+          <a:noFill/>
+          <a:ln w="9525" cap="flat" cmpd="sng" algn="ctr">
+            <a:solidFill>
+              <a:schemeClr val="tx1"/>
+            </a:solidFill>
+            <a:prstDash val="solid"/>
+            <a:round/>
+            <a:headEnd type="none" w="med" len="med"/>
+            <a:tailEnd type="none" w="med" len="med"/>
+          </a:ln>
+          <a:effectLst/>
+        </p:spPr>
+        <p:txBody>
+          <a:bodyPr vert="horz" wrap="none" lIns="92075" tIns="46038" rIns="92075" bIns="46038" numCol="1" rtlCol="0" anchor="ctr" anchorCtr="0" compatLnSpc="1">
+            <a:prstTxWarp prst="textNoShape">
+              <a:avLst/>
+            </a:prstTxWarp>
+          </a:bodyPr>
+          <a:lstStyle/>
+          <a:p>
+            <a:pPr marL="0" marR="0" indent="0" algn="ctr" defTabSz="914400" rtl="0" eaLnBrk="0" fontAlgn="base" latinLnBrk="0" hangingPunct="0">
+              <a:lnSpc>
+                <a:spcPct val="100000"/>
+              </a:lnSpc>
+              <a:spcBef>
+                <a:spcPct val="0"/>
+              </a:spcBef>
+              <a:spcAft>
+                <a:spcPct val="0"/>
+              </a:spcAft>
+              <a:buClrTx/>
+              <a:buSzTx/>
+              <a:buFontTx/>
+              <a:buNone/>
+              <a:tabLst/>
+            </a:pPr>
+            <a:endParaRPr kumimoji="0" lang="en-US" sz="2400" b="0" i="0" u="none" strike="noStrike" cap="none" normalizeH="0" baseline="0">
+              <a:ln>
+                <a:noFill/>
+              </a:ln>
+              <a:solidFill>
+                <a:schemeClr val="tx1"/>
+              </a:solidFill>
+              <a:effectLst/>
+              <a:latin typeface="Arial" charset="0"/>
+            </a:endParaRPr>
+          </a:p>
+        </p:txBody>
+      </p:sp>
+      <p:sp>
+        <p:nvSpPr>
+          <p:cNvPr id="34" name="TextBox 33">
+            <a:extLst>
+              <a:ext uri="{FF2B5EF4-FFF2-40B4-BE49-F238E27FC236}">
+                <a16:creationId xmlns:a16="http://schemas.microsoft.com/office/drawing/2014/main" id="{562A2224-7E03-4D43-A5D1-765CCE499E93}"/>
+              </a:ext>
+            </a:extLst>
+          </p:cNvPr>
+          <p:cNvSpPr txBox="1"/>
+          <p:nvPr/>
+        </p:nvSpPr>
+        <p:spPr>
+          <a:xfrm>
+            <a:off x="6011123" y="3830762"/>
+            <a:ext cx="1685077" cy="369332"/>
+          </a:xfrm>
+          <a:prstGeom prst="rect">
+            <a:avLst/>
+          </a:prstGeom>
+          <a:noFill/>
+        </p:spPr>
+        <p:txBody>
+          <a:bodyPr wrap="none" rtlCol="0">
+            <a:spAutoFit/>
+          </a:bodyPr>
+          <a:lstStyle/>
+          <a:p>
+            <a:r>
+              <a:rPr lang="en-US" sz="1800" dirty="0"/>
+              <a:t>temporary part</a:t>
+            </a:r>
+          </a:p>
+        </p:txBody>
+      </p:sp>
     </p:spTree>
     <p:extLst>
       <p:ext uri="{BB962C8B-B14F-4D97-AF65-F5344CB8AC3E}">
-        <p14:creationId xmlns:p14="http://schemas.microsoft.com/office/powerpoint/2010/main" val="4152110563"/>
+        <p14:creationId xmlns:p14="http://schemas.microsoft.com/office/powerpoint/2010/main" val="3380618324"/>
       </p:ext>
     </p:extLst>
   </p:cSld>
@@ -18101,10 +18559,114 @@
           </p:txBody>
         </p:sp>
       </p:grpSp>
+      <p:sp>
+        <p:nvSpPr>
+          <p:cNvPr id="26" name="Right Brace 25">
+            <a:extLst>
+              <a:ext uri="{FF2B5EF4-FFF2-40B4-BE49-F238E27FC236}">
+                <a16:creationId xmlns:a16="http://schemas.microsoft.com/office/drawing/2014/main" id="{EEBCA012-2C64-4690-9D33-F270A314AD29}"/>
+              </a:ext>
+            </a:extLst>
+          </p:cNvPr>
+          <p:cNvSpPr/>
+          <p:nvPr/>
+        </p:nvSpPr>
+        <p:spPr bwMode="auto">
+          <a:xfrm>
+            <a:off x="5867400" y="3472231"/>
+            <a:ext cx="152400" cy="731520"/>
+          </a:xfrm>
+          <a:prstGeom prst="rightBrace">
+            <a:avLst/>
+          </a:prstGeom>
+          <a:noFill/>
+          <a:ln w="9525" cap="flat" cmpd="sng" algn="ctr">
+            <a:solidFill>
+              <a:schemeClr val="tx1"/>
+            </a:solidFill>
+            <a:prstDash val="solid"/>
+            <a:round/>
+            <a:headEnd type="none" w="med" len="med"/>
+            <a:tailEnd type="none" w="med" len="med"/>
+          </a:ln>
+          <a:effectLst/>
+        </p:spPr>
+        <p:txBody>
+          <a:bodyPr vert="horz" wrap="none" lIns="92075" tIns="46038" rIns="92075" bIns="46038" numCol="1" rtlCol="0" anchor="ctr" anchorCtr="0" compatLnSpc="1">
+            <a:prstTxWarp prst="textNoShape">
+              <a:avLst/>
+            </a:prstTxWarp>
+          </a:bodyPr>
+          <a:lstStyle/>
+          <a:p>
+            <a:pPr marL="0" marR="0" indent="0" algn="ctr" defTabSz="914400" rtl="0" eaLnBrk="0" fontAlgn="base" latinLnBrk="0" hangingPunct="0">
+              <a:lnSpc>
+                <a:spcPct val="100000"/>
+              </a:lnSpc>
+              <a:spcBef>
+                <a:spcPct val="0"/>
+              </a:spcBef>
+              <a:spcAft>
+                <a:spcPct val="0"/>
+              </a:spcAft>
+              <a:buClrTx/>
+              <a:buSzTx/>
+              <a:buFontTx/>
+              <a:buNone/>
+              <a:tabLst/>
+            </a:pPr>
+            <a:endParaRPr kumimoji="0" lang="en-US" sz="2400" b="0" i="0" u="none" strike="noStrike" cap="none" normalizeH="0" baseline="0">
+              <a:ln>
+                <a:noFill/>
+              </a:ln>
+              <a:solidFill>
+                <a:schemeClr val="tx1"/>
+              </a:solidFill>
+              <a:effectLst/>
+              <a:latin typeface="Arial" charset="0"/>
+            </a:endParaRPr>
+          </a:p>
+        </p:txBody>
+      </p:sp>
+      <p:sp>
+        <p:nvSpPr>
+          <p:cNvPr id="32" name="TextBox 31">
+            <a:extLst>
+              <a:ext uri="{FF2B5EF4-FFF2-40B4-BE49-F238E27FC236}">
+                <a16:creationId xmlns:a16="http://schemas.microsoft.com/office/drawing/2014/main" id="{B30D06A9-A026-4436-BB98-E9B74E7D4707}"/>
+              </a:ext>
+            </a:extLst>
+          </p:cNvPr>
+          <p:cNvSpPr txBox="1"/>
+          <p:nvPr/>
+        </p:nvSpPr>
+        <p:spPr>
+          <a:xfrm>
+            <a:off x="6011123" y="3653325"/>
+            <a:ext cx="1685077" cy="369332"/>
+          </a:xfrm>
+          <a:prstGeom prst="rect">
+            <a:avLst/>
+          </a:prstGeom>
+          <a:noFill/>
+        </p:spPr>
+        <p:txBody>
+          <a:bodyPr wrap="none" rtlCol="0">
+            <a:spAutoFit/>
+          </a:bodyPr>
+          <a:lstStyle/>
+          <a:p>
+            <a:r>
+              <a:rPr lang="en-US" sz="1800" dirty="0"/>
+              <a:t>temporary part</a:t>
+            </a:r>
+          </a:p>
+        </p:txBody>
+      </p:sp>
     </p:spTree>
     <p:extLst>
       <p:ext uri="{BB962C8B-B14F-4D97-AF65-F5344CB8AC3E}">
-        <p14:creationId xmlns:p14="http://schemas.microsoft.com/office/powerpoint/2010/main" val="2667728158"/>
+        <p14:creationId xmlns:p14="http://schemas.microsoft.com/office/powerpoint/2010/main" val="3548879294"/>
       </p:ext>
     </p:extLst>
   </p:cSld>
@@ -18241,600 +18803,579 @@
           </a:p>
         </p:txBody>
       </p:sp>
-      <p:grpSp>
-        <p:nvGrpSpPr>
-          <p:cNvPr id="9" name="Group 8">
+      <p:sp>
+        <p:nvSpPr>
+          <p:cNvPr id="63" name="Rectangle 4">
             <a:extLst>
               <a:ext uri="{FF2B5EF4-FFF2-40B4-BE49-F238E27FC236}">
-                <a16:creationId xmlns:a16="http://schemas.microsoft.com/office/drawing/2014/main" id="{BF26B5B6-44A7-4B39-8E80-4ADA9E3AFAA3}"/>
+                <a16:creationId xmlns:a16="http://schemas.microsoft.com/office/drawing/2014/main" id="{B5AB0F95-612B-447E-BC0F-F952B486D878}"/>
               </a:ext>
             </a:extLst>
           </p:cNvPr>
-          <p:cNvGrpSpPr/>
+          <p:cNvSpPr>
+            <a:spLocks noChangeArrowheads="1"/>
+          </p:cNvSpPr>
           <p:nvPr/>
-        </p:nvGrpSpPr>
-        <p:grpSpPr>
+        </p:nvSpPr>
+        <p:spPr bwMode="auto">
           <a:xfrm>
-            <a:off x="1676400" y="1981200"/>
-            <a:ext cx="4419600" cy="4023360"/>
-            <a:chOff x="1676400" y="1981200"/>
-            <a:chExt cx="4419600" cy="4023360"/>
+            <a:off x="3427027" y="1981200"/>
+            <a:ext cx="2286000" cy="4023360"/>
           </a:xfrm>
-        </p:grpSpPr>
-        <p:sp>
-          <p:nvSpPr>
-            <p:cNvPr id="63" name="Rectangle 4">
-              <a:extLst>
-                <a:ext uri="{FF2B5EF4-FFF2-40B4-BE49-F238E27FC236}">
-                  <a16:creationId xmlns:a16="http://schemas.microsoft.com/office/drawing/2014/main" id="{B5AB0F95-612B-447E-BC0F-F952B486D878}"/>
-                </a:ext>
-              </a:extLst>
-            </p:cNvPr>
-            <p:cNvSpPr>
-              <a:spLocks noChangeArrowheads="1"/>
-            </p:cNvSpPr>
-            <p:nvPr/>
-          </p:nvSpPr>
-          <p:spPr bwMode="auto">
-            <a:xfrm>
-              <a:off x="3427027" y="1981200"/>
-              <a:ext cx="2286000" cy="4023360"/>
-            </a:xfrm>
-            <a:prstGeom prst="rect">
-              <a:avLst/>
-            </a:prstGeom>
-            <a:pattFill prst="pct5">
-              <a:fgClr>
-                <a:schemeClr val="tx1"/>
-              </a:fgClr>
-              <a:bgClr>
-                <a:schemeClr val="bg1"/>
-              </a:bgClr>
-            </a:pattFill>
-            <a:ln w="9525">
-              <a:solidFill>
-                <a:schemeClr val="tx1"/>
-              </a:solidFill>
-              <a:miter lim="800000"/>
-              <a:headEnd/>
-              <a:tailEnd/>
-            </a:ln>
-          </p:spPr>
-          <p:txBody>
-            <a:bodyPr wrap="none" lIns="92075" tIns="46038" rIns="92075" bIns="46038" anchor="ctr"/>
-            <a:lstStyle/>
-            <a:p>
-              <a:endParaRPr lang="en-US" dirty="0"/>
-            </a:p>
-          </p:txBody>
-        </p:sp>
-        <p:sp>
-          <p:nvSpPr>
-            <p:cNvPr id="68" name="TextBox 67">
-              <a:extLst>
-                <a:ext uri="{FF2B5EF4-FFF2-40B4-BE49-F238E27FC236}">
-                  <a16:creationId xmlns:a16="http://schemas.microsoft.com/office/drawing/2014/main" id="{28BA86A7-17E6-414B-8B9D-E2CC84A29DC9}"/>
-                </a:ext>
-              </a:extLst>
-            </p:cNvPr>
-            <p:cNvSpPr txBox="1"/>
-            <p:nvPr/>
-          </p:nvSpPr>
-          <p:spPr>
-            <a:xfrm>
-              <a:off x="3427027" y="1981200"/>
-              <a:ext cx="2286000" cy="369332"/>
-            </a:xfrm>
-            <a:prstGeom prst="rect">
-              <a:avLst/>
-            </a:prstGeom>
+          <a:prstGeom prst="rect">
+            <a:avLst/>
+          </a:prstGeom>
+          <a:pattFill prst="pct5">
+            <a:fgClr>
+              <a:schemeClr val="tx1"/>
+            </a:fgClr>
+            <a:bgClr>
+              <a:schemeClr val="bg1"/>
+            </a:bgClr>
+          </a:pattFill>
+          <a:ln w="9525">
             <a:solidFill>
-              <a:schemeClr val="bg1"/>
+              <a:schemeClr val="tx1"/>
             </a:solidFill>
-            <a:ln>
-              <a:solidFill>
-                <a:schemeClr val="tx1"/>
-              </a:solidFill>
-            </a:ln>
-          </p:spPr>
-          <p:txBody>
-            <a:bodyPr wrap="none" rtlCol="0">
-              <a:noAutofit/>
-            </a:bodyPr>
-            <a:lstStyle/>
-            <a:p>
-              <a:pPr marL="91440" algn="l"/>
-              <a:r>
-                <a:rPr lang="en-US" sz="1800" dirty="0"/>
-                <a:t>dynamic link</a:t>
-              </a:r>
-            </a:p>
-          </p:txBody>
-        </p:sp>
-        <p:sp>
-          <p:nvSpPr>
-            <p:cNvPr id="69" name="TextBox 68">
-              <a:extLst>
-                <a:ext uri="{FF2B5EF4-FFF2-40B4-BE49-F238E27FC236}">
-                  <a16:creationId xmlns:a16="http://schemas.microsoft.com/office/drawing/2014/main" id="{E2D64B75-6D6C-4DA6-A677-6C13279C8E15}"/>
-                </a:ext>
-              </a:extLst>
-            </p:cNvPr>
-            <p:cNvSpPr txBox="1"/>
-            <p:nvPr/>
-          </p:nvSpPr>
-          <p:spPr>
-            <a:xfrm>
-              <a:off x="3427027" y="2351884"/>
-              <a:ext cx="2286000" cy="369332"/>
-            </a:xfrm>
-            <a:prstGeom prst="rect">
-              <a:avLst/>
-            </a:prstGeom>
+            <a:miter lim="800000"/>
+            <a:headEnd/>
+            <a:tailEnd/>
+          </a:ln>
+        </p:spPr>
+        <p:txBody>
+          <a:bodyPr wrap="none" lIns="92075" tIns="46038" rIns="92075" bIns="46038" anchor="ctr"/>
+          <a:lstStyle/>
+          <a:p>
+            <a:endParaRPr lang="en-US" dirty="0"/>
+          </a:p>
+        </p:txBody>
+      </p:sp>
+      <p:sp>
+        <p:nvSpPr>
+          <p:cNvPr id="68" name="TextBox 67">
+            <a:extLst>
+              <a:ext uri="{FF2B5EF4-FFF2-40B4-BE49-F238E27FC236}">
+                <a16:creationId xmlns:a16="http://schemas.microsoft.com/office/drawing/2014/main" id="{28BA86A7-17E6-414B-8B9D-E2CC84A29DC9}"/>
+              </a:ext>
+            </a:extLst>
+          </p:cNvPr>
+          <p:cNvSpPr txBox="1"/>
+          <p:nvPr/>
+        </p:nvSpPr>
+        <p:spPr>
+          <a:xfrm>
+            <a:off x="3427027" y="1981200"/>
+            <a:ext cx="2286000" cy="369332"/>
+          </a:xfrm>
+          <a:prstGeom prst="rect">
+            <a:avLst/>
+          </a:prstGeom>
+          <a:solidFill>
+            <a:schemeClr val="bg1"/>
+          </a:solidFill>
+          <a:ln>
             <a:solidFill>
-              <a:schemeClr val="bg1"/>
+              <a:schemeClr val="tx1"/>
             </a:solidFill>
-            <a:ln>
-              <a:solidFill>
-                <a:schemeClr val="tx1"/>
-              </a:solidFill>
-            </a:ln>
-          </p:spPr>
-          <p:txBody>
-            <a:bodyPr wrap="none" rtlCol="0">
-              <a:noAutofit/>
-            </a:bodyPr>
-            <a:lstStyle/>
-            <a:p>
-              <a:pPr marL="91440" algn="l"/>
-              <a:r>
-                <a:rPr lang="en-US" sz="1800" dirty="0"/>
-                <a:t>return address</a:t>
-              </a:r>
-            </a:p>
-          </p:txBody>
-        </p:sp>
-        <p:sp>
-          <p:nvSpPr>
-            <p:cNvPr id="70" name="TextBox 69">
-              <a:extLst>
-                <a:ext uri="{FF2B5EF4-FFF2-40B4-BE49-F238E27FC236}">
-                  <a16:creationId xmlns:a16="http://schemas.microsoft.com/office/drawing/2014/main" id="{F2F7C5DF-6D2D-4543-B6E0-B18D4217F52E}"/>
-                </a:ext>
-              </a:extLst>
-            </p:cNvPr>
-            <p:cNvSpPr txBox="1"/>
-            <p:nvPr/>
-          </p:nvSpPr>
-          <p:spPr>
-            <a:xfrm>
-              <a:off x="3427027" y="2722567"/>
-              <a:ext cx="2286000" cy="369332"/>
-            </a:xfrm>
-            <a:prstGeom prst="rect">
-              <a:avLst/>
-            </a:prstGeom>
+          </a:ln>
+        </p:spPr>
+        <p:txBody>
+          <a:bodyPr wrap="none" rtlCol="0">
+            <a:noAutofit/>
+          </a:bodyPr>
+          <a:lstStyle/>
+          <a:p>
+            <a:pPr marL="91440" algn="l"/>
+            <a:r>
+              <a:rPr lang="en-US" sz="1800" dirty="0"/>
+              <a:t>dynamic link</a:t>
+            </a:r>
+          </a:p>
+        </p:txBody>
+      </p:sp>
+      <p:sp>
+        <p:nvSpPr>
+          <p:cNvPr id="69" name="TextBox 68">
+            <a:extLst>
+              <a:ext uri="{FF2B5EF4-FFF2-40B4-BE49-F238E27FC236}">
+                <a16:creationId xmlns:a16="http://schemas.microsoft.com/office/drawing/2014/main" id="{E2D64B75-6D6C-4DA6-A677-6C13279C8E15}"/>
+              </a:ext>
+            </a:extLst>
+          </p:cNvPr>
+          <p:cNvSpPr txBox="1"/>
+          <p:nvPr/>
+        </p:nvSpPr>
+        <p:spPr>
+          <a:xfrm>
+            <a:off x="3427027" y="2351884"/>
+            <a:ext cx="2286000" cy="369332"/>
+          </a:xfrm>
+          <a:prstGeom prst="rect">
+            <a:avLst/>
+          </a:prstGeom>
+          <a:solidFill>
+            <a:schemeClr val="bg1"/>
+          </a:solidFill>
+          <a:ln>
             <a:solidFill>
-              <a:schemeClr val="bg1"/>
+              <a:schemeClr val="tx1"/>
             </a:solidFill>
-            <a:ln>
-              <a:solidFill>
-                <a:schemeClr val="tx1"/>
-              </a:solidFill>
-            </a:ln>
-          </p:spPr>
-          <p:txBody>
-            <a:bodyPr wrap="none" rtlCol="0">
-              <a:noAutofit/>
-            </a:bodyPr>
-            <a:lstStyle/>
-            <a:p>
-              <a:pPr marL="91440" algn="l"/>
-              <a:r>
-                <a:rPr lang="en-US" sz="1800" dirty="0"/>
-                <a:t>7</a:t>
-              </a:r>
-            </a:p>
-          </p:txBody>
-        </p:sp>
-        <p:sp>
-          <p:nvSpPr>
-            <p:cNvPr id="72" name="TextBox 71">
-              <a:extLst>
-                <a:ext uri="{FF2B5EF4-FFF2-40B4-BE49-F238E27FC236}">
-                  <a16:creationId xmlns:a16="http://schemas.microsoft.com/office/drawing/2014/main" id="{9599E4DD-7C5B-475F-806B-F0058F4ECE0F}"/>
-                </a:ext>
-              </a:extLst>
-            </p:cNvPr>
-            <p:cNvSpPr txBox="1"/>
-            <p:nvPr/>
-          </p:nvSpPr>
-          <p:spPr>
-            <a:xfrm>
-              <a:off x="2819400" y="1988771"/>
-              <a:ext cx="569388" cy="369332"/>
-            </a:xfrm>
-            <a:prstGeom prst="rect">
-              <a:avLst/>
-            </a:prstGeom>
-            <a:noFill/>
-          </p:spPr>
-          <p:txBody>
-            <a:bodyPr wrap="none" rtlCol="0">
-              <a:spAutoFit/>
-            </a:bodyPr>
-            <a:lstStyle/>
-            <a:p>
-              <a:r>
-                <a:rPr lang="en-US" sz="1800" dirty="0"/>
-                <a:t>200</a:t>
-              </a:r>
-            </a:p>
-          </p:txBody>
-        </p:sp>
-        <p:sp>
-          <p:nvSpPr>
-            <p:cNvPr id="73" name="TextBox 72">
-              <a:extLst>
-                <a:ext uri="{FF2B5EF4-FFF2-40B4-BE49-F238E27FC236}">
-                  <a16:creationId xmlns:a16="http://schemas.microsoft.com/office/drawing/2014/main" id="{7D5F371E-A21E-4C6E-A0B0-A42812DA92BB}"/>
-                </a:ext>
-              </a:extLst>
-            </p:cNvPr>
-            <p:cNvSpPr txBox="1"/>
-            <p:nvPr/>
-          </p:nvSpPr>
-          <p:spPr>
-            <a:xfrm>
-              <a:off x="2819401" y="2356911"/>
-              <a:ext cx="569387" cy="369332"/>
-            </a:xfrm>
-            <a:prstGeom prst="rect">
-              <a:avLst/>
-            </a:prstGeom>
-            <a:noFill/>
-          </p:spPr>
-          <p:txBody>
-            <a:bodyPr wrap="none" rtlCol="0">
-              <a:spAutoFit/>
-            </a:bodyPr>
-            <a:lstStyle/>
-            <a:p>
-              <a:r>
-                <a:rPr lang="en-US" sz="1800" dirty="0"/>
-                <a:t>204</a:t>
-              </a:r>
-            </a:p>
-          </p:txBody>
-        </p:sp>
-        <p:sp>
-          <p:nvSpPr>
-            <p:cNvPr id="74" name="TextBox 73">
-              <a:extLst>
-                <a:ext uri="{FF2B5EF4-FFF2-40B4-BE49-F238E27FC236}">
-                  <a16:creationId xmlns:a16="http://schemas.microsoft.com/office/drawing/2014/main" id="{314D2A39-5609-4923-AA08-AB9FB75E8DD8}"/>
-                </a:ext>
-              </a:extLst>
-            </p:cNvPr>
-            <p:cNvSpPr txBox="1"/>
-            <p:nvPr/>
-          </p:nvSpPr>
-          <p:spPr>
-            <a:xfrm>
-              <a:off x="2819400" y="2725051"/>
-              <a:ext cx="569388" cy="369332"/>
-            </a:xfrm>
-            <a:prstGeom prst="rect">
-              <a:avLst/>
-            </a:prstGeom>
-            <a:noFill/>
-          </p:spPr>
-          <p:txBody>
-            <a:bodyPr wrap="none" rtlCol="0">
-              <a:spAutoFit/>
-            </a:bodyPr>
-            <a:lstStyle/>
-            <a:p>
-              <a:r>
-                <a:rPr lang="en-US" sz="1800" dirty="0"/>
-                <a:t>208</a:t>
-              </a:r>
-            </a:p>
-          </p:txBody>
-        </p:sp>
-        <p:sp>
-          <p:nvSpPr>
-            <p:cNvPr id="76" name="TextBox 75">
-              <a:extLst>
-                <a:ext uri="{FF2B5EF4-FFF2-40B4-BE49-F238E27FC236}">
-                  <a16:creationId xmlns:a16="http://schemas.microsoft.com/office/drawing/2014/main" id="{03FC58D0-0DFB-41BF-B004-B8A24DF19F40}"/>
-                </a:ext>
-              </a:extLst>
-            </p:cNvPr>
-            <p:cNvSpPr txBox="1"/>
-            <p:nvPr/>
-          </p:nvSpPr>
-          <p:spPr>
-            <a:xfrm>
-              <a:off x="5791200" y="2710509"/>
-              <a:ext cx="300083" cy="369332"/>
-            </a:xfrm>
-            <a:prstGeom prst="rect">
-              <a:avLst/>
-            </a:prstGeom>
-            <a:noFill/>
-          </p:spPr>
-          <p:txBody>
-            <a:bodyPr wrap="none" rtlCol="0">
-              <a:spAutoFit/>
-            </a:bodyPr>
-            <a:lstStyle/>
-            <a:p>
-              <a:r>
-                <a:rPr lang="en-US" sz="1800" dirty="0"/>
-                <a:t>x</a:t>
-              </a:r>
-            </a:p>
-          </p:txBody>
-        </p:sp>
-        <p:sp>
-          <p:nvSpPr>
-            <p:cNvPr id="77" name="TextBox 76">
-              <a:extLst>
-                <a:ext uri="{FF2B5EF4-FFF2-40B4-BE49-F238E27FC236}">
-                  <a16:creationId xmlns:a16="http://schemas.microsoft.com/office/drawing/2014/main" id="{62061F1D-676D-43D4-B9CA-DB52FB119596}"/>
-                </a:ext>
-              </a:extLst>
-            </p:cNvPr>
-            <p:cNvSpPr txBox="1"/>
-            <p:nvPr/>
-          </p:nvSpPr>
-          <p:spPr>
-            <a:xfrm>
-              <a:off x="5795918" y="3081440"/>
-              <a:ext cx="300082" cy="369332"/>
-            </a:xfrm>
-            <a:prstGeom prst="rect">
-              <a:avLst/>
-            </a:prstGeom>
-            <a:noFill/>
-          </p:spPr>
-          <p:txBody>
-            <a:bodyPr wrap="none" rtlCol="0">
-              <a:spAutoFit/>
-            </a:bodyPr>
-            <a:lstStyle/>
-            <a:p>
-              <a:r>
-                <a:rPr lang="en-US" sz="1800" dirty="0"/>
-                <a:t>y</a:t>
-              </a:r>
-            </a:p>
-          </p:txBody>
-        </p:sp>
-        <p:sp>
-          <p:nvSpPr>
-            <p:cNvPr id="21" name="TextBox 20">
-              <a:extLst>
-                <a:ext uri="{FF2B5EF4-FFF2-40B4-BE49-F238E27FC236}">
-                  <a16:creationId xmlns:a16="http://schemas.microsoft.com/office/drawing/2014/main" id="{AB841B8B-8949-425B-86CF-937F49018DBE}"/>
-                </a:ext>
-              </a:extLst>
-            </p:cNvPr>
-            <p:cNvSpPr txBox="1"/>
-            <p:nvPr/>
-          </p:nvSpPr>
-          <p:spPr>
-            <a:xfrm>
-              <a:off x="1676400" y="1988771"/>
-              <a:ext cx="492443" cy="369332"/>
-            </a:xfrm>
-            <a:prstGeom prst="rect">
-              <a:avLst/>
-            </a:prstGeom>
-            <a:noFill/>
-          </p:spPr>
-          <p:txBody>
-            <a:bodyPr wrap="none" rtlCol="0">
-              <a:spAutoFit/>
-            </a:bodyPr>
-            <a:lstStyle/>
-            <a:p>
-              <a:r>
-                <a:rPr lang="en-US" sz="1800" dirty="0"/>
-                <a:t>BP</a:t>
-              </a:r>
-            </a:p>
-          </p:txBody>
-        </p:sp>
-        <p:sp>
-          <p:nvSpPr>
-            <p:cNvPr id="22" name="TextBox 21">
-              <a:extLst>
-                <a:ext uri="{FF2B5EF4-FFF2-40B4-BE49-F238E27FC236}">
-                  <a16:creationId xmlns:a16="http://schemas.microsoft.com/office/drawing/2014/main" id="{5C971F6B-A50E-44FF-8236-6A6813B34770}"/>
-                </a:ext>
-              </a:extLst>
-            </p:cNvPr>
-            <p:cNvSpPr txBox="1"/>
-            <p:nvPr/>
-          </p:nvSpPr>
-          <p:spPr>
-            <a:xfrm>
-              <a:off x="1676400" y="3093191"/>
-              <a:ext cx="492443" cy="369332"/>
-            </a:xfrm>
-            <a:prstGeom prst="rect">
-              <a:avLst/>
-            </a:prstGeom>
-            <a:noFill/>
-          </p:spPr>
-          <p:txBody>
-            <a:bodyPr wrap="square" rtlCol="0">
-              <a:spAutoFit/>
-            </a:bodyPr>
-            <a:lstStyle/>
-            <a:p>
-              <a:r>
-                <a:rPr lang="en-US" sz="1800" dirty="0"/>
-                <a:t>SP</a:t>
-              </a:r>
-            </a:p>
-          </p:txBody>
-        </p:sp>
-        <p:cxnSp>
-          <p:nvCxnSpPr>
-            <p:cNvPr id="6" name="Straight Arrow Connector 5">
-              <a:extLst>
-                <a:ext uri="{FF2B5EF4-FFF2-40B4-BE49-F238E27FC236}">
-                  <a16:creationId xmlns:a16="http://schemas.microsoft.com/office/drawing/2014/main" id="{0A106FBB-345C-44C4-9643-9EAD3CCD65A3}"/>
-                </a:ext>
-              </a:extLst>
-            </p:cNvPr>
-            <p:cNvCxnSpPr>
-              <a:cxnSpLocks/>
-              <a:stCxn id="21" idx="3"/>
-              <a:endCxn id="72" idx="1"/>
-            </p:cNvCxnSpPr>
-            <p:nvPr/>
-          </p:nvCxnSpPr>
-          <p:spPr bwMode="auto">
-            <a:xfrm>
-              <a:off x="2168843" y="2173437"/>
-              <a:ext cx="650557" cy="0"/>
-            </a:xfrm>
-            <a:prstGeom prst="straightConnector1">
-              <a:avLst/>
-            </a:prstGeom>
-            <a:noFill/>
-            <a:ln w="9525" cap="flat" cmpd="sng" algn="ctr">
-              <a:solidFill>
-                <a:schemeClr val="tx1"/>
-              </a:solidFill>
-              <a:prstDash val="solid"/>
-              <a:round/>
-              <a:headEnd type="none" w="med" len="med"/>
-              <a:tailEnd type="triangle"/>
-            </a:ln>
-            <a:effectLst/>
-          </p:spPr>
-        </p:cxnSp>
-        <p:cxnSp>
-          <p:nvCxnSpPr>
-            <p:cNvPr id="8" name="Straight Arrow Connector 7">
-              <a:extLst>
-                <a:ext uri="{FF2B5EF4-FFF2-40B4-BE49-F238E27FC236}">
-                  <a16:creationId xmlns:a16="http://schemas.microsoft.com/office/drawing/2014/main" id="{A9C85EE5-732F-429A-900E-1B7B21758369}"/>
-                </a:ext>
-              </a:extLst>
-            </p:cNvPr>
-            <p:cNvCxnSpPr>
-              <a:cxnSpLocks/>
-              <a:stCxn id="22" idx="3"/>
-              <a:endCxn id="29" idx="1"/>
-            </p:cNvCxnSpPr>
-            <p:nvPr/>
-          </p:nvCxnSpPr>
-          <p:spPr bwMode="auto">
-            <a:xfrm>
-              <a:off x="2168843" y="3277857"/>
-              <a:ext cx="650557" cy="0"/>
-            </a:xfrm>
-            <a:prstGeom prst="straightConnector1">
-              <a:avLst/>
-            </a:prstGeom>
-            <a:noFill/>
-            <a:ln w="9525" cap="flat" cmpd="sng" algn="ctr">
-              <a:solidFill>
-                <a:schemeClr val="tx1"/>
-              </a:solidFill>
-              <a:prstDash val="solid"/>
-              <a:round/>
-              <a:headEnd type="none" w="med" len="med"/>
-              <a:tailEnd type="triangle"/>
-            </a:ln>
-            <a:effectLst/>
-          </p:spPr>
-        </p:cxnSp>
-        <p:sp>
-          <p:nvSpPr>
-            <p:cNvPr id="28" name="TextBox 27">
-              <a:extLst>
-                <a:ext uri="{FF2B5EF4-FFF2-40B4-BE49-F238E27FC236}">
-                  <a16:creationId xmlns:a16="http://schemas.microsoft.com/office/drawing/2014/main" id="{19D5125A-908B-4812-91D8-0C630BA2F87E}"/>
-                </a:ext>
-              </a:extLst>
-            </p:cNvPr>
-            <p:cNvSpPr txBox="1"/>
-            <p:nvPr/>
-          </p:nvSpPr>
-          <p:spPr>
-            <a:xfrm>
-              <a:off x="3427027" y="3091899"/>
-              <a:ext cx="2286000" cy="369332"/>
-            </a:xfrm>
-            <a:prstGeom prst="rect">
-              <a:avLst/>
-            </a:prstGeom>
+          </a:ln>
+        </p:spPr>
+        <p:txBody>
+          <a:bodyPr wrap="none" rtlCol="0">
+            <a:noAutofit/>
+          </a:bodyPr>
+          <a:lstStyle/>
+          <a:p>
+            <a:pPr marL="91440" algn="l"/>
+            <a:r>
+              <a:rPr lang="en-US" sz="1800" dirty="0"/>
+              <a:t>return address</a:t>
+            </a:r>
+          </a:p>
+        </p:txBody>
+      </p:sp>
+      <p:sp>
+        <p:nvSpPr>
+          <p:cNvPr id="70" name="TextBox 69">
+            <a:extLst>
+              <a:ext uri="{FF2B5EF4-FFF2-40B4-BE49-F238E27FC236}">
+                <a16:creationId xmlns:a16="http://schemas.microsoft.com/office/drawing/2014/main" id="{F2F7C5DF-6D2D-4543-B6E0-B18D4217F52E}"/>
+              </a:ext>
+            </a:extLst>
+          </p:cNvPr>
+          <p:cNvSpPr txBox="1"/>
+          <p:nvPr/>
+        </p:nvSpPr>
+        <p:spPr>
+          <a:xfrm>
+            <a:off x="3427027" y="2722567"/>
+            <a:ext cx="2286000" cy="369332"/>
+          </a:xfrm>
+          <a:prstGeom prst="rect">
+            <a:avLst/>
+          </a:prstGeom>
+          <a:solidFill>
+            <a:schemeClr val="bg1"/>
+          </a:solidFill>
+          <a:ln>
             <a:solidFill>
-              <a:schemeClr val="bg1"/>
+              <a:schemeClr val="tx1"/>
             </a:solidFill>
-            <a:ln>
-              <a:solidFill>
-                <a:schemeClr val="tx1"/>
-              </a:solidFill>
-            </a:ln>
-          </p:spPr>
-          <p:txBody>
-            <a:bodyPr wrap="none" rtlCol="0">
-              <a:noAutofit/>
-            </a:bodyPr>
-            <a:lstStyle/>
-            <a:p>
-              <a:pPr marL="91440" algn="l"/>
-              <a:r>
-                <a:rPr lang="en-US" sz="1800" dirty="0"/>
-                <a:t>6</a:t>
-              </a:r>
-            </a:p>
-          </p:txBody>
-        </p:sp>
-        <p:sp>
-          <p:nvSpPr>
-            <p:cNvPr id="29" name="TextBox 28">
-              <a:extLst>
-                <a:ext uri="{FF2B5EF4-FFF2-40B4-BE49-F238E27FC236}">
-                  <a16:creationId xmlns:a16="http://schemas.microsoft.com/office/drawing/2014/main" id="{5EEA69FA-6414-4647-BC93-6FD115E6F199}"/>
-                </a:ext>
-              </a:extLst>
-            </p:cNvPr>
-            <p:cNvSpPr txBox="1"/>
-            <p:nvPr/>
-          </p:nvSpPr>
-          <p:spPr>
-            <a:xfrm>
-              <a:off x="2819400" y="3093191"/>
-              <a:ext cx="569388" cy="369332"/>
-            </a:xfrm>
-            <a:prstGeom prst="rect">
-              <a:avLst/>
-            </a:prstGeom>
-            <a:noFill/>
-          </p:spPr>
-          <p:txBody>
-            <a:bodyPr wrap="none" rtlCol="0">
-              <a:spAutoFit/>
-            </a:bodyPr>
-            <a:lstStyle/>
-            <a:p>
-              <a:r>
-                <a:rPr lang="en-US" sz="1800" dirty="0"/>
-                <a:t>212</a:t>
-              </a:r>
-            </a:p>
-          </p:txBody>
-        </p:sp>
-      </p:grpSp>
+          </a:ln>
+        </p:spPr>
+        <p:txBody>
+          <a:bodyPr wrap="none" rtlCol="0">
+            <a:noAutofit/>
+          </a:bodyPr>
+          <a:lstStyle/>
+          <a:p>
+            <a:pPr marL="91440" algn="l"/>
+            <a:r>
+              <a:rPr lang="en-US" sz="1800" dirty="0"/>
+              <a:t>7</a:t>
+            </a:r>
+          </a:p>
+        </p:txBody>
+      </p:sp>
+      <p:sp>
+        <p:nvSpPr>
+          <p:cNvPr id="72" name="TextBox 71">
+            <a:extLst>
+              <a:ext uri="{FF2B5EF4-FFF2-40B4-BE49-F238E27FC236}">
+                <a16:creationId xmlns:a16="http://schemas.microsoft.com/office/drawing/2014/main" id="{9599E4DD-7C5B-475F-806B-F0058F4ECE0F}"/>
+              </a:ext>
+            </a:extLst>
+          </p:cNvPr>
+          <p:cNvSpPr txBox="1"/>
+          <p:nvPr/>
+        </p:nvSpPr>
+        <p:spPr>
+          <a:xfrm>
+            <a:off x="2819400" y="1988771"/>
+            <a:ext cx="569388" cy="369332"/>
+          </a:xfrm>
+          <a:prstGeom prst="rect">
+            <a:avLst/>
+          </a:prstGeom>
+          <a:noFill/>
+        </p:spPr>
+        <p:txBody>
+          <a:bodyPr wrap="none" rtlCol="0">
+            <a:spAutoFit/>
+          </a:bodyPr>
+          <a:lstStyle/>
+          <a:p>
+            <a:r>
+              <a:rPr lang="en-US" sz="1800" dirty="0"/>
+              <a:t>200</a:t>
+            </a:r>
+          </a:p>
+        </p:txBody>
+      </p:sp>
+      <p:sp>
+        <p:nvSpPr>
+          <p:cNvPr id="73" name="TextBox 72">
+            <a:extLst>
+              <a:ext uri="{FF2B5EF4-FFF2-40B4-BE49-F238E27FC236}">
+                <a16:creationId xmlns:a16="http://schemas.microsoft.com/office/drawing/2014/main" id="{7D5F371E-A21E-4C6E-A0B0-A42812DA92BB}"/>
+              </a:ext>
+            </a:extLst>
+          </p:cNvPr>
+          <p:cNvSpPr txBox="1"/>
+          <p:nvPr/>
+        </p:nvSpPr>
+        <p:spPr>
+          <a:xfrm>
+            <a:off x="2819401" y="2356911"/>
+            <a:ext cx="569387" cy="369332"/>
+          </a:xfrm>
+          <a:prstGeom prst="rect">
+            <a:avLst/>
+          </a:prstGeom>
+          <a:noFill/>
+        </p:spPr>
+        <p:txBody>
+          <a:bodyPr wrap="none" rtlCol="0">
+            <a:spAutoFit/>
+          </a:bodyPr>
+          <a:lstStyle/>
+          <a:p>
+            <a:r>
+              <a:rPr lang="en-US" sz="1800" dirty="0"/>
+              <a:t>204</a:t>
+            </a:r>
+          </a:p>
+        </p:txBody>
+      </p:sp>
+      <p:sp>
+        <p:nvSpPr>
+          <p:cNvPr id="74" name="TextBox 73">
+            <a:extLst>
+              <a:ext uri="{FF2B5EF4-FFF2-40B4-BE49-F238E27FC236}">
+                <a16:creationId xmlns:a16="http://schemas.microsoft.com/office/drawing/2014/main" id="{314D2A39-5609-4923-AA08-AB9FB75E8DD8}"/>
+              </a:ext>
+            </a:extLst>
+          </p:cNvPr>
+          <p:cNvSpPr txBox="1"/>
+          <p:nvPr/>
+        </p:nvSpPr>
+        <p:spPr>
+          <a:xfrm>
+            <a:off x="2819400" y="2725051"/>
+            <a:ext cx="569388" cy="369332"/>
+          </a:xfrm>
+          <a:prstGeom prst="rect">
+            <a:avLst/>
+          </a:prstGeom>
+          <a:noFill/>
+        </p:spPr>
+        <p:txBody>
+          <a:bodyPr wrap="none" rtlCol="0">
+            <a:spAutoFit/>
+          </a:bodyPr>
+          <a:lstStyle/>
+          <a:p>
+            <a:r>
+              <a:rPr lang="en-US" sz="1800" dirty="0"/>
+              <a:t>208</a:t>
+            </a:r>
+          </a:p>
+        </p:txBody>
+      </p:sp>
+      <p:sp>
+        <p:nvSpPr>
+          <p:cNvPr id="76" name="TextBox 75">
+            <a:extLst>
+              <a:ext uri="{FF2B5EF4-FFF2-40B4-BE49-F238E27FC236}">
+                <a16:creationId xmlns:a16="http://schemas.microsoft.com/office/drawing/2014/main" id="{03FC58D0-0DFB-41BF-B004-B8A24DF19F40}"/>
+              </a:ext>
+            </a:extLst>
+          </p:cNvPr>
+          <p:cNvSpPr txBox="1"/>
+          <p:nvPr/>
+        </p:nvSpPr>
+        <p:spPr>
+          <a:xfrm>
+            <a:off x="5791200" y="2710509"/>
+            <a:ext cx="300083" cy="369332"/>
+          </a:xfrm>
+          <a:prstGeom prst="rect">
+            <a:avLst/>
+          </a:prstGeom>
+          <a:noFill/>
+        </p:spPr>
+        <p:txBody>
+          <a:bodyPr wrap="none" rtlCol="0">
+            <a:spAutoFit/>
+          </a:bodyPr>
+          <a:lstStyle/>
+          <a:p>
+            <a:r>
+              <a:rPr lang="en-US" sz="1800" dirty="0"/>
+              <a:t>x</a:t>
+            </a:r>
+          </a:p>
+        </p:txBody>
+      </p:sp>
+      <p:sp>
+        <p:nvSpPr>
+          <p:cNvPr id="77" name="TextBox 76">
+            <a:extLst>
+              <a:ext uri="{FF2B5EF4-FFF2-40B4-BE49-F238E27FC236}">
+                <a16:creationId xmlns:a16="http://schemas.microsoft.com/office/drawing/2014/main" id="{62061F1D-676D-43D4-B9CA-DB52FB119596}"/>
+              </a:ext>
+            </a:extLst>
+          </p:cNvPr>
+          <p:cNvSpPr txBox="1"/>
+          <p:nvPr/>
+        </p:nvSpPr>
+        <p:spPr>
+          <a:xfrm>
+            <a:off x="5791200" y="3081440"/>
+            <a:ext cx="300082" cy="369332"/>
+          </a:xfrm>
+          <a:prstGeom prst="rect">
+            <a:avLst/>
+          </a:prstGeom>
+          <a:noFill/>
+        </p:spPr>
+        <p:txBody>
+          <a:bodyPr wrap="none" rtlCol="0">
+            <a:spAutoFit/>
+          </a:bodyPr>
+          <a:lstStyle/>
+          <a:p>
+            <a:r>
+              <a:rPr lang="en-US" sz="1800" dirty="0"/>
+              <a:t>y</a:t>
+            </a:r>
+          </a:p>
+        </p:txBody>
+      </p:sp>
+      <p:sp>
+        <p:nvSpPr>
+          <p:cNvPr id="21" name="TextBox 20">
+            <a:extLst>
+              <a:ext uri="{FF2B5EF4-FFF2-40B4-BE49-F238E27FC236}">
+                <a16:creationId xmlns:a16="http://schemas.microsoft.com/office/drawing/2014/main" id="{AB841B8B-8949-425B-86CF-937F49018DBE}"/>
+              </a:ext>
+            </a:extLst>
+          </p:cNvPr>
+          <p:cNvSpPr txBox="1"/>
+          <p:nvPr/>
+        </p:nvSpPr>
+        <p:spPr>
+          <a:xfrm>
+            <a:off x="1676400" y="1988771"/>
+            <a:ext cx="492443" cy="369332"/>
+          </a:xfrm>
+          <a:prstGeom prst="rect">
+            <a:avLst/>
+          </a:prstGeom>
+          <a:noFill/>
+        </p:spPr>
+        <p:txBody>
+          <a:bodyPr wrap="none" rtlCol="0">
+            <a:spAutoFit/>
+          </a:bodyPr>
+          <a:lstStyle/>
+          <a:p>
+            <a:r>
+              <a:rPr lang="en-US" sz="1800" dirty="0"/>
+              <a:t>BP</a:t>
+            </a:r>
+          </a:p>
+        </p:txBody>
+      </p:sp>
+      <p:sp>
+        <p:nvSpPr>
+          <p:cNvPr id="22" name="TextBox 21">
+            <a:extLst>
+              <a:ext uri="{FF2B5EF4-FFF2-40B4-BE49-F238E27FC236}">
+                <a16:creationId xmlns:a16="http://schemas.microsoft.com/office/drawing/2014/main" id="{5C971F6B-A50E-44FF-8236-6A6813B34770}"/>
+              </a:ext>
+            </a:extLst>
+          </p:cNvPr>
+          <p:cNvSpPr txBox="1"/>
+          <p:nvPr/>
+        </p:nvSpPr>
+        <p:spPr>
+          <a:xfrm>
+            <a:off x="1676400" y="3093191"/>
+            <a:ext cx="492443" cy="369332"/>
+          </a:xfrm>
+          <a:prstGeom prst="rect">
+            <a:avLst/>
+          </a:prstGeom>
+          <a:noFill/>
+        </p:spPr>
+        <p:txBody>
+          <a:bodyPr wrap="square" rtlCol="0">
+            <a:spAutoFit/>
+          </a:bodyPr>
+          <a:lstStyle/>
+          <a:p>
+            <a:r>
+              <a:rPr lang="en-US" sz="1800" dirty="0"/>
+              <a:t>SP</a:t>
+            </a:r>
+          </a:p>
+        </p:txBody>
+      </p:sp>
+      <p:cxnSp>
+        <p:nvCxnSpPr>
+          <p:cNvPr id="6" name="Straight Arrow Connector 5">
+            <a:extLst>
+              <a:ext uri="{FF2B5EF4-FFF2-40B4-BE49-F238E27FC236}">
+                <a16:creationId xmlns:a16="http://schemas.microsoft.com/office/drawing/2014/main" id="{0A106FBB-345C-44C4-9643-9EAD3CCD65A3}"/>
+              </a:ext>
+            </a:extLst>
+          </p:cNvPr>
+          <p:cNvCxnSpPr>
+            <a:cxnSpLocks/>
+            <a:stCxn id="21" idx="3"/>
+            <a:endCxn id="72" idx="1"/>
+          </p:cNvCxnSpPr>
+          <p:nvPr/>
+        </p:nvCxnSpPr>
+        <p:spPr bwMode="auto">
+          <a:xfrm>
+            <a:off x="2168843" y="2173437"/>
+            <a:ext cx="650557" cy="0"/>
+          </a:xfrm>
+          <a:prstGeom prst="straightConnector1">
+            <a:avLst/>
+          </a:prstGeom>
+          <a:noFill/>
+          <a:ln w="9525" cap="flat" cmpd="sng" algn="ctr">
+            <a:solidFill>
+              <a:schemeClr val="tx1"/>
+            </a:solidFill>
+            <a:prstDash val="solid"/>
+            <a:round/>
+            <a:headEnd type="none" w="med" len="med"/>
+            <a:tailEnd type="triangle"/>
+          </a:ln>
+          <a:effectLst/>
+        </p:spPr>
+      </p:cxnSp>
+      <p:cxnSp>
+        <p:nvCxnSpPr>
+          <p:cNvPr id="8" name="Straight Arrow Connector 7">
+            <a:extLst>
+              <a:ext uri="{FF2B5EF4-FFF2-40B4-BE49-F238E27FC236}">
+                <a16:creationId xmlns:a16="http://schemas.microsoft.com/office/drawing/2014/main" id="{A9C85EE5-732F-429A-900E-1B7B21758369}"/>
+              </a:ext>
+            </a:extLst>
+          </p:cNvPr>
+          <p:cNvCxnSpPr>
+            <a:cxnSpLocks/>
+            <a:stCxn id="22" idx="3"/>
+            <a:endCxn id="29" idx="1"/>
+          </p:cNvCxnSpPr>
+          <p:nvPr/>
+        </p:nvCxnSpPr>
+        <p:spPr bwMode="auto">
+          <a:xfrm>
+            <a:off x="2168843" y="3277857"/>
+            <a:ext cx="650557" cy="0"/>
+          </a:xfrm>
+          <a:prstGeom prst="straightConnector1">
+            <a:avLst/>
+          </a:prstGeom>
+          <a:noFill/>
+          <a:ln w="9525" cap="flat" cmpd="sng" algn="ctr">
+            <a:solidFill>
+              <a:schemeClr val="tx1"/>
+            </a:solidFill>
+            <a:prstDash val="solid"/>
+            <a:round/>
+            <a:headEnd type="none" w="med" len="med"/>
+            <a:tailEnd type="triangle"/>
+          </a:ln>
+          <a:effectLst/>
+        </p:spPr>
+      </p:cxnSp>
+      <p:sp>
+        <p:nvSpPr>
+          <p:cNvPr id="28" name="TextBox 27">
+            <a:extLst>
+              <a:ext uri="{FF2B5EF4-FFF2-40B4-BE49-F238E27FC236}">
+                <a16:creationId xmlns:a16="http://schemas.microsoft.com/office/drawing/2014/main" id="{19D5125A-908B-4812-91D8-0C630BA2F87E}"/>
+              </a:ext>
+            </a:extLst>
+          </p:cNvPr>
+          <p:cNvSpPr txBox="1"/>
+          <p:nvPr/>
+        </p:nvSpPr>
+        <p:spPr>
+          <a:xfrm>
+            <a:off x="3427027" y="3091899"/>
+            <a:ext cx="2286000" cy="369332"/>
+          </a:xfrm>
+          <a:prstGeom prst="rect">
+            <a:avLst/>
+          </a:prstGeom>
+          <a:solidFill>
+            <a:schemeClr val="bg1"/>
+          </a:solidFill>
+          <a:ln>
+            <a:solidFill>
+              <a:schemeClr val="tx1"/>
+            </a:solidFill>
+          </a:ln>
+        </p:spPr>
+        <p:txBody>
+          <a:bodyPr wrap="none" rtlCol="0">
+            <a:noAutofit/>
+          </a:bodyPr>
+          <a:lstStyle/>
+          <a:p>
+            <a:pPr marL="91440" algn="l"/>
+            <a:r>
+              <a:rPr lang="en-US" sz="1800" dirty="0"/>
+              <a:t>6</a:t>
+            </a:r>
+          </a:p>
+        </p:txBody>
+      </p:sp>
+      <p:sp>
+        <p:nvSpPr>
+          <p:cNvPr id="29" name="TextBox 28">
+            <a:extLst>
+              <a:ext uri="{FF2B5EF4-FFF2-40B4-BE49-F238E27FC236}">
+                <a16:creationId xmlns:a16="http://schemas.microsoft.com/office/drawing/2014/main" id="{5EEA69FA-6414-4647-BC93-6FD115E6F199}"/>
+              </a:ext>
+            </a:extLst>
+          </p:cNvPr>
+          <p:cNvSpPr txBox="1"/>
+          <p:nvPr/>
+        </p:nvSpPr>
+        <p:spPr>
+          <a:xfrm>
+            <a:off x="2819400" y="3093191"/>
+            <a:ext cx="569388" cy="369332"/>
+          </a:xfrm>
+          <a:prstGeom prst="rect">
+            <a:avLst/>
+          </a:prstGeom>
+          <a:noFill/>
+        </p:spPr>
+        <p:txBody>
+          <a:bodyPr wrap="none" rtlCol="0">
+            <a:spAutoFit/>
+          </a:bodyPr>
+          <a:lstStyle/>
+          <a:p>
+            <a:r>
+              <a:rPr lang="en-US" sz="1800" dirty="0"/>
+              <a:t>212</a:t>
+            </a:r>
+          </a:p>
+        </p:txBody>
+      </p:sp>
       <p:sp>
         <p:nvSpPr>
           <p:cNvPr id="27" name="TextBox 26">
@@ -18878,63 +19419,6 @@
       </p:sp>
       <p:sp>
         <p:nvSpPr>
-          <p:cNvPr id="32" name="TextBox 31">
-            <a:extLst>
-              <a:ext uri="{FF2B5EF4-FFF2-40B4-BE49-F238E27FC236}">
-                <a16:creationId xmlns:a16="http://schemas.microsoft.com/office/drawing/2014/main" id="{CA794F88-7E41-4BF2-A554-CEF5DF62887A}"/>
-              </a:ext>
-            </a:extLst>
-          </p:cNvPr>
-          <p:cNvSpPr txBox="1"/>
-          <p:nvPr/>
-        </p:nvSpPr>
-        <p:spPr>
-          <a:xfrm>
-            <a:off x="1981200" y="3905071"/>
-            <a:ext cx="1223412" cy="1200329"/>
-          </a:xfrm>
-          <a:prstGeom prst="rect">
-            <a:avLst/>
-          </a:prstGeom>
-          <a:noFill/>
-        </p:spPr>
-        <p:txBody>
-          <a:bodyPr wrap="none" rtlCol="0">
-            <a:spAutoFit/>
-          </a:bodyPr>
-          <a:lstStyle/>
-          <a:p>
-            <a:pPr algn="l"/>
-            <a:r>
-              <a:rPr lang="en-US" sz="1800" dirty="0"/>
-              <a:t>temporary</a:t>
-            </a:r>
-          </a:p>
-          <a:p>
-            <a:pPr algn="l"/>
-            <a:r>
-              <a:rPr lang="en-US" sz="1800" dirty="0"/>
-              <a:t>part is</a:t>
-            </a:r>
-          </a:p>
-          <a:p>
-            <a:pPr algn="l"/>
-            <a:r>
-              <a:rPr lang="en-US" sz="1800" dirty="0"/>
-              <a:t>empty</a:t>
-            </a:r>
-          </a:p>
-          <a:p>
-            <a:pPr algn="l"/>
-            <a:r>
-              <a:rPr lang="en-US" sz="1800" dirty="0"/>
-              <a:t>again</a:t>
-            </a:r>
-          </a:p>
-        </p:txBody>
-      </p:sp>
-      <p:sp>
-        <p:nvSpPr>
           <p:cNvPr id="33" name="TextBox 32">
             <a:extLst>
               <a:ext uri="{FF2B5EF4-FFF2-40B4-BE49-F238E27FC236}">
@@ -18976,10 +19460,53 @@
           </a:p>
         </p:txBody>
       </p:sp>
+      <p:sp>
+        <p:nvSpPr>
+          <p:cNvPr id="24" name="TextBox 23">
+            <a:extLst>
+              <a:ext uri="{FF2B5EF4-FFF2-40B4-BE49-F238E27FC236}">
+                <a16:creationId xmlns:a16="http://schemas.microsoft.com/office/drawing/2014/main" id="{6F96ED24-C652-477B-9A47-9E445831C4D9}"/>
+              </a:ext>
+            </a:extLst>
+          </p:cNvPr>
+          <p:cNvSpPr txBox="1"/>
+          <p:nvPr/>
+        </p:nvSpPr>
+        <p:spPr>
+          <a:xfrm>
+            <a:off x="5791200" y="3470564"/>
+            <a:ext cx="1685077" cy="646331"/>
+          </a:xfrm>
+          <a:prstGeom prst="rect">
+            <a:avLst/>
+          </a:prstGeom>
+          <a:noFill/>
+        </p:spPr>
+        <p:txBody>
+          <a:bodyPr wrap="none" rtlCol="0">
+            <a:spAutoFit/>
+          </a:bodyPr>
+          <a:lstStyle/>
+          <a:p>
+            <a:pPr algn="l"/>
+            <a:r>
+              <a:rPr lang="en-US" sz="1800" dirty="0"/>
+              <a:t>temporary part</a:t>
+            </a:r>
+          </a:p>
+          <a:p>
+            <a:pPr algn="l"/>
+            <a:r>
+              <a:rPr lang="en-US" sz="1800" dirty="0"/>
+              <a:t>is empty again</a:t>
+            </a:r>
+          </a:p>
+        </p:txBody>
+      </p:sp>
     </p:spTree>
     <p:extLst>
       <p:ext uri="{BB962C8B-B14F-4D97-AF65-F5344CB8AC3E}">
-        <p14:creationId xmlns:p14="http://schemas.microsoft.com/office/powerpoint/2010/main" val="2325343506"/>
+        <p14:creationId xmlns:p14="http://schemas.microsoft.com/office/powerpoint/2010/main" val="1587892937"/>
       </p:ext>
     </p:extLst>
   </p:cSld>

--- a/PowerPoint Slides/13 - Subprograms.pptx
+++ b/PowerPoint Slides/13 - Subprograms.pptx
@@ -35329,7 +35329,7 @@
                 <a:latin typeface="Consolas" pitchFamily="49" charset="0"/>
                 <a:cs typeface="Consolas" pitchFamily="49" charset="0"/>
               </a:rPr>
-              <a:t>(x);</a:t>
+              <a:t> x;</a:t>
             </a:r>
           </a:p>
           <a:p>
